--- a/Just Don’t Presentation.pptx
+++ b/Just Don’t Presentation.pptx
@@ -6,16 +6,19 @@
   </p:sldMasterIdLst>
   <p:sldIdLst>
     <p:sldId id="256" r:id="rId2"/>
-    <p:sldId id="258" r:id="rId3"/>
-    <p:sldId id="259" r:id="rId4"/>
-    <p:sldId id="260" r:id="rId5"/>
-    <p:sldId id="262" r:id="rId6"/>
-    <p:sldId id="263" r:id="rId7"/>
-    <p:sldId id="261" r:id="rId8"/>
-    <p:sldId id="267" r:id="rId9"/>
-    <p:sldId id="264" r:id="rId10"/>
-    <p:sldId id="265" r:id="rId11"/>
-    <p:sldId id="266" r:id="rId12"/>
+    <p:sldId id="268" r:id="rId3"/>
+    <p:sldId id="270" r:id="rId4"/>
+    <p:sldId id="271" r:id="rId5"/>
+    <p:sldId id="258" r:id="rId6"/>
+    <p:sldId id="259" r:id="rId7"/>
+    <p:sldId id="260" r:id="rId8"/>
+    <p:sldId id="262" r:id="rId9"/>
+    <p:sldId id="263" r:id="rId10"/>
+    <p:sldId id="261" r:id="rId11"/>
+    <p:sldId id="267" r:id="rId12"/>
+    <p:sldId id="264" r:id="rId13"/>
+    <p:sldId id="265" r:id="rId14"/>
+    <p:sldId id="266" r:id="rId15"/>
   </p:sldIdLst>
   <p:sldSz cx="12192000" cy="6858000"/>
   <p:notesSz cx="6858000" cy="9144000"/>
@@ -116,7 +119,7 @@
   </p:defaultTextStyle>
   <p:extLst>
     <p:ext uri="{EFAFB233-063F-42B5-8137-9DF3F51BA10A}">
-      <p15:sldGuideLst xmlns:p15="http://schemas.microsoft.com/office/powerpoint/2012/main"/>
+      <p15:sldGuideLst xmlns:p15="http://schemas.microsoft.com/office/powerpoint/2012/main" xmlns=""/>
     </p:ext>
   </p:extLst>
 </p:presentation>
@@ -16153,7 +16156,7 @@
             </a:pPr>
             <a:r>
               <a:rPr lang="en-GB" dirty="0" smtClean="0"/>
-              <a:t>Add Review code</a:t>
+              <a:t>Login Modal code</a:t>
             </a:r>
           </a:p>
         </p:txBody>
@@ -16181,7 +16184,7 @@
         <p:spPr>
           <a:xfrm>
             <a:off x="5318144" y="1259090"/>
-            <a:ext cx="4939953" cy="4751235"/>
+            <a:ext cx="5265773" cy="5320285"/>
           </a:xfrm>
           <a:prstGeom prst="rect">
             <a:avLst/>
@@ -16191,7 +16194,7 @@
     </p:spTree>
     <p:extLst>
       <p:ext uri="{BB962C8B-B14F-4D97-AF65-F5344CB8AC3E}">
-        <p14:creationId xmlns:p14="http://schemas.microsoft.com/office/powerpoint/2010/main" val="3625050785"/>
+        <p14:creationId xmlns:p14="http://schemas.microsoft.com/office/powerpoint/2010/main" val="194780324"/>
       </p:ext>
     </p:extLst>
   </p:cSld>
@@ -16202,6 +16205,656 @@
 </file>
 
 <file path=ppt/slides/slide11.xml><?xml version="1.0" encoding="utf-8"?>
+<p:sld xmlns:a="http://schemas.openxmlformats.org/drawingml/2006/main" xmlns:r="http://schemas.openxmlformats.org/officeDocument/2006/relationships" xmlns:p="http://schemas.openxmlformats.org/presentationml/2006/main">
+  <p:cSld>
+    <p:spTree>
+      <p:nvGrpSpPr>
+        <p:cNvPr id="1" name=""/>
+        <p:cNvGrpSpPr/>
+        <p:nvPr/>
+      </p:nvGrpSpPr>
+      <p:grpSpPr>
+        <a:xfrm>
+          <a:off x="0" y="0"/>
+          <a:ext cx="0" cy="0"/>
+          <a:chOff x="0" y="0"/>
+          <a:chExt cx="0" cy="0"/>
+        </a:xfrm>
+      </p:grpSpPr>
+      <p:sp>
+        <p:nvSpPr>
+          <p:cNvPr id="2" name="Title 1"/>
+          <p:cNvSpPr>
+            <a:spLocks noGrp="1"/>
+          </p:cNvSpPr>
+          <p:nvPr>
+            <p:ph type="title"/>
+          </p:nvPr>
+        </p:nvSpPr>
+        <p:spPr/>
+        <p:txBody>
+          <a:bodyPr/>
+          <a:lstStyle/>
+          <a:p>
+            <a:r>
+              <a:rPr lang="en-GB" dirty="0" smtClean="0"/>
+              <a:t>Modals</a:t>
+            </a:r>
+            <a:endParaRPr lang="en-GB" dirty="0"/>
+          </a:p>
+        </p:txBody>
+      </p:sp>
+      <p:sp>
+        <p:nvSpPr>
+          <p:cNvPr id="4" name="Content Placeholder 2"/>
+          <p:cNvSpPr txBox="1">
+            <a:spLocks/>
+          </p:cNvSpPr>
+          <p:nvPr/>
+        </p:nvSpPr>
+        <p:spPr>
+          <a:xfrm>
+            <a:off x="5318144" y="746234"/>
+            <a:ext cx="6281873" cy="512856"/>
+          </a:xfrm>
+          <a:prstGeom prst="rect">
+            <a:avLst/>
+          </a:prstGeom>
+        </p:spPr>
+        <p:txBody>
+          <a:bodyPr vert="horz" lIns="91440" tIns="45720" rIns="91440" bIns="45720" rtlCol="0" anchor="ctr">
+            <a:normAutofit/>
+          </a:bodyPr>
+          <a:lstStyle>
+            <a:lvl1pPr marL="228600" indent="-228600" algn="l" defTabSz="914400" rtl="0" eaLnBrk="1" latinLnBrk="0" hangingPunct="1">
+              <a:lnSpc>
+                <a:spcPct val="120000"/>
+              </a:lnSpc>
+              <a:spcBef>
+                <a:spcPts val="1000"/>
+              </a:spcBef>
+              <a:buClr>
+                <a:schemeClr val="accent1"/>
+              </a:buClr>
+              <a:buSzPct val="110000"/>
+              <a:buFont typeface="Wingdings" panose="05000000000000000000" pitchFamily="2" charset="2"/>
+              <a:buChar char="§"/>
+              <a:defRPr sz="1800" kern="1200">
+                <a:solidFill>
+                  <a:schemeClr val="tx1"/>
+                </a:solidFill>
+                <a:effectLst/>
+                <a:latin typeface="+mn-lt"/>
+                <a:ea typeface="+mn-ea"/>
+                <a:cs typeface="+mn-cs"/>
+              </a:defRPr>
+            </a:lvl1pPr>
+            <a:lvl2pPr marL="685800" indent="-228600" algn="l" defTabSz="914400" rtl="0" eaLnBrk="1" latinLnBrk="0" hangingPunct="1">
+              <a:lnSpc>
+                <a:spcPct val="120000"/>
+              </a:lnSpc>
+              <a:spcBef>
+                <a:spcPts val="500"/>
+              </a:spcBef>
+              <a:buClr>
+                <a:schemeClr val="accent1"/>
+              </a:buClr>
+              <a:buSzPct val="110000"/>
+              <a:buFont typeface="Wingdings" panose="05000000000000000000" pitchFamily="2" charset="2"/>
+              <a:buChar char="§"/>
+              <a:defRPr sz="1600" kern="1200">
+                <a:solidFill>
+                  <a:schemeClr val="tx1"/>
+                </a:solidFill>
+                <a:effectLst/>
+                <a:latin typeface="+mn-lt"/>
+                <a:ea typeface="+mn-ea"/>
+                <a:cs typeface="+mn-cs"/>
+              </a:defRPr>
+            </a:lvl2pPr>
+            <a:lvl3pPr marL="1143000" indent="-228600" algn="l" defTabSz="914400" rtl="0" eaLnBrk="1" latinLnBrk="0" hangingPunct="1">
+              <a:lnSpc>
+                <a:spcPct val="120000"/>
+              </a:lnSpc>
+              <a:spcBef>
+                <a:spcPts val="500"/>
+              </a:spcBef>
+              <a:buClr>
+                <a:schemeClr val="accent1"/>
+              </a:buClr>
+              <a:buSzPct val="110000"/>
+              <a:buFont typeface="Wingdings" panose="05000000000000000000" pitchFamily="2" charset="2"/>
+              <a:buChar char="§"/>
+              <a:defRPr sz="1400" kern="1200">
+                <a:solidFill>
+                  <a:schemeClr val="tx1"/>
+                </a:solidFill>
+                <a:effectLst/>
+                <a:latin typeface="+mn-lt"/>
+                <a:ea typeface="+mn-ea"/>
+                <a:cs typeface="+mn-cs"/>
+              </a:defRPr>
+            </a:lvl3pPr>
+            <a:lvl4pPr marL="1600200" indent="-228600" algn="l" defTabSz="914400" rtl="0" eaLnBrk="1" latinLnBrk="0" hangingPunct="1">
+              <a:lnSpc>
+                <a:spcPct val="120000"/>
+              </a:lnSpc>
+              <a:spcBef>
+                <a:spcPts val="500"/>
+              </a:spcBef>
+              <a:buClr>
+                <a:schemeClr val="accent1"/>
+              </a:buClr>
+              <a:buSzPct val="110000"/>
+              <a:buFont typeface="Wingdings" panose="05000000000000000000" pitchFamily="2" charset="2"/>
+              <a:buChar char="§"/>
+              <a:defRPr sz="1200" kern="1200">
+                <a:solidFill>
+                  <a:schemeClr val="tx1"/>
+                </a:solidFill>
+                <a:effectLst/>
+                <a:latin typeface="+mn-lt"/>
+                <a:ea typeface="+mn-ea"/>
+                <a:cs typeface="+mn-cs"/>
+              </a:defRPr>
+            </a:lvl4pPr>
+            <a:lvl5pPr marL="2057400" indent="-228600" algn="l" defTabSz="914400" rtl="0" eaLnBrk="1" latinLnBrk="0" hangingPunct="1">
+              <a:lnSpc>
+                <a:spcPct val="120000"/>
+              </a:lnSpc>
+              <a:spcBef>
+                <a:spcPts val="500"/>
+              </a:spcBef>
+              <a:buClr>
+                <a:schemeClr val="accent1"/>
+              </a:buClr>
+              <a:buSzPct val="110000"/>
+              <a:buFont typeface="Wingdings" panose="05000000000000000000" pitchFamily="2" charset="2"/>
+              <a:buChar char="§"/>
+              <a:defRPr sz="1200" kern="1200">
+                <a:solidFill>
+                  <a:schemeClr val="tx1"/>
+                </a:solidFill>
+                <a:effectLst/>
+                <a:latin typeface="+mn-lt"/>
+                <a:ea typeface="+mn-ea"/>
+                <a:cs typeface="+mn-cs"/>
+              </a:defRPr>
+            </a:lvl5pPr>
+            <a:lvl6pPr marL="2514600" indent="-228600" algn="l" defTabSz="914400" rtl="0" eaLnBrk="1" latinLnBrk="0" hangingPunct="1">
+              <a:lnSpc>
+                <a:spcPct val="120000"/>
+              </a:lnSpc>
+              <a:spcBef>
+                <a:spcPts val="500"/>
+              </a:spcBef>
+              <a:buClr>
+                <a:schemeClr val="accent1"/>
+              </a:buClr>
+              <a:buSzPct val="110000"/>
+              <a:buFont typeface="Wingdings" panose="05000000000000000000" pitchFamily="2" charset="2"/>
+              <a:buChar char="§"/>
+              <a:defRPr sz="1200" kern="1200">
+                <a:solidFill>
+                  <a:schemeClr val="tx1"/>
+                </a:solidFill>
+                <a:effectLst/>
+                <a:latin typeface="+mn-lt"/>
+                <a:ea typeface="+mn-ea"/>
+                <a:cs typeface="+mn-cs"/>
+              </a:defRPr>
+            </a:lvl6pPr>
+            <a:lvl7pPr marL="2971800" indent="-228600" algn="l" defTabSz="914400" rtl="0" eaLnBrk="1" latinLnBrk="0" hangingPunct="1">
+              <a:lnSpc>
+                <a:spcPct val="120000"/>
+              </a:lnSpc>
+              <a:spcBef>
+                <a:spcPts val="500"/>
+              </a:spcBef>
+              <a:buClr>
+                <a:schemeClr val="accent1"/>
+              </a:buClr>
+              <a:buSzPct val="110000"/>
+              <a:buFont typeface="Wingdings" panose="05000000000000000000" pitchFamily="2" charset="2"/>
+              <a:buChar char="§"/>
+              <a:defRPr sz="1200" kern="1200">
+                <a:solidFill>
+                  <a:schemeClr val="tx1"/>
+                </a:solidFill>
+                <a:effectLst/>
+                <a:latin typeface="+mn-lt"/>
+                <a:ea typeface="+mn-ea"/>
+                <a:cs typeface="+mn-cs"/>
+              </a:defRPr>
+            </a:lvl7pPr>
+            <a:lvl8pPr marL="3429000" indent="-228600" algn="l" defTabSz="914400" rtl="0" eaLnBrk="1" latinLnBrk="0" hangingPunct="1">
+              <a:lnSpc>
+                <a:spcPct val="120000"/>
+              </a:lnSpc>
+              <a:spcBef>
+                <a:spcPts val="500"/>
+              </a:spcBef>
+              <a:buClr>
+                <a:schemeClr val="accent1"/>
+              </a:buClr>
+              <a:buSzPct val="110000"/>
+              <a:buFont typeface="Wingdings" panose="05000000000000000000" pitchFamily="2" charset="2"/>
+              <a:buChar char="§"/>
+              <a:defRPr sz="1200" kern="1200">
+                <a:solidFill>
+                  <a:schemeClr val="tx1"/>
+                </a:solidFill>
+                <a:effectLst/>
+                <a:latin typeface="+mn-lt"/>
+                <a:ea typeface="+mn-ea"/>
+                <a:cs typeface="+mn-cs"/>
+              </a:defRPr>
+            </a:lvl8pPr>
+            <a:lvl9pPr marL="3886200" indent="-228600" algn="l" defTabSz="914400" rtl="0" eaLnBrk="1" latinLnBrk="0" hangingPunct="1">
+              <a:lnSpc>
+                <a:spcPct val="120000"/>
+              </a:lnSpc>
+              <a:spcBef>
+                <a:spcPts val="500"/>
+              </a:spcBef>
+              <a:buClr>
+                <a:schemeClr val="accent1"/>
+              </a:buClr>
+              <a:buSzPct val="110000"/>
+              <a:buFont typeface="Wingdings" panose="05000000000000000000" pitchFamily="2" charset="2"/>
+              <a:buChar char="§"/>
+              <a:defRPr sz="1200" kern="1200">
+                <a:solidFill>
+                  <a:schemeClr val="tx1"/>
+                </a:solidFill>
+                <a:effectLst/>
+                <a:latin typeface="+mn-lt"/>
+                <a:ea typeface="+mn-ea"/>
+                <a:cs typeface="+mn-cs"/>
+              </a:defRPr>
+            </a:lvl9pPr>
+          </a:lstStyle>
+          <a:p>
+            <a:pPr marL="0" indent="0">
+              <a:buFont typeface="Wingdings" panose="05000000000000000000" pitchFamily="2" charset="2"/>
+              <a:buNone/>
+            </a:pPr>
+            <a:r>
+              <a:rPr lang="en-GB" dirty="0" smtClean="0"/>
+              <a:t>Login Modal code</a:t>
+            </a:r>
+          </a:p>
+        </p:txBody>
+      </p:sp>
+      <p:pic>
+        <p:nvPicPr>
+          <p:cNvPr id="5" name="Picture 4"/>
+          <p:cNvPicPr>
+            <a:picLocks noChangeAspect="1"/>
+          </p:cNvPicPr>
+          <p:nvPr/>
+        </p:nvPicPr>
+        <p:blipFill>
+          <a:blip r:embed="rId2">
+            <a:extLst>
+              <a:ext uri="{28A0092B-C50C-407E-A947-70E740481C1C}">
+                <a14:useLocalDpi xmlns:a14="http://schemas.microsoft.com/office/drawing/2010/main" val="0"/>
+              </a:ext>
+            </a:extLst>
+          </a:blip>
+          <a:stretch>
+            <a:fillRect/>
+          </a:stretch>
+        </p:blipFill>
+        <p:spPr>
+          <a:xfrm>
+            <a:off x="5318144" y="1259090"/>
+            <a:ext cx="4551070" cy="1907708"/>
+          </a:xfrm>
+          <a:prstGeom prst="rect">
+            <a:avLst/>
+          </a:prstGeom>
+        </p:spPr>
+      </p:pic>
+    </p:spTree>
+    <p:extLst>
+      <p:ext uri="{BB962C8B-B14F-4D97-AF65-F5344CB8AC3E}">
+        <p14:creationId xmlns:p14="http://schemas.microsoft.com/office/powerpoint/2010/main" val="443335792"/>
+      </p:ext>
+    </p:extLst>
+  </p:cSld>
+  <p:clrMapOvr>
+    <a:masterClrMapping/>
+  </p:clrMapOvr>
+</p:sld>
+</file>
+
+<file path=ppt/slides/slide12.xml><?xml version="1.0" encoding="utf-8"?>
+<p:sld xmlns:a="http://schemas.openxmlformats.org/drawingml/2006/main" xmlns:r="http://schemas.openxmlformats.org/officeDocument/2006/relationships" xmlns:p="http://schemas.openxmlformats.org/presentationml/2006/main">
+  <p:cSld>
+    <p:spTree>
+      <p:nvGrpSpPr>
+        <p:cNvPr id="1" name=""/>
+        <p:cNvGrpSpPr/>
+        <p:nvPr/>
+      </p:nvGrpSpPr>
+      <p:grpSpPr>
+        <a:xfrm>
+          <a:off x="0" y="0"/>
+          <a:ext cx="0" cy="0"/>
+          <a:chOff x="0" y="0"/>
+          <a:chExt cx="0" cy="0"/>
+        </a:xfrm>
+      </p:grpSpPr>
+      <p:sp>
+        <p:nvSpPr>
+          <p:cNvPr id="2" name="Title 1"/>
+          <p:cNvSpPr>
+            <a:spLocks noGrp="1"/>
+          </p:cNvSpPr>
+          <p:nvPr>
+            <p:ph type="title"/>
+          </p:nvPr>
+        </p:nvSpPr>
+        <p:spPr/>
+        <p:txBody>
+          <a:bodyPr/>
+          <a:lstStyle/>
+          <a:p>
+            <a:r>
+              <a:rPr lang="en-GB" dirty="0" smtClean="0"/>
+              <a:t>Modals</a:t>
+            </a:r>
+            <a:endParaRPr lang="en-GB" dirty="0"/>
+          </a:p>
+        </p:txBody>
+      </p:sp>
+      <p:sp>
+        <p:nvSpPr>
+          <p:cNvPr id="5" name="Content Placeholder 2"/>
+          <p:cNvSpPr txBox="1">
+            <a:spLocks/>
+          </p:cNvSpPr>
+          <p:nvPr/>
+        </p:nvSpPr>
+        <p:spPr>
+          <a:xfrm>
+            <a:off x="5318144" y="746234"/>
+            <a:ext cx="6281873" cy="512856"/>
+          </a:xfrm>
+          <a:prstGeom prst="rect">
+            <a:avLst/>
+          </a:prstGeom>
+        </p:spPr>
+        <p:txBody>
+          <a:bodyPr vert="horz" lIns="91440" tIns="45720" rIns="91440" bIns="45720" rtlCol="0" anchor="ctr">
+            <a:normAutofit/>
+          </a:bodyPr>
+          <a:lstStyle>
+            <a:lvl1pPr marL="228600" indent="-228600" algn="l" defTabSz="914400" rtl="0" eaLnBrk="1" latinLnBrk="0" hangingPunct="1">
+              <a:lnSpc>
+                <a:spcPct val="120000"/>
+              </a:lnSpc>
+              <a:spcBef>
+                <a:spcPts val="1000"/>
+              </a:spcBef>
+              <a:buClr>
+                <a:schemeClr val="accent1"/>
+              </a:buClr>
+              <a:buSzPct val="110000"/>
+              <a:buFont typeface="Wingdings" panose="05000000000000000000" pitchFamily="2" charset="2"/>
+              <a:buChar char="§"/>
+              <a:defRPr sz="1800" kern="1200">
+                <a:solidFill>
+                  <a:schemeClr val="tx1"/>
+                </a:solidFill>
+                <a:effectLst/>
+                <a:latin typeface="+mn-lt"/>
+                <a:ea typeface="+mn-ea"/>
+                <a:cs typeface="+mn-cs"/>
+              </a:defRPr>
+            </a:lvl1pPr>
+            <a:lvl2pPr marL="685800" indent="-228600" algn="l" defTabSz="914400" rtl="0" eaLnBrk="1" latinLnBrk="0" hangingPunct="1">
+              <a:lnSpc>
+                <a:spcPct val="120000"/>
+              </a:lnSpc>
+              <a:spcBef>
+                <a:spcPts val="500"/>
+              </a:spcBef>
+              <a:buClr>
+                <a:schemeClr val="accent1"/>
+              </a:buClr>
+              <a:buSzPct val="110000"/>
+              <a:buFont typeface="Wingdings" panose="05000000000000000000" pitchFamily="2" charset="2"/>
+              <a:buChar char="§"/>
+              <a:defRPr sz="1600" kern="1200">
+                <a:solidFill>
+                  <a:schemeClr val="tx1"/>
+                </a:solidFill>
+                <a:effectLst/>
+                <a:latin typeface="+mn-lt"/>
+                <a:ea typeface="+mn-ea"/>
+                <a:cs typeface="+mn-cs"/>
+              </a:defRPr>
+            </a:lvl2pPr>
+            <a:lvl3pPr marL="1143000" indent="-228600" algn="l" defTabSz="914400" rtl="0" eaLnBrk="1" latinLnBrk="0" hangingPunct="1">
+              <a:lnSpc>
+                <a:spcPct val="120000"/>
+              </a:lnSpc>
+              <a:spcBef>
+                <a:spcPts val="500"/>
+              </a:spcBef>
+              <a:buClr>
+                <a:schemeClr val="accent1"/>
+              </a:buClr>
+              <a:buSzPct val="110000"/>
+              <a:buFont typeface="Wingdings" panose="05000000000000000000" pitchFamily="2" charset="2"/>
+              <a:buChar char="§"/>
+              <a:defRPr sz="1400" kern="1200">
+                <a:solidFill>
+                  <a:schemeClr val="tx1"/>
+                </a:solidFill>
+                <a:effectLst/>
+                <a:latin typeface="+mn-lt"/>
+                <a:ea typeface="+mn-ea"/>
+                <a:cs typeface="+mn-cs"/>
+              </a:defRPr>
+            </a:lvl3pPr>
+            <a:lvl4pPr marL="1600200" indent="-228600" algn="l" defTabSz="914400" rtl="0" eaLnBrk="1" latinLnBrk="0" hangingPunct="1">
+              <a:lnSpc>
+                <a:spcPct val="120000"/>
+              </a:lnSpc>
+              <a:spcBef>
+                <a:spcPts val="500"/>
+              </a:spcBef>
+              <a:buClr>
+                <a:schemeClr val="accent1"/>
+              </a:buClr>
+              <a:buSzPct val="110000"/>
+              <a:buFont typeface="Wingdings" panose="05000000000000000000" pitchFamily="2" charset="2"/>
+              <a:buChar char="§"/>
+              <a:defRPr sz="1200" kern="1200">
+                <a:solidFill>
+                  <a:schemeClr val="tx1"/>
+                </a:solidFill>
+                <a:effectLst/>
+                <a:latin typeface="+mn-lt"/>
+                <a:ea typeface="+mn-ea"/>
+                <a:cs typeface="+mn-cs"/>
+              </a:defRPr>
+            </a:lvl4pPr>
+            <a:lvl5pPr marL="2057400" indent="-228600" algn="l" defTabSz="914400" rtl="0" eaLnBrk="1" latinLnBrk="0" hangingPunct="1">
+              <a:lnSpc>
+                <a:spcPct val="120000"/>
+              </a:lnSpc>
+              <a:spcBef>
+                <a:spcPts val="500"/>
+              </a:spcBef>
+              <a:buClr>
+                <a:schemeClr val="accent1"/>
+              </a:buClr>
+              <a:buSzPct val="110000"/>
+              <a:buFont typeface="Wingdings" panose="05000000000000000000" pitchFamily="2" charset="2"/>
+              <a:buChar char="§"/>
+              <a:defRPr sz="1200" kern="1200">
+                <a:solidFill>
+                  <a:schemeClr val="tx1"/>
+                </a:solidFill>
+                <a:effectLst/>
+                <a:latin typeface="+mn-lt"/>
+                <a:ea typeface="+mn-ea"/>
+                <a:cs typeface="+mn-cs"/>
+              </a:defRPr>
+            </a:lvl5pPr>
+            <a:lvl6pPr marL="2514600" indent="-228600" algn="l" defTabSz="914400" rtl="0" eaLnBrk="1" latinLnBrk="0" hangingPunct="1">
+              <a:lnSpc>
+                <a:spcPct val="120000"/>
+              </a:lnSpc>
+              <a:spcBef>
+                <a:spcPts val="500"/>
+              </a:spcBef>
+              <a:buClr>
+                <a:schemeClr val="accent1"/>
+              </a:buClr>
+              <a:buSzPct val="110000"/>
+              <a:buFont typeface="Wingdings" panose="05000000000000000000" pitchFamily="2" charset="2"/>
+              <a:buChar char="§"/>
+              <a:defRPr sz="1200" kern="1200">
+                <a:solidFill>
+                  <a:schemeClr val="tx1"/>
+                </a:solidFill>
+                <a:effectLst/>
+                <a:latin typeface="+mn-lt"/>
+                <a:ea typeface="+mn-ea"/>
+                <a:cs typeface="+mn-cs"/>
+              </a:defRPr>
+            </a:lvl6pPr>
+            <a:lvl7pPr marL="2971800" indent="-228600" algn="l" defTabSz="914400" rtl="0" eaLnBrk="1" latinLnBrk="0" hangingPunct="1">
+              <a:lnSpc>
+                <a:spcPct val="120000"/>
+              </a:lnSpc>
+              <a:spcBef>
+                <a:spcPts val="500"/>
+              </a:spcBef>
+              <a:buClr>
+                <a:schemeClr val="accent1"/>
+              </a:buClr>
+              <a:buSzPct val="110000"/>
+              <a:buFont typeface="Wingdings" panose="05000000000000000000" pitchFamily="2" charset="2"/>
+              <a:buChar char="§"/>
+              <a:defRPr sz="1200" kern="1200">
+                <a:solidFill>
+                  <a:schemeClr val="tx1"/>
+                </a:solidFill>
+                <a:effectLst/>
+                <a:latin typeface="+mn-lt"/>
+                <a:ea typeface="+mn-ea"/>
+                <a:cs typeface="+mn-cs"/>
+              </a:defRPr>
+            </a:lvl7pPr>
+            <a:lvl8pPr marL="3429000" indent="-228600" algn="l" defTabSz="914400" rtl="0" eaLnBrk="1" latinLnBrk="0" hangingPunct="1">
+              <a:lnSpc>
+                <a:spcPct val="120000"/>
+              </a:lnSpc>
+              <a:spcBef>
+                <a:spcPts val="500"/>
+              </a:spcBef>
+              <a:buClr>
+                <a:schemeClr val="accent1"/>
+              </a:buClr>
+              <a:buSzPct val="110000"/>
+              <a:buFont typeface="Wingdings" panose="05000000000000000000" pitchFamily="2" charset="2"/>
+              <a:buChar char="§"/>
+              <a:defRPr sz="1200" kern="1200">
+                <a:solidFill>
+                  <a:schemeClr val="tx1"/>
+                </a:solidFill>
+                <a:effectLst/>
+                <a:latin typeface="+mn-lt"/>
+                <a:ea typeface="+mn-ea"/>
+                <a:cs typeface="+mn-cs"/>
+              </a:defRPr>
+            </a:lvl8pPr>
+            <a:lvl9pPr marL="3886200" indent="-228600" algn="l" defTabSz="914400" rtl="0" eaLnBrk="1" latinLnBrk="0" hangingPunct="1">
+              <a:lnSpc>
+                <a:spcPct val="120000"/>
+              </a:lnSpc>
+              <a:spcBef>
+                <a:spcPts val="500"/>
+              </a:spcBef>
+              <a:buClr>
+                <a:schemeClr val="accent1"/>
+              </a:buClr>
+              <a:buSzPct val="110000"/>
+              <a:buFont typeface="Wingdings" panose="05000000000000000000" pitchFamily="2" charset="2"/>
+              <a:buChar char="§"/>
+              <a:defRPr sz="1200" kern="1200">
+                <a:solidFill>
+                  <a:schemeClr val="tx1"/>
+                </a:solidFill>
+                <a:effectLst/>
+                <a:latin typeface="+mn-lt"/>
+                <a:ea typeface="+mn-ea"/>
+                <a:cs typeface="+mn-cs"/>
+              </a:defRPr>
+            </a:lvl9pPr>
+          </a:lstStyle>
+          <a:p>
+            <a:pPr marL="0" indent="0">
+              <a:buFont typeface="Wingdings" panose="05000000000000000000" pitchFamily="2" charset="2"/>
+              <a:buNone/>
+            </a:pPr>
+            <a:r>
+              <a:rPr lang="en-GB" dirty="0" smtClean="0"/>
+              <a:t>Login Modal code</a:t>
+            </a:r>
+          </a:p>
+        </p:txBody>
+      </p:sp>
+      <p:pic>
+        <p:nvPicPr>
+          <p:cNvPr id="6" name="Picture 5"/>
+          <p:cNvPicPr>
+            <a:picLocks noChangeAspect="1"/>
+          </p:cNvPicPr>
+          <p:nvPr/>
+        </p:nvPicPr>
+        <p:blipFill>
+          <a:blip r:embed="rId2">
+            <a:extLst>
+              <a:ext uri="{28A0092B-C50C-407E-A947-70E740481C1C}">
+                <a14:useLocalDpi xmlns:a14="http://schemas.microsoft.com/office/drawing/2010/main" val="0"/>
+              </a:ext>
+            </a:extLst>
+          </a:blip>
+          <a:stretch>
+            <a:fillRect/>
+          </a:stretch>
+        </p:blipFill>
+        <p:spPr>
+          <a:xfrm>
+            <a:off x="5318144" y="1259090"/>
+            <a:ext cx="5624314" cy="4836910"/>
+          </a:xfrm>
+          <a:prstGeom prst="rect">
+            <a:avLst/>
+          </a:prstGeom>
+        </p:spPr>
+      </p:pic>
+    </p:spTree>
+    <p:extLst>
+      <p:ext uri="{BB962C8B-B14F-4D97-AF65-F5344CB8AC3E}">
+        <p14:creationId xmlns:p14="http://schemas.microsoft.com/office/powerpoint/2010/main" val="3290767495"/>
+      </p:ext>
+    </p:extLst>
+  </p:cSld>
+  <p:clrMapOvr>
+    <a:masterClrMapping/>
+  </p:clrMapOvr>
+</p:sld>
+</file>
+
+<file path=ppt/slides/slide13.xml><?xml version="1.0" encoding="utf-8"?>
 <p:sld xmlns:a="http://schemas.openxmlformats.org/drawingml/2006/main" xmlns:r="http://schemas.openxmlformats.org/officeDocument/2006/relationships" xmlns:p="http://schemas.openxmlformats.org/presentationml/2006/main">
   <p:cSld>
     <p:spTree>
@@ -16506,6 +17159,331 @@
         <p:spPr>
           <a:xfrm>
             <a:off x="5318144" y="1259090"/>
+            <a:ext cx="4939953" cy="4751235"/>
+          </a:xfrm>
+          <a:prstGeom prst="rect">
+            <a:avLst/>
+          </a:prstGeom>
+        </p:spPr>
+      </p:pic>
+    </p:spTree>
+    <p:extLst>
+      <p:ext uri="{BB962C8B-B14F-4D97-AF65-F5344CB8AC3E}">
+        <p14:creationId xmlns:p14="http://schemas.microsoft.com/office/powerpoint/2010/main" val="3625050785"/>
+      </p:ext>
+    </p:extLst>
+  </p:cSld>
+  <p:clrMapOvr>
+    <a:masterClrMapping/>
+  </p:clrMapOvr>
+</p:sld>
+</file>
+
+<file path=ppt/slides/slide14.xml><?xml version="1.0" encoding="utf-8"?>
+<p:sld xmlns:a="http://schemas.openxmlformats.org/drawingml/2006/main" xmlns:r="http://schemas.openxmlformats.org/officeDocument/2006/relationships" xmlns:p="http://schemas.openxmlformats.org/presentationml/2006/main">
+  <p:cSld>
+    <p:spTree>
+      <p:nvGrpSpPr>
+        <p:cNvPr id="1" name=""/>
+        <p:cNvGrpSpPr/>
+        <p:nvPr/>
+      </p:nvGrpSpPr>
+      <p:grpSpPr>
+        <a:xfrm>
+          <a:off x="0" y="0"/>
+          <a:ext cx="0" cy="0"/>
+          <a:chOff x="0" y="0"/>
+          <a:chExt cx="0" cy="0"/>
+        </a:xfrm>
+      </p:grpSpPr>
+      <p:sp>
+        <p:nvSpPr>
+          <p:cNvPr id="2" name="Title 1"/>
+          <p:cNvSpPr>
+            <a:spLocks noGrp="1"/>
+          </p:cNvSpPr>
+          <p:nvPr>
+            <p:ph type="title"/>
+          </p:nvPr>
+        </p:nvSpPr>
+        <p:spPr/>
+        <p:txBody>
+          <a:bodyPr/>
+          <a:lstStyle/>
+          <a:p>
+            <a:r>
+              <a:rPr lang="en-GB" dirty="0" smtClean="0"/>
+              <a:t>Modals</a:t>
+            </a:r>
+            <a:endParaRPr lang="en-GB" dirty="0"/>
+          </a:p>
+        </p:txBody>
+      </p:sp>
+      <p:sp>
+        <p:nvSpPr>
+          <p:cNvPr id="4" name="Content Placeholder 2"/>
+          <p:cNvSpPr txBox="1">
+            <a:spLocks/>
+          </p:cNvSpPr>
+          <p:nvPr/>
+        </p:nvSpPr>
+        <p:spPr>
+          <a:xfrm>
+            <a:off x="5318144" y="746234"/>
+            <a:ext cx="6281873" cy="512856"/>
+          </a:xfrm>
+          <a:prstGeom prst="rect">
+            <a:avLst/>
+          </a:prstGeom>
+        </p:spPr>
+        <p:txBody>
+          <a:bodyPr vert="horz" lIns="91440" tIns="45720" rIns="91440" bIns="45720" rtlCol="0" anchor="ctr">
+            <a:normAutofit/>
+          </a:bodyPr>
+          <a:lstStyle>
+            <a:lvl1pPr marL="228600" indent="-228600" algn="l" defTabSz="914400" rtl="0" eaLnBrk="1" latinLnBrk="0" hangingPunct="1">
+              <a:lnSpc>
+                <a:spcPct val="120000"/>
+              </a:lnSpc>
+              <a:spcBef>
+                <a:spcPts val="1000"/>
+              </a:spcBef>
+              <a:buClr>
+                <a:schemeClr val="accent1"/>
+              </a:buClr>
+              <a:buSzPct val="110000"/>
+              <a:buFont typeface="Wingdings" panose="05000000000000000000" pitchFamily="2" charset="2"/>
+              <a:buChar char="§"/>
+              <a:defRPr sz="1800" kern="1200">
+                <a:solidFill>
+                  <a:schemeClr val="tx1"/>
+                </a:solidFill>
+                <a:effectLst/>
+                <a:latin typeface="+mn-lt"/>
+                <a:ea typeface="+mn-ea"/>
+                <a:cs typeface="+mn-cs"/>
+              </a:defRPr>
+            </a:lvl1pPr>
+            <a:lvl2pPr marL="685800" indent="-228600" algn="l" defTabSz="914400" rtl="0" eaLnBrk="1" latinLnBrk="0" hangingPunct="1">
+              <a:lnSpc>
+                <a:spcPct val="120000"/>
+              </a:lnSpc>
+              <a:spcBef>
+                <a:spcPts val="500"/>
+              </a:spcBef>
+              <a:buClr>
+                <a:schemeClr val="accent1"/>
+              </a:buClr>
+              <a:buSzPct val="110000"/>
+              <a:buFont typeface="Wingdings" panose="05000000000000000000" pitchFamily="2" charset="2"/>
+              <a:buChar char="§"/>
+              <a:defRPr sz="1600" kern="1200">
+                <a:solidFill>
+                  <a:schemeClr val="tx1"/>
+                </a:solidFill>
+                <a:effectLst/>
+                <a:latin typeface="+mn-lt"/>
+                <a:ea typeface="+mn-ea"/>
+                <a:cs typeface="+mn-cs"/>
+              </a:defRPr>
+            </a:lvl2pPr>
+            <a:lvl3pPr marL="1143000" indent="-228600" algn="l" defTabSz="914400" rtl="0" eaLnBrk="1" latinLnBrk="0" hangingPunct="1">
+              <a:lnSpc>
+                <a:spcPct val="120000"/>
+              </a:lnSpc>
+              <a:spcBef>
+                <a:spcPts val="500"/>
+              </a:spcBef>
+              <a:buClr>
+                <a:schemeClr val="accent1"/>
+              </a:buClr>
+              <a:buSzPct val="110000"/>
+              <a:buFont typeface="Wingdings" panose="05000000000000000000" pitchFamily="2" charset="2"/>
+              <a:buChar char="§"/>
+              <a:defRPr sz="1400" kern="1200">
+                <a:solidFill>
+                  <a:schemeClr val="tx1"/>
+                </a:solidFill>
+                <a:effectLst/>
+                <a:latin typeface="+mn-lt"/>
+                <a:ea typeface="+mn-ea"/>
+                <a:cs typeface="+mn-cs"/>
+              </a:defRPr>
+            </a:lvl3pPr>
+            <a:lvl4pPr marL="1600200" indent="-228600" algn="l" defTabSz="914400" rtl="0" eaLnBrk="1" latinLnBrk="0" hangingPunct="1">
+              <a:lnSpc>
+                <a:spcPct val="120000"/>
+              </a:lnSpc>
+              <a:spcBef>
+                <a:spcPts val="500"/>
+              </a:spcBef>
+              <a:buClr>
+                <a:schemeClr val="accent1"/>
+              </a:buClr>
+              <a:buSzPct val="110000"/>
+              <a:buFont typeface="Wingdings" panose="05000000000000000000" pitchFamily="2" charset="2"/>
+              <a:buChar char="§"/>
+              <a:defRPr sz="1200" kern="1200">
+                <a:solidFill>
+                  <a:schemeClr val="tx1"/>
+                </a:solidFill>
+                <a:effectLst/>
+                <a:latin typeface="+mn-lt"/>
+                <a:ea typeface="+mn-ea"/>
+                <a:cs typeface="+mn-cs"/>
+              </a:defRPr>
+            </a:lvl4pPr>
+            <a:lvl5pPr marL="2057400" indent="-228600" algn="l" defTabSz="914400" rtl="0" eaLnBrk="1" latinLnBrk="0" hangingPunct="1">
+              <a:lnSpc>
+                <a:spcPct val="120000"/>
+              </a:lnSpc>
+              <a:spcBef>
+                <a:spcPts val="500"/>
+              </a:spcBef>
+              <a:buClr>
+                <a:schemeClr val="accent1"/>
+              </a:buClr>
+              <a:buSzPct val="110000"/>
+              <a:buFont typeface="Wingdings" panose="05000000000000000000" pitchFamily="2" charset="2"/>
+              <a:buChar char="§"/>
+              <a:defRPr sz="1200" kern="1200">
+                <a:solidFill>
+                  <a:schemeClr val="tx1"/>
+                </a:solidFill>
+                <a:effectLst/>
+                <a:latin typeface="+mn-lt"/>
+                <a:ea typeface="+mn-ea"/>
+                <a:cs typeface="+mn-cs"/>
+              </a:defRPr>
+            </a:lvl5pPr>
+            <a:lvl6pPr marL="2514600" indent="-228600" algn="l" defTabSz="914400" rtl="0" eaLnBrk="1" latinLnBrk="0" hangingPunct="1">
+              <a:lnSpc>
+                <a:spcPct val="120000"/>
+              </a:lnSpc>
+              <a:spcBef>
+                <a:spcPts val="500"/>
+              </a:spcBef>
+              <a:buClr>
+                <a:schemeClr val="accent1"/>
+              </a:buClr>
+              <a:buSzPct val="110000"/>
+              <a:buFont typeface="Wingdings" panose="05000000000000000000" pitchFamily="2" charset="2"/>
+              <a:buChar char="§"/>
+              <a:defRPr sz="1200" kern="1200">
+                <a:solidFill>
+                  <a:schemeClr val="tx1"/>
+                </a:solidFill>
+                <a:effectLst/>
+                <a:latin typeface="+mn-lt"/>
+                <a:ea typeface="+mn-ea"/>
+                <a:cs typeface="+mn-cs"/>
+              </a:defRPr>
+            </a:lvl6pPr>
+            <a:lvl7pPr marL="2971800" indent="-228600" algn="l" defTabSz="914400" rtl="0" eaLnBrk="1" latinLnBrk="0" hangingPunct="1">
+              <a:lnSpc>
+                <a:spcPct val="120000"/>
+              </a:lnSpc>
+              <a:spcBef>
+                <a:spcPts val="500"/>
+              </a:spcBef>
+              <a:buClr>
+                <a:schemeClr val="accent1"/>
+              </a:buClr>
+              <a:buSzPct val="110000"/>
+              <a:buFont typeface="Wingdings" panose="05000000000000000000" pitchFamily="2" charset="2"/>
+              <a:buChar char="§"/>
+              <a:defRPr sz="1200" kern="1200">
+                <a:solidFill>
+                  <a:schemeClr val="tx1"/>
+                </a:solidFill>
+                <a:effectLst/>
+                <a:latin typeface="+mn-lt"/>
+                <a:ea typeface="+mn-ea"/>
+                <a:cs typeface="+mn-cs"/>
+              </a:defRPr>
+            </a:lvl7pPr>
+            <a:lvl8pPr marL="3429000" indent="-228600" algn="l" defTabSz="914400" rtl="0" eaLnBrk="1" latinLnBrk="0" hangingPunct="1">
+              <a:lnSpc>
+                <a:spcPct val="120000"/>
+              </a:lnSpc>
+              <a:spcBef>
+                <a:spcPts val="500"/>
+              </a:spcBef>
+              <a:buClr>
+                <a:schemeClr val="accent1"/>
+              </a:buClr>
+              <a:buSzPct val="110000"/>
+              <a:buFont typeface="Wingdings" panose="05000000000000000000" pitchFamily="2" charset="2"/>
+              <a:buChar char="§"/>
+              <a:defRPr sz="1200" kern="1200">
+                <a:solidFill>
+                  <a:schemeClr val="tx1"/>
+                </a:solidFill>
+                <a:effectLst/>
+                <a:latin typeface="+mn-lt"/>
+                <a:ea typeface="+mn-ea"/>
+                <a:cs typeface="+mn-cs"/>
+              </a:defRPr>
+            </a:lvl8pPr>
+            <a:lvl9pPr marL="3886200" indent="-228600" algn="l" defTabSz="914400" rtl="0" eaLnBrk="1" latinLnBrk="0" hangingPunct="1">
+              <a:lnSpc>
+                <a:spcPct val="120000"/>
+              </a:lnSpc>
+              <a:spcBef>
+                <a:spcPts val="500"/>
+              </a:spcBef>
+              <a:buClr>
+                <a:schemeClr val="accent1"/>
+              </a:buClr>
+              <a:buSzPct val="110000"/>
+              <a:buFont typeface="Wingdings" panose="05000000000000000000" pitchFamily="2" charset="2"/>
+              <a:buChar char="§"/>
+              <a:defRPr sz="1200" kern="1200">
+                <a:solidFill>
+                  <a:schemeClr val="tx1"/>
+                </a:solidFill>
+                <a:effectLst/>
+                <a:latin typeface="+mn-lt"/>
+                <a:ea typeface="+mn-ea"/>
+                <a:cs typeface="+mn-cs"/>
+              </a:defRPr>
+            </a:lvl9pPr>
+          </a:lstStyle>
+          <a:p>
+            <a:pPr marL="0" indent="0">
+              <a:buFont typeface="Wingdings" panose="05000000000000000000" pitchFamily="2" charset="2"/>
+              <a:buNone/>
+            </a:pPr>
+            <a:r>
+              <a:rPr lang="en-GB" dirty="0" smtClean="0"/>
+              <a:t>Add Review code</a:t>
+            </a:r>
+          </a:p>
+        </p:txBody>
+      </p:sp>
+      <p:pic>
+        <p:nvPicPr>
+          <p:cNvPr id="5" name="Picture 4"/>
+          <p:cNvPicPr>
+            <a:picLocks noChangeAspect="1"/>
+          </p:cNvPicPr>
+          <p:nvPr/>
+        </p:nvPicPr>
+        <p:blipFill>
+          <a:blip r:embed="rId2">
+            <a:extLst>
+              <a:ext uri="{28A0092B-C50C-407E-A947-70E740481C1C}">
+                <a14:useLocalDpi xmlns:a14="http://schemas.microsoft.com/office/drawing/2010/main" val="0"/>
+              </a:ext>
+            </a:extLst>
+          </a:blip>
+          <a:stretch>
+            <a:fillRect/>
+          </a:stretch>
+        </p:blipFill>
+        <p:spPr>
+          <a:xfrm>
+            <a:off x="5318144" y="1259090"/>
             <a:ext cx="5786664" cy="4878952"/>
           </a:xfrm>
           <a:prstGeom prst="rect">
@@ -16527,6 +17505,991 @@
 </file>
 
 <file path=ppt/slides/slide2.xml><?xml version="1.0" encoding="utf-8"?>
+<p:sld xmlns:a="http://schemas.openxmlformats.org/drawingml/2006/main" xmlns:r="http://schemas.openxmlformats.org/officeDocument/2006/relationships" xmlns:p="http://schemas.openxmlformats.org/presentationml/2006/main">
+  <p:cSld>
+    <p:spTree>
+      <p:nvGrpSpPr>
+        <p:cNvPr id="1" name=""/>
+        <p:cNvGrpSpPr/>
+        <p:nvPr/>
+      </p:nvGrpSpPr>
+      <p:grpSpPr>
+        <a:xfrm>
+          <a:off x="0" y="0"/>
+          <a:ext cx="0" cy="0"/>
+          <a:chOff x="0" y="0"/>
+          <a:chExt cx="0" cy="0"/>
+        </a:xfrm>
+      </p:grpSpPr>
+      <p:sp>
+        <p:nvSpPr>
+          <p:cNvPr id="2" name="Title 1"/>
+          <p:cNvSpPr>
+            <a:spLocks noGrp="1"/>
+          </p:cNvSpPr>
+          <p:nvPr>
+            <p:ph type="title"/>
+          </p:nvPr>
+        </p:nvSpPr>
+        <p:spPr/>
+        <p:txBody>
+          <a:bodyPr/>
+          <a:lstStyle/>
+          <a:p>
+            <a:r>
+              <a:rPr lang="en-GB" dirty="0" smtClean="0"/>
+              <a:t>Map</a:t>
+            </a:r>
+            <a:endParaRPr lang="en-GB" dirty="0"/>
+          </a:p>
+        </p:txBody>
+      </p:sp>
+      <p:pic>
+        <p:nvPicPr>
+          <p:cNvPr id="4" name="Picture 3"/>
+          <p:cNvPicPr>
+            <a:picLocks noChangeAspect="1"/>
+          </p:cNvPicPr>
+          <p:nvPr/>
+        </p:nvPicPr>
+        <p:blipFill>
+          <a:blip r:embed="rId2">
+            <a:extLst>
+              <a:ext uri="{28A0092B-C50C-407E-A947-70E740481C1C}">
+                <a14:useLocalDpi xmlns:a14="http://schemas.microsoft.com/office/drawing/2010/main" val="0"/>
+              </a:ext>
+            </a:extLst>
+          </a:blip>
+          <a:stretch>
+            <a:fillRect/>
+          </a:stretch>
+        </p:blipFill>
+        <p:spPr>
+          <a:xfrm>
+            <a:off x="5318144" y="1259090"/>
+            <a:ext cx="6637342" cy="3274810"/>
+          </a:xfrm>
+          <a:prstGeom prst="rect">
+            <a:avLst/>
+          </a:prstGeom>
+        </p:spPr>
+      </p:pic>
+      <p:sp>
+        <p:nvSpPr>
+          <p:cNvPr id="5" name="Content Placeholder 2"/>
+          <p:cNvSpPr txBox="1">
+            <a:spLocks/>
+          </p:cNvSpPr>
+          <p:nvPr/>
+        </p:nvSpPr>
+        <p:spPr>
+          <a:xfrm>
+            <a:off x="5318144" y="746234"/>
+            <a:ext cx="6281873" cy="512856"/>
+          </a:xfrm>
+          <a:prstGeom prst="rect">
+            <a:avLst/>
+          </a:prstGeom>
+        </p:spPr>
+        <p:txBody>
+          <a:bodyPr vert="horz" lIns="91440" tIns="45720" rIns="91440" bIns="45720" rtlCol="0" anchor="ctr">
+            <a:normAutofit/>
+          </a:bodyPr>
+          <a:lstStyle>
+            <a:lvl1pPr marL="228600" indent="-228600" algn="l" defTabSz="914400" rtl="0" eaLnBrk="1" latinLnBrk="0" hangingPunct="1">
+              <a:lnSpc>
+                <a:spcPct val="120000"/>
+              </a:lnSpc>
+              <a:spcBef>
+                <a:spcPts val="1000"/>
+              </a:spcBef>
+              <a:buClr>
+                <a:schemeClr val="accent1"/>
+              </a:buClr>
+              <a:buSzPct val="110000"/>
+              <a:buFont typeface="Wingdings" panose="05000000000000000000" pitchFamily="2" charset="2"/>
+              <a:buChar char="§"/>
+              <a:defRPr sz="1800" kern="1200">
+                <a:solidFill>
+                  <a:schemeClr val="tx1"/>
+                </a:solidFill>
+                <a:effectLst/>
+                <a:latin typeface="+mn-lt"/>
+                <a:ea typeface="+mn-ea"/>
+                <a:cs typeface="+mn-cs"/>
+              </a:defRPr>
+            </a:lvl1pPr>
+            <a:lvl2pPr marL="685800" indent="-228600" algn="l" defTabSz="914400" rtl="0" eaLnBrk="1" latinLnBrk="0" hangingPunct="1">
+              <a:lnSpc>
+                <a:spcPct val="120000"/>
+              </a:lnSpc>
+              <a:spcBef>
+                <a:spcPts val="500"/>
+              </a:spcBef>
+              <a:buClr>
+                <a:schemeClr val="accent1"/>
+              </a:buClr>
+              <a:buSzPct val="110000"/>
+              <a:buFont typeface="Wingdings" panose="05000000000000000000" pitchFamily="2" charset="2"/>
+              <a:buChar char="§"/>
+              <a:defRPr sz="1600" kern="1200">
+                <a:solidFill>
+                  <a:schemeClr val="tx1"/>
+                </a:solidFill>
+                <a:effectLst/>
+                <a:latin typeface="+mn-lt"/>
+                <a:ea typeface="+mn-ea"/>
+                <a:cs typeface="+mn-cs"/>
+              </a:defRPr>
+            </a:lvl2pPr>
+            <a:lvl3pPr marL="1143000" indent="-228600" algn="l" defTabSz="914400" rtl="0" eaLnBrk="1" latinLnBrk="0" hangingPunct="1">
+              <a:lnSpc>
+                <a:spcPct val="120000"/>
+              </a:lnSpc>
+              <a:spcBef>
+                <a:spcPts val="500"/>
+              </a:spcBef>
+              <a:buClr>
+                <a:schemeClr val="accent1"/>
+              </a:buClr>
+              <a:buSzPct val="110000"/>
+              <a:buFont typeface="Wingdings" panose="05000000000000000000" pitchFamily="2" charset="2"/>
+              <a:buChar char="§"/>
+              <a:defRPr sz="1400" kern="1200">
+                <a:solidFill>
+                  <a:schemeClr val="tx1"/>
+                </a:solidFill>
+                <a:effectLst/>
+                <a:latin typeface="+mn-lt"/>
+                <a:ea typeface="+mn-ea"/>
+                <a:cs typeface="+mn-cs"/>
+              </a:defRPr>
+            </a:lvl3pPr>
+            <a:lvl4pPr marL="1600200" indent="-228600" algn="l" defTabSz="914400" rtl="0" eaLnBrk="1" latinLnBrk="0" hangingPunct="1">
+              <a:lnSpc>
+                <a:spcPct val="120000"/>
+              </a:lnSpc>
+              <a:spcBef>
+                <a:spcPts val="500"/>
+              </a:spcBef>
+              <a:buClr>
+                <a:schemeClr val="accent1"/>
+              </a:buClr>
+              <a:buSzPct val="110000"/>
+              <a:buFont typeface="Wingdings" panose="05000000000000000000" pitchFamily="2" charset="2"/>
+              <a:buChar char="§"/>
+              <a:defRPr sz="1200" kern="1200">
+                <a:solidFill>
+                  <a:schemeClr val="tx1"/>
+                </a:solidFill>
+                <a:effectLst/>
+                <a:latin typeface="+mn-lt"/>
+                <a:ea typeface="+mn-ea"/>
+                <a:cs typeface="+mn-cs"/>
+              </a:defRPr>
+            </a:lvl4pPr>
+            <a:lvl5pPr marL="2057400" indent="-228600" algn="l" defTabSz="914400" rtl="0" eaLnBrk="1" latinLnBrk="0" hangingPunct="1">
+              <a:lnSpc>
+                <a:spcPct val="120000"/>
+              </a:lnSpc>
+              <a:spcBef>
+                <a:spcPts val="500"/>
+              </a:spcBef>
+              <a:buClr>
+                <a:schemeClr val="accent1"/>
+              </a:buClr>
+              <a:buSzPct val="110000"/>
+              <a:buFont typeface="Wingdings" panose="05000000000000000000" pitchFamily="2" charset="2"/>
+              <a:buChar char="§"/>
+              <a:defRPr sz="1200" kern="1200">
+                <a:solidFill>
+                  <a:schemeClr val="tx1"/>
+                </a:solidFill>
+                <a:effectLst/>
+                <a:latin typeface="+mn-lt"/>
+                <a:ea typeface="+mn-ea"/>
+                <a:cs typeface="+mn-cs"/>
+              </a:defRPr>
+            </a:lvl5pPr>
+            <a:lvl6pPr marL="2514600" indent="-228600" algn="l" defTabSz="914400" rtl="0" eaLnBrk="1" latinLnBrk="0" hangingPunct="1">
+              <a:lnSpc>
+                <a:spcPct val="120000"/>
+              </a:lnSpc>
+              <a:spcBef>
+                <a:spcPts val="500"/>
+              </a:spcBef>
+              <a:buClr>
+                <a:schemeClr val="accent1"/>
+              </a:buClr>
+              <a:buSzPct val="110000"/>
+              <a:buFont typeface="Wingdings" panose="05000000000000000000" pitchFamily="2" charset="2"/>
+              <a:buChar char="§"/>
+              <a:defRPr sz="1200" kern="1200">
+                <a:solidFill>
+                  <a:schemeClr val="tx1"/>
+                </a:solidFill>
+                <a:effectLst/>
+                <a:latin typeface="+mn-lt"/>
+                <a:ea typeface="+mn-ea"/>
+                <a:cs typeface="+mn-cs"/>
+              </a:defRPr>
+            </a:lvl6pPr>
+            <a:lvl7pPr marL="2971800" indent="-228600" algn="l" defTabSz="914400" rtl="0" eaLnBrk="1" latinLnBrk="0" hangingPunct="1">
+              <a:lnSpc>
+                <a:spcPct val="120000"/>
+              </a:lnSpc>
+              <a:spcBef>
+                <a:spcPts val="500"/>
+              </a:spcBef>
+              <a:buClr>
+                <a:schemeClr val="accent1"/>
+              </a:buClr>
+              <a:buSzPct val="110000"/>
+              <a:buFont typeface="Wingdings" panose="05000000000000000000" pitchFamily="2" charset="2"/>
+              <a:buChar char="§"/>
+              <a:defRPr sz="1200" kern="1200">
+                <a:solidFill>
+                  <a:schemeClr val="tx1"/>
+                </a:solidFill>
+                <a:effectLst/>
+                <a:latin typeface="+mn-lt"/>
+                <a:ea typeface="+mn-ea"/>
+                <a:cs typeface="+mn-cs"/>
+              </a:defRPr>
+            </a:lvl7pPr>
+            <a:lvl8pPr marL="3429000" indent="-228600" algn="l" defTabSz="914400" rtl="0" eaLnBrk="1" latinLnBrk="0" hangingPunct="1">
+              <a:lnSpc>
+                <a:spcPct val="120000"/>
+              </a:lnSpc>
+              <a:spcBef>
+                <a:spcPts val="500"/>
+              </a:spcBef>
+              <a:buClr>
+                <a:schemeClr val="accent1"/>
+              </a:buClr>
+              <a:buSzPct val="110000"/>
+              <a:buFont typeface="Wingdings" panose="05000000000000000000" pitchFamily="2" charset="2"/>
+              <a:buChar char="§"/>
+              <a:defRPr sz="1200" kern="1200">
+                <a:solidFill>
+                  <a:schemeClr val="tx1"/>
+                </a:solidFill>
+                <a:effectLst/>
+                <a:latin typeface="+mn-lt"/>
+                <a:ea typeface="+mn-ea"/>
+                <a:cs typeface="+mn-cs"/>
+              </a:defRPr>
+            </a:lvl8pPr>
+            <a:lvl9pPr marL="3886200" indent="-228600" algn="l" defTabSz="914400" rtl="0" eaLnBrk="1" latinLnBrk="0" hangingPunct="1">
+              <a:lnSpc>
+                <a:spcPct val="120000"/>
+              </a:lnSpc>
+              <a:spcBef>
+                <a:spcPts val="500"/>
+              </a:spcBef>
+              <a:buClr>
+                <a:schemeClr val="accent1"/>
+              </a:buClr>
+              <a:buSzPct val="110000"/>
+              <a:buFont typeface="Wingdings" panose="05000000000000000000" pitchFamily="2" charset="2"/>
+              <a:buChar char="§"/>
+              <a:defRPr sz="1200" kern="1200">
+                <a:solidFill>
+                  <a:schemeClr val="tx1"/>
+                </a:solidFill>
+                <a:effectLst/>
+                <a:latin typeface="+mn-lt"/>
+                <a:ea typeface="+mn-ea"/>
+                <a:cs typeface="+mn-cs"/>
+              </a:defRPr>
+            </a:lvl9pPr>
+          </a:lstStyle>
+          <a:p>
+            <a:pPr marL="0" indent="0">
+              <a:buFont typeface="Wingdings" panose="05000000000000000000" pitchFamily="2" charset="2"/>
+              <a:buNone/>
+            </a:pPr>
+            <a:r>
+              <a:rPr lang="en-GB" dirty="0" smtClean="0"/>
+              <a:t>Map </a:t>
+            </a:r>
+            <a:endParaRPr lang="en-GB" dirty="0" smtClean="0"/>
+          </a:p>
+        </p:txBody>
+      </p:sp>
+    </p:spTree>
+    <p:extLst>
+      <p:ext uri="{BB962C8B-B14F-4D97-AF65-F5344CB8AC3E}">
+        <p14:creationId xmlns:p14="http://schemas.microsoft.com/office/powerpoint/2010/main" val="382858326"/>
+      </p:ext>
+    </p:extLst>
+  </p:cSld>
+  <p:clrMapOvr>
+    <a:masterClrMapping/>
+  </p:clrMapOvr>
+</p:sld>
+</file>
+
+<file path=ppt/slides/slide3.xml><?xml version="1.0" encoding="utf-8"?>
+<p:sld xmlns:a="http://schemas.openxmlformats.org/drawingml/2006/main" xmlns:r="http://schemas.openxmlformats.org/officeDocument/2006/relationships" xmlns:p="http://schemas.openxmlformats.org/presentationml/2006/main">
+  <p:cSld>
+    <p:spTree>
+      <p:nvGrpSpPr>
+        <p:cNvPr id="1" name=""/>
+        <p:cNvGrpSpPr/>
+        <p:nvPr/>
+      </p:nvGrpSpPr>
+      <p:grpSpPr>
+        <a:xfrm>
+          <a:off x="0" y="0"/>
+          <a:ext cx="0" cy="0"/>
+          <a:chOff x="0" y="0"/>
+          <a:chExt cx="0" cy="0"/>
+        </a:xfrm>
+      </p:grpSpPr>
+      <p:sp>
+        <p:nvSpPr>
+          <p:cNvPr id="2" name="Title 1"/>
+          <p:cNvSpPr>
+            <a:spLocks noGrp="1"/>
+          </p:cNvSpPr>
+          <p:nvPr>
+            <p:ph type="title"/>
+          </p:nvPr>
+        </p:nvSpPr>
+        <p:spPr/>
+        <p:txBody>
+          <a:bodyPr/>
+          <a:lstStyle/>
+          <a:p>
+            <a:r>
+              <a:rPr lang="en-GB" dirty="0" smtClean="0"/>
+              <a:t>Map</a:t>
+            </a:r>
+            <a:endParaRPr lang="en-GB" dirty="0"/>
+          </a:p>
+        </p:txBody>
+      </p:sp>
+      <p:sp>
+        <p:nvSpPr>
+          <p:cNvPr id="4" name="Content Placeholder 2"/>
+          <p:cNvSpPr txBox="1">
+            <a:spLocks/>
+          </p:cNvSpPr>
+          <p:nvPr/>
+        </p:nvSpPr>
+        <p:spPr>
+          <a:xfrm>
+            <a:off x="5318144" y="746234"/>
+            <a:ext cx="6281873" cy="512856"/>
+          </a:xfrm>
+          <a:prstGeom prst="rect">
+            <a:avLst/>
+          </a:prstGeom>
+        </p:spPr>
+        <p:txBody>
+          <a:bodyPr vert="horz" lIns="91440" tIns="45720" rIns="91440" bIns="45720" rtlCol="0" anchor="ctr">
+            <a:normAutofit/>
+          </a:bodyPr>
+          <a:lstStyle>
+            <a:lvl1pPr marL="228600" indent="-228600" algn="l" defTabSz="914400" rtl="0" eaLnBrk="1" latinLnBrk="0" hangingPunct="1">
+              <a:lnSpc>
+                <a:spcPct val="120000"/>
+              </a:lnSpc>
+              <a:spcBef>
+                <a:spcPts val="1000"/>
+              </a:spcBef>
+              <a:buClr>
+                <a:schemeClr val="accent1"/>
+              </a:buClr>
+              <a:buSzPct val="110000"/>
+              <a:buFont typeface="Wingdings" panose="05000000000000000000" pitchFamily="2" charset="2"/>
+              <a:buChar char="§"/>
+              <a:defRPr sz="1800" kern="1200">
+                <a:solidFill>
+                  <a:schemeClr val="tx1"/>
+                </a:solidFill>
+                <a:effectLst/>
+                <a:latin typeface="+mn-lt"/>
+                <a:ea typeface="+mn-ea"/>
+                <a:cs typeface="+mn-cs"/>
+              </a:defRPr>
+            </a:lvl1pPr>
+            <a:lvl2pPr marL="685800" indent="-228600" algn="l" defTabSz="914400" rtl="0" eaLnBrk="1" latinLnBrk="0" hangingPunct="1">
+              <a:lnSpc>
+                <a:spcPct val="120000"/>
+              </a:lnSpc>
+              <a:spcBef>
+                <a:spcPts val="500"/>
+              </a:spcBef>
+              <a:buClr>
+                <a:schemeClr val="accent1"/>
+              </a:buClr>
+              <a:buSzPct val="110000"/>
+              <a:buFont typeface="Wingdings" panose="05000000000000000000" pitchFamily="2" charset="2"/>
+              <a:buChar char="§"/>
+              <a:defRPr sz="1600" kern="1200">
+                <a:solidFill>
+                  <a:schemeClr val="tx1"/>
+                </a:solidFill>
+                <a:effectLst/>
+                <a:latin typeface="+mn-lt"/>
+                <a:ea typeface="+mn-ea"/>
+                <a:cs typeface="+mn-cs"/>
+              </a:defRPr>
+            </a:lvl2pPr>
+            <a:lvl3pPr marL="1143000" indent="-228600" algn="l" defTabSz="914400" rtl="0" eaLnBrk="1" latinLnBrk="0" hangingPunct="1">
+              <a:lnSpc>
+                <a:spcPct val="120000"/>
+              </a:lnSpc>
+              <a:spcBef>
+                <a:spcPts val="500"/>
+              </a:spcBef>
+              <a:buClr>
+                <a:schemeClr val="accent1"/>
+              </a:buClr>
+              <a:buSzPct val="110000"/>
+              <a:buFont typeface="Wingdings" panose="05000000000000000000" pitchFamily="2" charset="2"/>
+              <a:buChar char="§"/>
+              <a:defRPr sz="1400" kern="1200">
+                <a:solidFill>
+                  <a:schemeClr val="tx1"/>
+                </a:solidFill>
+                <a:effectLst/>
+                <a:latin typeface="+mn-lt"/>
+                <a:ea typeface="+mn-ea"/>
+                <a:cs typeface="+mn-cs"/>
+              </a:defRPr>
+            </a:lvl3pPr>
+            <a:lvl4pPr marL="1600200" indent="-228600" algn="l" defTabSz="914400" rtl="0" eaLnBrk="1" latinLnBrk="0" hangingPunct="1">
+              <a:lnSpc>
+                <a:spcPct val="120000"/>
+              </a:lnSpc>
+              <a:spcBef>
+                <a:spcPts val="500"/>
+              </a:spcBef>
+              <a:buClr>
+                <a:schemeClr val="accent1"/>
+              </a:buClr>
+              <a:buSzPct val="110000"/>
+              <a:buFont typeface="Wingdings" panose="05000000000000000000" pitchFamily="2" charset="2"/>
+              <a:buChar char="§"/>
+              <a:defRPr sz="1200" kern="1200">
+                <a:solidFill>
+                  <a:schemeClr val="tx1"/>
+                </a:solidFill>
+                <a:effectLst/>
+                <a:latin typeface="+mn-lt"/>
+                <a:ea typeface="+mn-ea"/>
+                <a:cs typeface="+mn-cs"/>
+              </a:defRPr>
+            </a:lvl4pPr>
+            <a:lvl5pPr marL="2057400" indent="-228600" algn="l" defTabSz="914400" rtl="0" eaLnBrk="1" latinLnBrk="0" hangingPunct="1">
+              <a:lnSpc>
+                <a:spcPct val="120000"/>
+              </a:lnSpc>
+              <a:spcBef>
+                <a:spcPts val="500"/>
+              </a:spcBef>
+              <a:buClr>
+                <a:schemeClr val="accent1"/>
+              </a:buClr>
+              <a:buSzPct val="110000"/>
+              <a:buFont typeface="Wingdings" panose="05000000000000000000" pitchFamily="2" charset="2"/>
+              <a:buChar char="§"/>
+              <a:defRPr sz="1200" kern="1200">
+                <a:solidFill>
+                  <a:schemeClr val="tx1"/>
+                </a:solidFill>
+                <a:effectLst/>
+                <a:latin typeface="+mn-lt"/>
+                <a:ea typeface="+mn-ea"/>
+                <a:cs typeface="+mn-cs"/>
+              </a:defRPr>
+            </a:lvl5pPr>
+            <a:lvl6pPr marL="2514600" indent="-228600" algn="l" defTabSz="914400" rtl="0" eaLnBrk="1" latinLnBrk="0" hangingPunct="1">
+              <a:lnSpc>
+                <a:spcPct val="120000"/>
+              </a:lnSpc>
+              <a:spcBef>
+                <a:spcPts val="500"/>
+              </a:spcBef>
+              <a:buClr>
+                <a:schemeClr val="accent1"/>
+              </a:buClr>
+              <a:buSzPct val="110000"/>
+              <a:buFont typeface="Wingdings" panose="05000000000000000000" pitchFamily="2" charset="2"/>
+              <a:buChar char="§"/>
+              <a:defRPr sz="1200" kern="1200">
+                <a:solidFill>
+                  <a:schemeClr val="tx1"/>
+                </a:solidFill>
+                <a:effectLst/>
+                <a:latin typeface="+mn-lt"/>
+                <a:ea typeface="+mn-ea"/>
+                <a:cs typeface="+mn-cs"/>
+              </a:defRPr>
+            </a:lvl6pPr>
+            <a:lvl7pPr marL="2971800" indent="-228600" algn="l" defTabSz="914400" rtl="0" eaLnBrk="1" latinLnBrk="0" hangingPunct="1">
+              <a:lnSpc>
+                <a:spcPct val="120000"/>
+              </a:lnSpc>
+              <a:spcBef>
+                <a:spcPts val="500"/>
+              </a:spcBef>
+              <a:buClr>
+                <a:schemeClr val="accent1"/>
+              </a:buClr>
+              <a:buSzPct val="110000"/>
+              <a:buFont typeface="Wingdings" panose="05000000000000000000" pitchFamily="2" charset="2"/>
+              <a:buChar char="§"/>
+              <a:defRPr sz="1200" kern="1200">
+                <a:solidFill>
+                  <a:schemeClr val="tx1"/>
+                </a:solidFill>
+                <a:effectLst/>
+                <a:latin typeface="+mn-lt"/>
+                <a:ea typeface="+mn-ea"/>
+                <a:cs typeface="+mn-cs"/>
+              </a:defRPr>
+            </a:lvl7pPr>
+            <a:lvl8pPr marL="3429000" indent="-228600" algn="l" defTabSz="914400" rtl="0" eaLnBrk="1" latinLnBrk="0" hangingPunct="1">
+              <a:lnSpc>
+                <a:spcPct val="120000"/>
+              </a:lnSpc>
+              <a:spcBef>
+                <a:spcPts val="500"/>
+              </a:spcBef>
+              <a:buClr>
+                <a:schemeClr val="accent1"/>
+              </a:buClr>
+              <a:buSzPct val="110000"/>
+              <a:buFont typeface="Wingdings" panose="05000000000000000000" pitchFamily="2" charset="2"/>
+              <a:buChar char="§"/>
+              <a:defRPr sz="1200" kern="1200">
+                <a:solidFill>
+                  <a:schemeClr val="tx1"/>
+                </a:solidFill>
+                <a:effectLst/>
+                <a:latin typeface="+mn-lt"/>
+                <a:ea typeface="+mn-ea"/>
+                <a:cs typeface="+mn-cs"/>
+              </a:defRPr>
+            </a:lvl8pPr>
+            <a:lvl9pPr marL="3886200" indent="-228600" algn="l" defTabSz="914400" rtl="0" eaLnBrk="1" latinLnBrk="0" hangingPunct="1">
+              <a:lnSpc>
+                <a:spcPct val="120000"/>
+              </a:lnSpc>
+              <a:spcBef>
+                <a:spcPts val="500"/>
+              </a:spcBef>
+              <a:buClr>
+                <a:schemeClr val="accent1"/>
+              </a:buClr>
+              <a:buSzPct val="110000"/>
+              <a:buFont typeface="Wingdings" panose="05000000000000000000" pitchFamily="2" charset="2"/>
+              <a:buChar char="§"/>
+              <a:defRPr sz="1200" kern="1200">
+                <a:solidFill>
+                  <a:schemeClr val="tx1"/>
+                </a:solidFill>
+                <a:effectLst/>
+                <a:latin typeface="+mn-lt"/>
+                <a:ea typeface="+mn-ea"/>
+                <a:cs typeface="+mn-cs"/>
+              </a:defRPr>
+            </a:lvl9pPr>
+          </a:lstStyle>
+          <a:p>
+            <a:pPr marL="0" indent="0">
+              <a:buFont typeface="Wingdings" panose="05000000000000000000" pitchFamily="2" charset="2"/>
+              <a:buNone/>
+            </a:pPr>
+            <a:r>
+              <a:rPr lang="en-GB" dirty="0" smtClean="0"/>
+              <a:t>Map code</a:t>
+            </a:r>
+            <a:endParaRPr lang="en-GB" dirty="0" smtClean="0"/>
+          </a:p>
+        </p:txBody>
+      </p:sp>
+      <p:pic>
+        <p:nvPicPr>
+          <p:cNvPr id="5" name="Picture 4"/>
+          <p:cNvPicPr>
+            <a:picLocks noChangeAspect="1"/>
+          </p:cNvPicPr>
+          <p:nvPr/>
+        </p:nvPicPr>
+        <p:blipFill>
+          <a:blip r:embed="rId2">
+            <a:extLst>
+              <a:ext uri="{28A0092B-C50C-407E-A947-70E740481C1C}">
+                <a14:useLocalDpi xmlns:a14="http://schemas.microsoft.com/office/drawing/2010/main" val="0"/>
+              </a:ext>
+            </a:extLst>
+          </a:blip>
+          <a:stretch>
+            <a:fillRect/>
+          </a:stretch>
+        </p:blipFill>
+        <p:spPr>
+          <a:xfrm>
+            <a:off x="5318144" y="1259090"/>
+            <a:ext cx="6423229" cy="3627235"/>
+          </a:xfrm>
+          <a:prstGeom prst="rect">
+            <a:avLst/>
+          </a:prstGeom>
+        </p:spPr>
+      </p:pic>
+    </p:spTree>
+    <p:extLst>
+      <p:ext uri="{BB962C8B-B14F-4D97-AF65-F5344CB8AC3E}">
+        <p14:creationId xmlns:p14="http://schemas.microsoft.com/office/powerpoint/2010/main" val="3522450544"/>
+      </p:ext>
+    </p:extLst>
+  </p:cSld>
+  <p:clrMapOvr>
+    <a:masterClrMapping/>
+  </p:clrMapOvr>
+</p:sld>
+</file>
+
+<file path=ppt/slides/slide4.xml><?xml version="1.0" encoding="utf-8"?>
+<p:sld xmlns:a="http://schemas.openxmlformats.org/drawingml/2006/main" xmlns:r="http://schemas.openxmlformats.org/officeDocument/2006/relationships" xmlns:p="http://schemas.openxmlformats.org/presentationml/2006/main">
+  <p:cSld>
+    <p:spTree>
+      <p:nvGrpSpPr>
+        <p:cNvPr id="1" name=""/>
+        <p:cNvGrpSpPr/>
+        <p:nvPr/>
+      </p:nvGrpSpPr>
+      <p:grpSpPr>
+        <a:xfrm>
+          <a:off x="0" y="0"/>
+          <a:ext cx="0" cy="0"/>
+          <a:chOff x="0" y="0"/>
+          <a:chExt cx="0" cy="0"/>
+        </a:xfrm>
+      </p:grpSpPr>
+      <p:sp>
+        <p:nvSpPr>
+          <p:cNvPr id="2" name="Title 1"/>
+          <p:cNvSpPr>
+            <a:spLocks noGrp="1"/>
+          </p:cNvSpPr>
+          <p:nvPr>
+            <p:ph type="title"/>
+          </p:nvPr>
+        </p:nvSpPr>
+        <p:spPr/>
+        <p:txBody>
+          <a:bodyPr/>
+          <a:lstStyle/>
+          <a:p>
+            <a:r>
+              <a:rPr lang="en-GB" dirty="0" smtClean="0"/>
+              <a:t>Map</a:t>
+            </a:r>
+            <a:endParaRPr lang="en-GB" dirty="0"/>
+          </a:p>
+        </p:txBody>
+      </p:sp>
+      <p:sp>
+        <p:nvSpPr>
+          <p:cNvPr id="4" name="Content Placeholder 2"/>
+          <p:cNvSpPr txBox="1">
+            <a:spLocks/>
+          </p:cNvSpPr>
+          <p:nvPr/>
+        </p:nvSpPr>
+        <p:spPr>
+          <a:xfrm>
+            <a:off x="5318144" y="746234"/>
+            <a:ext cx="6281873" cy="512856"/>
+          </a:xfrm>
+          <a:prstGeom prst="rect">
+            <a:avLst/>
+          </a:prstGeom>
+        </p:spPr>
+        <p:txBody>
+          <a:bodyPr vert="horz" lIns="91440" tIns="45720" rIns="91440" bIns="45720" rtlCol="0" anchor="ctr">
+            <a:normAutofit/>
+          </a:bodyPr>
+          <a:lstStyle>
+            <a:lvl1pPr marL="228600" indent="-228600" algn="l" defTabSz="914400" rtl="0" eaLnBrk="1" latinLnBrk="0" hangingPunct="1">
+              <a:lnSpc>
+                <a:spcPct val="120000"/>
+              </a:lnSpc>
+              <a:spcBef>
+                <a:spcPts val="1000"/>
+              </a:spcBef>
+              <a:buClr>
+                <a:schemeClr val="accent1"/>
+              </a:buClr>
+              <a:buSzPct val="110000"/>
+              <a:buFont typeface="Wingdings" panose="05000000000000000000" pitchFamily="2" charset="2"/>
+              <a:buChar char="§"/>
+              <a:defRPr sz="1800" kern="1200">
+                <a:solidFill>
+                  <a:schemeClr val="tx1"/>
+                </a:solidFill>
+                <a:effectLst/>
+                <a:latin typeface="+mn-lt"/>
+                <a:ea typeface="+mn-ea"/>
+                <a:cs typeface="+mn-cs"/>
+              </a:defRPr>
+            </a:lvl1pPr>
+            <a:lvl2pPr marL="685800" indent="-228600" algn="l" defTabSz="914400" rtl="0" eaLnBrk="1" latinLnBrk="0" hangingPunct="1">
+              <a:lnSpc>
+                <a:spcPct val="120000"/>
+              </a:lnSpc>
+              <a:spcBef>
+                <a:spcPts val="500"/>
+              </a:spcBef>
+              <a:buClr>
+                <a:schemeClr val="accent1"/>
+              </a:buClr>
+              <a:buSzPct val="110000"/>
+              <a:buFont typeface="Wingdings" panose="05000000000000000000" pitchFamily="2" charset="2"/>
+              <a:buChar char="§"/>
+              <a:defRPr sz="1600" kern="1200">
+                <a:solidFill>
+                  <a:schemeClr val="tx1"/>
+                </a:solidFill>
+                <a:effectLst/>
+                <a:latin typeface="+mn-lt"/>
+                <a:ea typeface="+mn-ea"/>
+                <a:cs typeface="+mn-cs"/>
+              </a:defRPr>
+            </a:lvl2pPr>
+            <a:lvl3pPr marL="1143000" indent="-228600" algn="l" defTabSz="914400" rtl="0" eaLnBrk="1" latinLnBrk="0" hangingPunct="1">
+              <a:lnSpc>
+                <a:spcPct val="120000"/>
+              </a:lnSpc>
+              <a:spcBef>
+                <a:spcPts val="500"/>
+              </a:spcBef>
+              <a:buClr>
+                <a:schemeClr val="accent1"/>
+              </a:buClr>
+              <a:buSzPct val="110000"/>
+              <a:buFont typeface="Wingdings" panose="05000000000000000000" pitchFamily="2" charset="2"/>
+              <a:buChar char="§"/>
+              <a:defRPr sz="1400" kern="1200">
+                <a:solidFill>
+                  <a:schemeClr val="tx1"/>
+                </a:solidFill>
+                <a:effectLst/>
+                <a:latin typeface="+mn-lt"/>
+                <a:ea typeface="+mn-ea"/>
+                <a:cs typeface="+mn-cs"/>
+              </a:defRPr>
+            </a:lvl3pPr>
+            <a:lvl4pPr marL="1600200" indent="-228600" algn="l" defTabSz="914400" rtl="0" eaLnBrk="1" latinLnBrk="0" hangingPunct="1">
+              <a:lnSpc>
+                <a:spcPct val="120000"/>
+              </a:lnSpc>
+              <a:spcBef>
+                <a:spcPts val="500"/>
+              </a:spcBef>
+              <a:buClr>
+                <a:schemeClr val="accent1"/>
+              </a:buClr>
+              <a:buSzPct val="110000"/>
+              <a:buFont typeface="Wingdings" panose="05000000000000000000" pitchFamily="2" charset="2"/>
+              <a:buChar char="§"/>
+              <a:defRPr sz="1200" kern="1200">
+                <a:solidFill>
+                  <a:schemeClr val="tx1"/>
+                </a:solidFill>
+                <a:effectLst/>
+                <a:latin typeface="+mn-lt"/>
+                <a:ea typeface="+mn-ea"/>
+                <a:cs typeface="+mn-cs"/>
+              </a:defRPr>
+            </a:lvl4pPr>
+            <a:lvl5pPr marL="2057400" indent="-228600" algn="l" defTabSz="914400" rtl="0" eaLnBrk="1" latinLnBrk="0" hangingPunct="1">
+              <a:lnSpc>
+                <a:spcPct val="120000"/>
+              </a:lnSpc>
+              <a:spcBef>
+                <a:spcPts val="500"/>
+              </a:spcBef>
+              <a:buClr>
+                <a:schemeClr val="accent1"/>
+              </a:buClr>
+              <a:buSzPct val="110000"/>
+              <a:buFont typeface="Wingdings" panose="05000000000000000000" pitchFamily="2" charset="2"/>
+              <a:buChar char="§"/>
+              <a:defRPr sz="1200" kern="1200">
+                <a:solidFill>
+                  <a:schemeClr val="tx1"/>
+                </a:solidFill>
+                <a:effectLst/>
+                <a:latin typeface="+mn-lt"/>
+                <a:ea typeface="+mn-ea"/>
+                <a:cs typeface="+mn-cs"/>
+              </a:defRPr>
+            </a:lvl5pPr>
+            <a:lvl6pPr marL="2514600" indent="-228600" algn="l" defTabSz="914400" rtl="0" eaLnBrk="1" latinLnBrk="0" hangingPunct="1">
+              <a:lnSpc>
+                <a:spcPct val="120000"/>
+              </a:lnSpc>
+              <a:spcBef>
+                <a:spcPts val="500"/>
+              </a:spcBef>
+              <a:buClr>
+                <a:schemeClr val="accent1"/>
+              </a:buClr>
+              <a:buSzPct val="110000"/>
+              <a:buFont typeface="Wingdings" panose="05000000000000000000" pitchFamily="2" charset="2"/>
+              <a:buChar char="§"/>
+              <a:defRPr sz="1200" kern="1200">
+                <a:solidFill>
+                  <a:schemeClr val="tx1"/>
+                </a:solidFill>
+                <a:effectLst/>
+                <a:latin typeface="+mn-lt"/>
+                <a:ea typeface="+mn-ea"/>
+                <a:cs typeface="+mn-cs"/>
+              </a:defRPr>
+            </a:lvl6pPr>
+            <a:lvl7pPr marL="2971800" indent="-228600" algn="l" defTabSz="914400" rtl="0" eaLnBrk="1" latinLnBrk="0" hangingPunct="1">
+              <a:lnSpc>
+                <a:spcPct val="120000"/>
+              </a:lnSpc>
+              <a:spcBef>
+                <a:spcPts val="500"/>
+              </a:spcBef>
+              <a:buClr>
+                <a:schemeClr val="accent1"/>
+              </a:buClr>
+              <a:buSzPct val="110000"/>
+              <a:buFont typeface="Wingdings" panose="05000000000000000000" pitchFamily="2" charset="2"/>
+              <a:buChar char="§"/>
+              <a:defRPr sz="1200" kern="1200">
+                <a:solidFill>
+                  <a:schemeClr val="tx1"/>
+                </a:solidFill>
+                <a:effectLst/>
+                <a:latin typeface="+mn-lt"/>
+                <a:ea typeface="+mn-ea"/>
+                <a:cs typeface="+mn-cs"/>
+              </a:defRPr>
+            </a:lvl7pPr>
+            <a:lvl8pPr marL="3429000" indent="-228600" algn="l" defTabSz="914400" rtl="0" eaLnBrk="1" latinLnBrk="0" hangingPunct="1">
+              <a:lnSpc>
+                <a:spcPct val="120000"/>
+              </a:lnSpc>
+              <a:spcBef>
+                <a:spcPts val="500"/>
+              </a:spcBef>
+              <a:buClr>
+                <a:schemeClr val="accent1"/>
+              </a:buClr>
+              <a:buSzPct val="110000"/>
+              <a:buFont typeface="Wingdings" panose="05000000000000000000" pitchFamily="2" charset="2"/>
+              <a:buChar char="§"/>
+              <a:defRPr sz="1200" kern="1200">
+                <a:solidFill>
+                  <a:schemeClr val="tx1"/>
+                </a:solidFill>
+                <a:effectLst/>
+                <a:latin typeface="+mn-lt"/>
+                <a:ea typeface="+mn-ea"/>
+                <a:cs typeface="+mn-cs"/>
+              </a:defRPr>
+            </a:lvl8pPr>
+            <a:lvl9pPr marL="3886200" indent="-228600" algn="l" defTabSz="914400" rtl="0" eaLnBrk="1" latinLnBrk="0" hangingPunct="1">
+              <a:lnSpc>
+                <a:spcPct val="120000"/>
+              </a:lnSpc>
+              <a:spcBef>
+                <a:spcPts val="500"/>
+              </a:spcBef>
+              <a:buClr>
+                <a:schemeClr val="accent1"/>
+              </a:buClr>
+              <a:buSzPct val="110000"/>
+              <a:buFont typeface="Wingdings" panose="05000000000000000000" pitchFamily="2" charset="2"/>
+              <a:buChar char="§"/>
+              <a:defRPr sz="1200" kern="1200">
+                <a:solidFill>
+                  <a:schemeClr val="tx1"/>
+                </a:solidFill>
+                <a:effectLst/>
+                <a:latin typeface="+mn-lt"/>
+                <a:ea typeface="+mn-ea"/>
+                <a:cs typeface="+mn-cs"/>
+              </a:defRPr>
+            </a:lvl9pPr>
+          </a:lstStyle>
+          <a:p>
+            <a:pPr marL="0" indent="0">
+              <a:buFont typeface="Wingdings" panose="05000000000000000000" pitchFamily="2" charset="2"/>
+              <a:buNone/>
+            </a:pPr>
+            <a:r>
+              <a:rPr lang="en-GB" dirty="0" smtClean="0"/>
+              <a:t>Map</a:t>
+            </a:r>
+            <a:r>
+              <a:rPr lang="en-GB" dirty="0" smtClean="0"/>
+              <a:t> </a:t>
+            </a:r>
+            <a:r>
+              <a:rPr lang="en-GB" dirty="0" smtClean="0"/>
+              <a:t>code</a:t>
+            </a:r>
+          </a:p>
+        </p:txBody>
+      </p:sp>
+      <p:pic>
+        <p:nvPicPr>
+          <p:cNvPr id="5" name="Picture 4"/>
+          <p:cNvPicPr>
+            <a:picLocks noChangeAspect="1"/>
+          </p:cNvPicPr>
+          <p:nvPr/>
+        </p:nvPicPr>
+        <p:blipFill>
+          <a:blip r:embed="rId2">
+            <a:extLst>
+              <a:ext uri="{28A0092B-C50C-407E-A947-70E740481C1C}">
+                <a14:useLocalDpi xmlns:a14="http://schemas.microsoft.com/office/drawing/2010/main" val="0"/>
+              </a:ext>
+            </a:extLst>
+          </a:blip>
+          <a:stretch>
+            <a:fillRect/>
+          </a:stretch>
+        </p:blipFill>
+        <p:spPr>
+          <a:xfrm>
+            <a:off x="5318144" y="1259090"/>
+            <a:ext cx="6407131" cy="3618145"/>
+          </a:xfrm>
+          <a:prstGeom prst="rect">
+            <a:avLst/>
+          </a:prstGeom>
+        </p:spPr>
+      </p:pic>
+    </p:spTree>
+    <p:extLst>
+      <p:ext uri="{BB962C8B-B14F-4D97-AF65-F5344CB8AC3E}">
+        <p14:creationId xmlns:p14="http://schemas.microsoft.com/office/powerpoint/2010/main" val="4159396721"/>
+      </p:ext>
+    </p:extLst>
+  </p:cSld>
+  <p:clrMapOvr>
+    <a:masterClrMapping/>
+  </p:clrMapOvr>
+</p:sld>
+</file>
+
+<file path=ppt/slides/slide5.xml><?xml version="1.0" encoding="utf-8"?>
 <p:sld xmlns:a="http://schemas.openxmlformats.org/drawingml/2006/main" xmlns:r="http://schemas.openxmlformats.org/officeDocument/2006/relationships" xmlns:p="http://schemas.openxmlformats.org/presentationml/2006/main">
   <p:cSld>
     <p:spTree>
@@ -16670,7 +18633,7 @@
 </p:sld>
 </file>
 
-<file path=ppt/slides/slide3.xml><?xml version="1.0" encoding="utf-8"?>
+<file path=ppt/slides/slide6.xml><?xml version="1.0" encoding="utf-8"?>
 <p:sld xmlns:a="http://schemas.openxmlformats.org/drawingml/2006/main" xmlns:r="http://schemas.openxmlformats.org/officeDocument/2006/relationships" xmlns:p="http://schemas.openxmlformats.org/presentationml/2006/main">
   <p:cSld>
     <p:spTree>
@@ -16996,7 +18959,7 @@
 </p:sld>
 </file>
 
-<file path=ppt/slides/slide4.xml><?xml version="1.0" encoding="utf-8"?>
+<file path=ppt/slides/slide7.xml><?xml version="1.0" encoding="utf-8"?>
 <p:sld xmlns:a="http://schemas.openxmlformats.org/drawingml/2006/main" xmlns:r="http://schemas.openxmlformats.org/officeDocument/2006/relationships" xmlns:p="http://schemas.openxmlformats.org/presentationml/2006/main">
   <p:cSld>
     <p:spTree>
@@ -17352,7 +19315,7 @@
 </p:sld>
 </file>
 
-<file path=ppt/slides/slide5.xml><?xml version="1.0" encoding="utf-8"?>
+<file path=ppt/slides/slide8.xml><?xml version="1.0" encoding="utf-8"?>
 <p:sld xmlns:a="http://schemas.openxmlformats.org/drawingml/2006/main" xmlns:r="http://schemas.openxmlformats.org/officeDocument/2006/relationships" xmlns:p="http://schemas.openxmlformats.org/presentationml/2006/main">
   <p:cSld>
     <p:spTree>
@@ -17677,7 +19640,7 @@
 </p:sld>
 </file>
 
-<file path=ppt/slides/slide6.xml><?xml version="1.0" encoding="utf-8"?>
+<file path=ppt/slides/slide9.xml><?xml version="1.0" encoding="utf-8"?>
 <p:sld xmlns:a="http://schemas.openxmlformats.org/drawingml/2006/main" xmlns:r="http://schemas.openxmlformats.org/officeDocument/2006/relationships" xmlns:p="http://schemas.openxmlformats.org/presentationml/2006/main">
   <p:cSld>
     <p:spTree>
@@ -18002,981 +19965,6 @@
 </p:sld>
 </file>
 
-<file path=ppt/slides/slide7.xml><?xml version="1.0" encoding="utf-8"?>
-<p:sld xmlns:a="http://schemas.openxmlformats.org/drawingml/2006/main" xmlns:r="http://schemas.openxmlformats.org/officeDocument/2006/relationships" xmlns:p="http://schemas.openxmlformats.org/presentationml/2006/main">
-  <p:cSld>
-    <p:spTree>
-      <p:nvGrpSpPr>
-        <p:cNvPr id="1" name=""/>
-        <p:cNvGrpSpPr/>
-        <p:nvPr/>
-      </p:nvGrpSpPr>
-      <p:grpSpPr>
-        <a:xfrm>
-          <a:off x="0" y="0"/>
-          <a:ext cx="0" cy="0"/>
-          <a:chOff x="0" y="0"/>
-          <a:chExt cx="0" cy="0"/>
-        </a:xfrm>
-      </p:grpSpPr>
-      <p:sp>
-        <p:nvSpPr>
-          <p:cNvPr id="2" name="Title 1"/>
-          <p:cNvSpPr>
-            <a:spLocks noGrp="1"/>
-          </p:cNvSpPr>
-          <p:nvPr>
-            <p:ph type="title"/>
-          </p:nvPr>
-        </p:nvSpPr>
-        <p:spPr/>
-        <p:txBody>
-          <a:bodyPr/>
-          <a:lstStyle/>
-          <a:p>
-            <a:r>
-              <a:rPr lang="en-GB" dirty="0" smtClean="0"/>
-              <a:t>Modals</a:t>
-            </a:r>
-            <a:endParaRPr lang="en-GB" dirty="0"/>
-          </a:p>
-        </p:txBody>
-      </p:sp>
-      <p:sp>
-        <p:nvSpPr>
-          <p:cNvPr id="4" name="Content Placeholder 2"/>
-          <p:cNvSpPr txBox="1">
-            <a:spLocks/>
-          </p:cNvSpPr>
-          <p:nvPr/>
-        </p:nvSpPr>
-        <p:spPr>
-          <a:xfrm>
-            <a:off x="5318144" y="746234"/>
-            <a:ext cx="6281873" cy="512856"/>
-          </a:xfrm>
-          <a:prstGeom prst="rect">
-            <a:avLst/>
-          </a:prstGeom>
-        </p:spPr>
-        <p:txBody>
-          <a:bodyPr vert="horz" lIns="91440" tIns="45720" rIns="91440" bIns="45720" rtlCol="0" anchor="ctr">
-            <a:normAutofit/>
-          </a:bodyPr>
-          <a:lstStyle>
-            <a:lvl1pPr marL="228600" indent="-228600" algn="l" defTabSz="914400" rtl="0" eaLnBrk="1" latinLnBrk="0" hangingPunct="1">
-              <a:lnSpc>
-                <a:spcPct val="120000"/>
-              </a:lnSpc>
-              <a:spcBef>
-                <a:spcPts val="1000"/>
-              </a:spcBef>
-              <a:buClr>
-                <a:schemeClr val="accent1"/>
-              </a:buClr>
-              <a:buSzPct val="110000"/>
-              <a:buFont typeface="Wingdings" panose="05000000000000000000" pitchFamily="2" charset="2"/>
-              <a:buChar char="§"/>
-              <a:defRPr sz="1800" kern="1200">
-                <a:solidFill>
-                  <a:schemeClr val="tx1"/>
-                </a:solidFill>
-                <a:effectLst/>
-                <a:latin typeface="+mn-lt"/>
-                <a:ea typeface="+mn-ea"/>
-                <a:cs typeface="+mn-cs"/>
-              </a:defRPr>
-            </a:lvl1pPr>
-            <a:lvl2pPr marL="685800" indent="-228600" algn="l" defTabSz="914400" rtl="0" eaLnBrk="1" latinLnBrk="0" hangingPunct="1">
-              <a:lnSpc>
-                <a:spcPct val="120000"/>
-              </a:lnSpc>
-              <a:spcBef>
-                <a:spcPts val="500"/>
-              </a:spcBef>
-              <a:buClr>
-                <a:schemeClr val="accent1"/>
-              </a:buClr>
-              <a:buSzPct val="110000"/>
-              <a:buFont typeface="Wingdings" panose="05000000000000000000" pitchFamily="2" charset="2"/>
-              <a:buChar char="§"/>
-              <a:defRPr sz="1600" kern="1200">
-                <a:solidFill>
-                  <a:schemeClr val="tx1"/>
-                </a:solidFill>
-                <a:effectLst/>
-                <a:latin typeface="+mn-lt"/>
-                <a:ea typeface="+mn-ea"/>
-                <a:cs typeface="+mn-cs"/>
-              </a:defRPr>
-            </a:lvl2pPr>
-            <a:lvl3pPr marL="1143000" indent="-228600" algn="l" defTabSz="914400" rtl="0" eaLnBrk="1" latinLnBrk="0" hangingPunct="1">
-              <a:lnSpc>
-                <a:spcPct val="120000"/>
-              </a:lnSpc>
-              <a:spcBef>
-                <a:spcPts val="500"/>
-              </a:spcBef>
-              <a:buClr>
-                <a:schemeClr val="accent1"/>
-              </a:buClr>
-              <a:buSzPct val="110000"/>
-              <a:buFont typeface="Wingdings" panose="05000000000000000000" pitchFamily="2" charset="2"/>
-              <a:buChar char="§"/>
-              <a:defRPr sz="1400" kern="1200">
-                <a:solidFill>
-                  <a:schemeClr val="tx1"/>
-                </a:solidFill>
-                <a:effectLst/>
-                <a:latin typeface="+mn-lt"/>
-                <a:ea typeface="+mn-ea"/>
-                <a:cs typeface="+mn-cs"/>
-              </a:defRPr>
-            </a:lvl3pPr>
-            <a:lvl4pPr marL="1600200" indent="-228600" algn="l" defTabSz="914400" rtl="0" eaLnBrk="1" latinLnBrk="0" hangingPunct="1">
-              <a:lnSpc>
-                <a:spcPct val="120000"/>
-              </a:lnSpc>
-              <a:spcBef>
-                <a:spcPts val="500"/>
-              </a:spcBef>
-              <a:buClr>
-                <a:schemeClr val="accent1"/>
-              </a:buClr>
-              <a:buSzPct val="110000"/>
-              <a:buFont typeface="Wingdings" panose="05000000000000000000" pitchFamily="2" charset="2"/>
-              <a:buChar char="§"/>
-              <a:defRPr sz="1200" kern="1200">
-                <a:solidFill>
-                  <a:schemeClr val="tx1"/>
-                </a:solidFill>
-                <a:effectLst/>
-                <a:latin typeface="+mn-lt"/>
-                <a:ea typeface="+mn-ea"/>
-                <a:cs typeface="+mn-cs"/>
-              </a:defRPr>
-            </a:lvl4pPr>
-            <a:lvl5pPr marL="2057400" indent="-228600" algn="l" defTabSz="914400" rtl="0" eaLnBrk="1" latinLnBrk="0" hangingPunct="1">
-              <a:lnSpc>
-                <a:spcPct val="120000"/>
-              </a:lnSpc>
-              <a:spcBef>
-                <a:spcPts val="500"/>
-              </a:spcBef>
-              <a:buClr>
-                <a:schemeClr val="accent1"/>
-              </a:buClr>
-              <a:buSzPct val="110000"/>
-              <a:buFont typeface="Wingdings" panose="05000000000000000000" pitchFamily="2" charset="2"/>
-              <a:buChar char="§"/>
-              <a:defRPr sz="1200" kern="1200">
-                <a:solidFill>
-                  <a:schemeClr val="tx1"/>
-                </a:solidFill>
-                <a:effectLst/>
-                <a:latin typeface="+mn-lt"/>
-                <a:ea typeface="+mn-ea"/>
-                <a:cs typeface="+mn-cs"/>
-              </a:defRPr>
-            </a:lvl5pPr>
-            <a:lvl6pPr marL="2514600" indent="-228600" algn="l" defTabSz="914400" rtl="0" eaLnBrk="1" latinLnBrk="0" hangingPunct="1">
-              <a:lnSpc>
-                <a:spcPct val="120000"/>
-              </a:lnSpc>
-              <a:spcBef>
-                <a:spcPts val="500"/>
-              </a:spcBef>
-              <a:buClr>
-                <a:schemeClr val="accent1"/>
-              </a:buClr>
-              <a:buSzPct val="110000"/>
-              <a:buFont typeface="Wingdings" panose="05000000000000000000" pitchFamily="2" charset="2"/>
-              <a:buChar char="§"/>
-              <a:defRPr sz="1200" kern="1200">
-                <a:solidFill>
-                  <a:schemeClr val="tx1"/>
-                </a:solidFill>
-                <a:effectLst/>
-                <a:latin typeface="+mn-lt"/>
-                <a:ea typeface="+mn-ea"/>
-                <a:cs typeface="+mn-cs"/>
-              </a:defRPr>
-            </a:lvl6pPr>
-            <a:lvl7pPr marL="2971800" indent="-228600" algn="l" defTabSz="914400" rtl="0" eaLnBrk="1" latinLnBrk="0" hangingPunct="1">
-              <a:lnSpc>
-                <a:spcPct val="120000"/>
-              </a:lnSpc>
-              <a:spcBef>
-                <a:spcPts val="500"/>
-              </a:spcBef>
-              <a:buClr>
-                <a:schemeClr val="accent1"/>
-              </a:buClr>
-              <a:buSzPct val="110000"/>
-              <a:buFont typeface="Wingdings" panose="05000000000000000000" pitchFamily="2" charset="2"/>
-              <a:buChar char="§"/>
-              <a:defRPr sz="1200" kern="1200">
-                <a:solidFill>
-                  <a:schemeClr val="tx1"/>
-                </a:solidFill>
-                <a:effectLst/>
-                <a:latin typeface="+mn-lt"/>
-                <a:ea typeface="+mn-ea"/>
-                <a:cs typeface="+mn-cs"/>
-              </a:defRPr>
-            </a:lvl7pPr>
-            <a:lvl8pPr marL="3429000" indent="-228600" algn="l" defTabSz="914400" rtl="0" eaLnBrk="1" latinLnBrk="0" hangingPunct="1">
-              <a:lnSpc>
-                <a:spcPct val="120000"/>
-              </a:lnSpc>
-              <a:spcBef>
-                <a:spcPts val="500"/>
-              </a:spcBef>
-              <a:buClr>
-                <a:schemeClr val="accent1"/>
-              </a:buClr>
-              <a:buSzPct val="110000"/>
-              <a:buFont typeface="Wingdings" panose="05000000000000000000" pitchFamily="2" charset="2"/>
-              <a:buChar char="§"/>
-              <a:defRPr sz="1200" kern="1200">
-                <a:solidFill>
-                  <a:schemeClr val="tx1"/>
-                </a:solidFill>
-                <a:effectLst/>
-                <a:latin typeface="+mn-lt"/>
-                <a:ea typeface="+mn-ea"/>
-                <a:cs typeface="+mn-cs"/>
-              </a:defRPr>
-            </a:lvl8pPr>
-            <a:lvl9pPr marL="3886200" indent="-228600" algn="l" defTabSz="914400" rtl="0" eaLnBrk="1" latinLnBrk="0" hangingPunct="1">
-              <a:lnSpc>
-                <a:spcPct val="120000"/>
-              </a:lnSpc>
-              <a:spcBef>
-                <a:spcPts val="500"/>
-              </a:spcBef>
-              <a:buClr>
-                <a:schemeClr val="accent1"/>
-              </a:buClr>
-              <a:buSzPct val="110000"/>
-              <a:buFont typeface="Wingdings" panose="05000000000000000000" pitchFamily="2" charset="2"/>
-              <a:buChar char="§"/>
-              <a:defRPr sz="1200" kern="1200">
-                <a:solidFill>
-                  <a:schemeClr val="tx1"/>
-                </a:solidFill>
-                <a:effectLst/>
-                <a:latin typeface="+mn-lt"/>
-                <a:ea typeface="+mn-ea"/>
-                <a:cs typeface="+mn-cs"/>
-              </a:defRPr>
-            </a:lvl9pPr>
-          </a:lstStyle>
-          <a:p>
-            <a:pPr marL="0" indent="0">
-              <a:buFont typeface="Wingdings" panose="05000000000000000000" pitchFamily="2" charset="2"/>
-              <a:buNone/>
-            </a:pPr>
-            <a:r>
-              <a:rPr lang="en-GB" dirty="0" smtClean="0"/>
-              <a:t>Login Modal code</a:t>
-            </a:r>
-          </a:p>
-        </p:txBody>
-      </p:sp>
-      <p:pic>
-        <p:nvPicPr>
-          <p:cNvPr id="5" name="Picture 4"/>
-          <p:cNvPicPr>
-            <a:picLocks noChangeAspect="1"/>
-          </p:cNvPicPr>
-          <p:nvPr/>
-        </p:nvPicPr>
-        <p:blipFill>
-          <a:blip r:embed="rId2">
-            <a:extLst>
-              <a:ext uri="{28A0092B-C50C-407E-A947-70E740481C1C}">
-                <a14:useLocalDpi xmlns:a14="http://schemas.microsoft.com/office/drawing/2010/main" val="0"/>
-              </a:ext>
-            </a:extLst>
-          </a:blip>
-          <a:stretch>
-            <a:fillRect/>
-          </a:stretch>
-        </p:blipFill>
-        <p:spPr>
-          <a:xfrm>
-            <a:off x="5318144" y="1259090"/>
-            <a:ext cx="5265773" cy="5320285"/>
-          </a:xfrm>
-          <a:prstGeom prst="rect">
-            <a:avLst/>
-          </a:prstGeom>
-        </p:spPr>
-      </p:pic>
-    </p:spTree>
-    <p:extLst>
-      <p:ext uri="{BB962C8B-B14F-4D97-AF65-F5344CB8AC3E}">
-        <p14:creationId xmlns:p14="http://schemas.microsoft.com/office/powerpoint/2010/main" val="194780324"/>
-      </p:ext>
-    </p:extLst>
-  </p:cSld>
-  <p:clrMapOvr>
-    <a:masterClrMapping/>
-  </p:clrMapOvr>
-</p:sld>
-</file>
-
-<file path=ppt/slides/slide8.xml><?xml version="1.0" encoding="utf-8"?>
-<p:sld xmlns:a="http://schemas.openxmlformats.org/drawingml/2006/main" xmlns:r="http://schemas.openxmlformats.org/officeDocument/2006/relationships" xmlns:p="http://schemas.openxmlformats.org/presentationml/2006/main">
-  <p:cSld>
-    <p:spTree>
-      <p:nvGrpSpPr>
-        <p:cNvPr id="1" name=""/>
-        <p:cNvGrpSpPr/>
-        <p:nvPr/>
-      </p:nvGrpSpPr>
-      <p:grpSpPr>
-        <a:xfrm>
-          <a:off x="0" y="0"/>
-          <a:ext cx="0" cy="0"/>
-          <a:chOff x="0" y="0"/>
-          <a:chExt cx="0" cy="0"/>
-        </a:xfrm>
-      </p:grpSpPr>
-      <p:sp>
-        <p:nvSpPr>
-          <p:cNvPr id="2" name="Title 1"/>
-          <p:cNvSpPr>
-            <a:spLocks noGrp="1"/>
-          </p:cNvSpPr>
-          <p:nvPr>
-            <p:ph type="title"/>
-          </p:nvPr>
-        </p:nvSpPr>
-        <p:spPr/>
-        <p:txBody>
-          <a:bodyPr/>
-          <a:lstStyle/>
-          <a:p>
-            <a:r>
-              <a:rPr lang="en-GB" dirty="0" smtClean="0"/>
-              <a:t>Modals</a:t>
-            </a:r>
-            <a:endParaRPr lang="en-GB" dirty="0"/>
-          </a:p>
-        </p:txBody>
-      </p:sp>
-      <p:sp>
-        <p:nvSpPr>
-          <p:cNvPr id="4" name="Content Placeholder 2"/>
-          <p:cNvSpPr txBox="1">
-            <a:spLocks/>
-          </p:cNvSpPr>
-          <p:nvPr/>
-        </p:nvSpPr>
-        <p:spPr>
-          <a:xfrm>
-            <a:off x="5318144" y="746234"/>
-            <a:ext cx="6281873" cy="512856"/>
-          </a:xfrm>
-          <a:prstGeom prst="rect">
-            <a:avLst/>
-          </a:prstGeom>
-        </p:spPr>
-        <p:txBody>
-          <a:bodyPr vert="horz" lIns="91440" tIns="45720" rIns="91440" bIns="45720" rtlCol="0" anchor="ctr">
-            <a:normAutofit/>
-          </a:bodyPr>
-          <a:lstStyle>
-            <a:lvl1pPr marL="228600" indent="-228600" algn="l" defTabSz="914400" rtl="0" eaLnBrk="1" latinLnBrk="0" hangingPunct="1">
-              <a:lnSpc>
-                <a:spcPct val="120000"/>
-              </a:lnSpc>
-              <a:spcBef>
-                <a:spcPts val="1000"/>
-              </a:spcBef>
-              <a:buClr>
-                <a:schemeClr val="accent1"/>
-              </a:buClr>
-              <a:buSzPct val="110000"/>
-              <a:buFont typeface="Wingdings" panose="05000000000000000000" pitchFamily="2" charset="2"/>
-              <a:buChar char="§"/>
-              <a:defRPr sz="1800" kern="1200">
-                <a:solidFill>
-                  <a:schemeClr val="tx1"/>
-                </a:solidFill>
-                <a:effectLst/>
-                <a:latin typeface="+mn-lt"/>
-                <a:ea typeface="+mn-ea"/>
-                <a:cs typeface="+mn-cs"/>
-              </a:defRPr>
-            </a:lvl1pPr>
-            <a:lvl2pPr marL="685800" indent="-228600" algn="l" defTabSz="914400" rtl="0" eaLnBrk="1" latinLnBrk="0" hangingPunct="1">
-              <a:lnSpc>
-                <a:spcPct val="120000"/>
-              </a:lnSpc>
-              <a:spcBef>
-                <a:spcPts val="500"/>
-              </a:spcBef>
-              <a:buClr>
-                <a:schemeClr val="accent1"/>
-              </a:buClr>
-              <a:buSzPct val="110000"/>
-              <a:buFont typeface="Wingdings" panose="05000000000000000000" pitchFamily="2" charset="2"/>
-              <a:buChar char="§"/>
-              <a:defRPr sz="1600" kern="1200">
-                <a:solidFill>
-                  <a:schemeClr val="tx1"/>
-                </a:solidFill>
-                <a:effectLst/>
-                <a:latin typeface="+mn-lt"/>
-                <a:ea typeface="+mn-ea"/>
-                <a:cs typeface="+mn-cs"/>
-              </a:defRPr>
-            </a:lvl2pPr>
-            <a:lvl3pPr marL="1143000" indent="-228600" algn="l" defTabSz="914400" rtl="0" eaLnBrk="1" latinLnBrk="0" hangingPunct="1">
-              <a:lnSpc>
-                <a:spcPct val="120000"/>
-              </a:lnSpc>
-              <a:spcBef>
-                <a:spcPts val="500"/>
-              </a:spcBef>
-              <a:buClr>
-                <a:schemeClr val="accent1"/>
-              </a:buClr>
-              <a:buSzPct val="110000"/>
-              <a:buFont typeface="Wingdings" panose="05000000000000000000" pitchFamily="2" charset="2"/>
-              <a:buChar char="§"/>
-              <a:defRPr sz="1400" kern="1200">
-                <a:solidFill>
-                  <a:schemeClr val="tx1"/>
-                </a:solidFill>
-                <a:effectLst/>
-                <a:latin typeface="+mn-lt"/>
-                <a:ea typeface="+mn-ea"/>
-                <a:cs typeface="+mn-cs"/>
-              </a:defRPr>
-            </a:lvl3pPr>
-            <a:lvl4pPr marL="1600200" indent="-228600" algn="l" defTabSz="914400" rtl="0" eaLnBrk="1" latinLnBrk="0" hangingPunct="1">
-              <a:lnSpc>
-                <a:spcPct val="120000"/>
-              </a:lnSpc>
-              <a:spcBef>
-                <a:spcPts val="500"/>
-              </a:spcBef>
-              <a:buClr>
-                <a:schemeClr val="accent1"/>
-              </a:buClr>
-              <a:buSzPct val="110000"/>
-              <a:buFont typeface="Wingdings" panose="05000000000000000000" pitchFamily="2" charset="2"/>
-              <a:buChar char="§"/>
-              <a:defRPr sz="1200" kern="1200">
-                <a:solidFill>
-                  <a:schemeClr val="tx1"/>
-                </a:solidFill>
-                <a:effectLst/>
-                <a:latin typeface="+mn-lt"/>
-                <a:ea typeface="+mn-ea"/>
-                <a:cs typeface="+mn-cs"/>
-              </a:defRPr>
-            </a:lvl4pPr>
-            <a:lvl5pPr marL="2057400" indent="-228600" algn="l" defTabSz="914400" rtl="0" eaLnBrk="1" latinLnBrk="0" hangingPunct="1">
-              <a:lnSpc>
-                <a:spcPct val="120000"/>
-              </a:lnSpc>
-              <a:spcBef>
-                <a:spcPts val="500"/>
-              </a:spcBef>
-              <a:buClr>
-                <a:schemeClr val="accent1"/>
-              </a:buClr>
-              <a:buSzPct val="110000"/>
-              <a:buFont typeface="Wingdings" panose="05000000000000000000" pitchFamily="2" charset="2"/>
-              <a:buChar char="§"/>
-              <a:defRPr sz="1200" kern="1200">
-                <a:solidFill>
-                  <a:schemeClr val="tx1"/>
-                </a:solidFill>
-                <a:effectLst/>
-                <a:latin typeface="+mn-lt"/>
-                <a:ea typeface="+mn-ea"/>
-                <a:cs typeface="+mn-cs"/>
-              </a:defRPr>
-            </a:lvl5pPr>
-            <a:lvl6pPr marL="2514600" indent="-228600" algn="l" defTabSz="914400" rtl="0" eaLnBrk="1" latinLnBrk="0" hangingPunct="1">
-              <a:lnSpc>
-                <a:spcPct val="120000"/>
-              </a:lnSpc>
-              <a:spcBef>
-                <a:spcPts val="500"/>
-              </a:spcBef>
-              <a:buClr>
-                <a:schemeClr val="accent1"/>
-              </a:buClr>
-              <a:buSzPct val="110000"/>
-              <a:buFont typeface="Wingdings" panose="05000000000000000000" pitchFamily="2" charset="2"/>
-              <a:buChar char="§"/>
-              <a:defRPr sz="1200" kern="1200">
-                <a:solidFill>
-                  <a:schemeClr val="tx1"/>
-                </a:solidFill>
-                <a:effectLst/>
-                <a:latin typeface="+mn-lt"/>
-                <a:ea typeface="+mn-ea"/>
-                <a:cs typeface="+mn-cs"/>
-              </a:defRPr>
-            </a:lvl6pPr>
-            <a:lvl7pPr marL="2971800" indent="-228600" algn="l" defTabSz="914400" rtl="0" eaLnBrk="1" latinLnBrk="0" hangingPunct="1">
-              <a:lnSpc>
-                <a:spcPct val="120000"/>
-              </a:lnSpc>
-              <a:spcBef>
-                <a:spcPts val="500"/>
-              </a:spcBef>
-              <a:buClr>
-                <a:schemeClr val="accent1"/>
-              </a:buClr>
-              <a:buSzPct val="110000"/>
-              <a:buFont typeface="Wingdings" panose="05000000000000000000" pitchFamily="2" charset="2"/>
-              <a:buChar char="§"/>
-              <a:defRPr sz="1200" kern="1200">
-                <a:solidFill>
-                  <a:schemeClr val="tx1"/>
-                </a:solidFill>
-                <a:effectLst/>
-                <a:latin typeface="+mn-lt"/>
-                <a:ea typeface="+mn-ea"/>
-                <a:cs typeface="+mn-cs"/>
-              </a:defRPr>
-            </a:lvl7pPr>
-            <a:lvl8pPr marL="3429000" indent="-228600" algn="l" defTabSz="914400" rtl="0" eaLnBrk="1" latinLnBrk="0" hangingPunct="1">
-              <a:lnSpc>
-                <a:spcPct val="120000"/>
-              </a:lnSpc>
-              <a:spcBef>
-                <a:spcPts val="500"/>
-              </a:spcBef>
-              <a:buClr>
-                <a:schemeClr val="accent1"/>
-              </a:buClr>
-              <a:buSzPct val="110000"/>
-              <a:buFont typeface="Wingdings" panose="05000000000000000000" pitchFamily="2" charset="2"/>
-              <a:buChar char="§"/>
-              <a:defRPr sz="1200" kern="1200">
-                <a:solidFill>
-                  <a:schemeClr val="tx1"/>
-                </a:solidFill>
-                <a:effectLst/>
-                <a:latin typeface="+mn-lt"/>
-                <a:ea typeface="+mn-ea"/>
-                <a:cs typeface="+mn-cs"/>
-              </a:defRPr>
-            </a:lvl8pPr>
-            <a:lvl9pPr marL="3886200" indent="-228600" algn="l" defTabSz="914400" rtl="0" eaLnBrk="1" latinLnBrk="0" hangingPunct="1">
-              <a:lnSpc>
-                <a:spcPct val="120000"/>
-              </a:lnSpc>
-              <a:spcBef>
-                <a:spcPts val="500"/>
-              </a:spcBef>
-              <a:buClr>
-                <a:schemeClr val="accent1"/>
-              </a:buClr>
-              <a:buSzPct val="110000"/>
-              <a:buFont typeface="Wingdings" panose="05000000000000000000" pitchFamily="2" charset="2"/>
-              <a:buChar char="§"/>
-              <a:defRPr sz="1200" kern="1200">
-                <a:solidFill>
-                  <a:schemeClr val="tx1"/>
-                </a:solidFill>
-                <a:effectLst/>
-                <a:latin typeface="+mn-lt"/>
-                <a:ea typeface="+mn-ea"/>
-                <a:cs typeface="+mn-cs"/>
-              </a:defRPr>
-            </a:lvl9pPr>
-          </a:lstStyle>
-          <a:p>
-            <a:pPr marL="0" indent="0">
-              <a:buFont typeface="Wingdings" panose="05000000000000000000" pitchFamily="2" charset="2"/>
-              <a:buNone/>
-            </a:pPr>
-            <a:r>
-              <a:rPr lang="en-GB" dirty="0" smtClean="0"/>
-              <a:t>Login Modal code</a:t>
-            </a:r>
-          </a:p>
-        </p:txBody>
-      </p:sp>
-      <p:pic>
-        <p:nvPicPr>
-          <p:cNvPr id="5" name="Picture 4"/>
-          <p:cNvPicPr>
-            <a:picLocks noChangeAspect="1"/>
-          </p:cNvPicPr>
-          <p:nvPr/>
-        </p:nvPicPr>
-        <p:blipFill>
-          <a:blip r:embed="rId2">
-            <a:extLst>
-              <a:ext uri="{28A0092B-C50C-407E-A947-70E740481C1C}">
-                <a14:useLocalDpi xmlns:a14="http://schemas.microsoft.com/office/drawing/2010/main" val="0"/>
-              </a:ext>
-            </a:extLst>
-          </a:blip>
-          <a:stretch>
-            <a:fillRect/>
-          </a:stretch>
-        </p:blipFill>
-        <p:spPr>
-          <a:xfrm>
-            <a:off x="5318144" y="1259090"/>
-            <a:ext cx="4551070" cy="1907708"/>
-          </a:xfrm>
-          <a:prstGeom prst="rect">
-            <a:avLst/>
-          </a:prstGeom>
-        </p:spPr>
-      </p:pic>
-    </p:spTree>
-    <p:extLst>
-      <p:ext uri="{BB962C8B-B14F-4D97-AF65-F5344CB8AC3E}">
-        <p14:creationId xmlns:p14="http://schemas.microsoft.com/office/powerpoint/2010/main" val="443335792"/>
-      </p:ext>
-    </p:extLst>
-  </p:cSld>
-  <p:clrMapOvr>
-    <a:masterClrMapping/>
-  </p:clrMapOvr>
-</p:sld>
-</file>
-
-<file path=ppt/slides/slide9.xml><?xml version="1.0" encoding="utf-8"?>
-<p:sld xmlns:a="http://schemas.openxmlformats.org/drawingml/2006/main" xmlns:r="http://schemas.openxmlformats.org/officeDocument/2006/relationships" xmlns:p="http://schemas.openxmlformats.org/presentationml/2006/main">
-  <p:cSld>
-    <p:spTree>
-      <p:nvGrpSpPr>
-        <p:cNvPr id="1" name=""/>
-        <p:cNvGrpSpPr/>
-        <p:nvPr/>
-      </p:nvGrpSpPr>
-      <p:grpSpPr>
-        <a:xfrm>
-          <a:off x="0" y="0"/>
-          <a:ext cx="0" cy="0"/>
-          <a:chOff x="0" y="0"/>
-          <a:chExt cx="0" cy="0"/>
-        </a:xfrm>
-      </p:grpSpPr>
-      <p:sp>
-        <p:nvSpPr>
-          <p:cNvPr id="2" name="Title 1"/>
-          <p:cNvSpPr>
-            <a:spLocks noGrp="1"/>
-          </p:cNvSpPr>
-          <p:nvPr>
-            <p:ph type="title"/>
-          </p:nvPr>
-        </p:nvSpPr>
-        <p:spPr/>
-        <p:txBody>
-          <a:bodyPr/>
-          <a:lstStyle/>
-          <a:p>
-            <a:r>
-              <a:rPr lang="en-GB" dirty="0" smtClean="0"/>
-              <a:t>Modals</a:t>
-            </a:r>
-            <a:endParaRPr lang="en-GB" dirty="0"/>
-          </a:p>
-        </p:txBody>
-      </p:sp>
-      <p:sp>
-        <p:nvSpPr>
-          <p:cNvPr id="5" name="Content Placeholder 2"/>
-          <p:cNvSpPr txBox="1">
-            <a:spLocks/>
-          </p:cNvSpPr>
-          <p:nvPr/>
-        </p:nvSpPr>
-        <p:spPr>
-          <a:xfrm>
-            <a:off x="5318144" y="746234"/>
-            <a:ext cx="6281873" cy="512856"/>
-          </a:xfrm>
-          <a:prstGeom prst="rect">
-            <a:avLst/>
-          </a:prstGeom>
-        </p:spPr>
-        <p:txBody>
-          <a:bodyPr vert="horz" lIns="91440" tIns="45720" rIns="91440" bIns="45720" rtlCol="0" anchor="ctr">
-            <a:normAutofit/>
-          </a:bodyPr>
-          <a:lstStyle>
-            <a:lvl1pPr marL="228600" indent="-228600" algn="l" defTabSz="914400" rtl="0" eaLnBrk="1" latinLnBrk="0" hangingPunct="1">
-              <a:lnSpc>
-                <a:spcPct val="120000"/>
-              </a:lnSpc>
-              <a:spcBef>
-                <a:spcPts val="1000"/>
-              </a:spcBef>
-              <a:buClr>
-                <a:schemeClr val="accent1"/>
-              </a:buClr>
-              <a:buSzPct val="110000"/>
-              <a:buFont typeface="Wingdings" panose="05000000000000000000" pitchFamily="2" charset="2"/>
-              <a:buChar char="§"/>
-              <a:defRPr sz="1800" kern="1200">
-                <a:solidFill>
-                  <a:schemeClr val="tx1"/>
-                </a:solidFill>
-                <a:effectLst/>
-                <a:latin typeface="+mn-lt"/>
-                <a:ea typeface="+mn-ea"/>
-                <a:cs typeface="+mn-cs"/>
-              </a:defRPr>
-            </a:lvl1pPr>
-            <a:lvl2pPr marL="685800" indent="-228600" algn="l" defTabSz="914400" rtl="0" eaLnBrk="1" latinLnBrk="0" hangingPunct="1">
-              <a:lnSpc>
-                <a:spcPct val="120000"/>
-              </a:lnSpc>
-              <a:spcBef>
-                <a:spcPts val="500"/>
-              </a:spcBef>
-              <a:buClr>
-                <a:schemeClr val="accent1"/>
-              </a:buClr>
-              <a:buSzPct val="110000"/>
-              <a:buFont typeface="Wingdings" panose="05000000000000000000" pitchFamily="2" charset="2"/>
-              <a:buChar char="§"/>
-              <a:defRPr sz="1600" kern="1200">
-                <a:solidFill>
-                  <a:schemeClr val="tx1"/>
-                </a:solidFill>
-                <a:effectLst/>
-                <a:latin typeface="+mn-lt"/>
-                <a:ea typeface="+mn-ea"/>
-                <a:cs typeface="+mn-cs"/>
-              </a:defRPr>
-            </a:lvl2pPr>
-            <a:lvl3pPr marL="1143000" indent="-228600" algn="l" defTabSz="914400" rtl="0" eaLnBrk="1" latinLnBrk="0" hangingPunct="1">
-              <a:lnSpc>
-                <a:spcPct val="120000"/>
-              </a:lnSpc>
-              <a:spcBef>
-                <a:spcPts val="500"/>
-              </a:spcBef>
-              <a:buClr>
-                <a:schemeClr val="accent1"/>
-              </a:buClr>
-              <a:buSzPct val="110000"/>
-              <a:buFont typeface="Wingdings" panose="05000000000000000000" pitchFamily="2" charset="2"/>
-              <a:buChar char="§"/>
-              <a:defRPr sz="1400" kern="1200">
-                <a:solidFill>
-                  <a:schemeClr val="tx1"/>
-                </a:solidFill>
-                <a:effectLst/>
-                <a:latin typeface="+mn-lt"/>
-                <a:ea typeface="+mn-ea"/>
-                <a:cs typeface="+mn-cs"/>
-              </a:defRPr>
-            </a:lvl3pPr>
-            <a:lvl4pPr marL="1600200" indent="-228600" algn="l" defTabSz="914400" rtl="0" eaLnBrk="1" latinLnBrk="0" hangingPunct="1">
-              <a:lnSpc>
-                <a:spcPct val="120000"/>
-              </a:lnSpc>
-              <a:spcBef>
-                <a:spcPts val="500"/>
-              </a:spcBef>
-              <a:buClr>
-                <a:schemeClr val="accent1"/>
-              </a:buClr>
-              <a:buSzPct val="110000"/>
-              <a:buFont typeface="Wingdings" panose="05000000000000000000" pitchFamily="2" charset="2"/>
-              <a:buChar char="§"/>
-              <a:defRPr sz="1200" kern="1200">
-                <a:solidFill>
-                  <a:schemeClr val="tx1"/>
-                </a:solidFill>
-                <a:effectLst/>
-                <a:latin typeface="+mn-lt"/>
-                <a:ea typeface="+mn-ea"/>
-                <a:cs typeface="+mn-cs"/>
-              </a:defRPr>
-            </a:lvl4pPr>
-            <a:lvl5pPr marL="2057400" indent="-228600" algn="l" defTabSz="914400" rtl="0" eaLnBrk="1" latinLnBrk="0" hangingPunct="1">
-              <a:lnSpc>
-                <a:spcPct val="120000"/>
-              </a:lnSpc>
-              <a:spcBef>
-                <a:spcPts val="500"/>
-              </a:spcBef>
-              <a:buClr>
-                <a:schemeClr val="accent1"/>
-              </a:buClr>
-              <a:buSzPct val="110000"/>
-              <a:buFont typeface="Wingdings" panose="05000000000000000000" pitchFamily="2" charset="2"/>
-              <a:buChar char="§"/>
-              <a:defRPr sz="1200" kern="1200">
-                <a:solidFill>
-                  <a:schemeClr val="tx1"/>
-                </a:solidFill>
-                <a:effectLst/>
-                <a:latin typeface="+mn-lt"/>
-                <a:ea typeface="+mn-ea"/>
-                <a:cs typeface="+mn-cs"/>
-              </a:defRPr>
-            </a:lvl5pPr>
-            <a:lvl6pPr marL="2514600" indent="-228600" algn="l" defTabSz="914400" rtl="0" eaLnBrk="1" latinLnBrk="0" hangingPunct="1">
-              <a:lnSpc>
-                <a:spcPct val="120000"/>
-              </a:lnSpc>
-              <a:spcBef>
-                <a:spcPts val="500"/>
-              </a:spcBef>
-              <a:buClr>
-                <a:schemeClr val="accent1"/>
-              </a:buClr>
-              <a:buSzPct val="110000"/>
-              <a:buFont typeface="Wingdings" panose="05000000000000000000" pitchFamily="2" charset="2"/>
-              <a:buChar char="§"/>
-              <a:defRPr sz="1200" kern="1200">
-                <a:solidFill>
-                  <a:schemeClr val="tx1"/>
-                </a:solidFill>
-                <a:effectLst/>
-                <a:latin typeface="+mn-lt"/>
-                <a:ea typeface="+mn-ea"/>
-                <a:cs typeface="+mn-cs"/>
-              </a:defRPr>
-            </a:lvl6pPr>
-            <a:lvl7pPr marL="2971800" indent="-228600" algn="l" defTabSz="914400" rtl="0" eaLnBrk="1" latinLnBrk="0" hangingPunct="1">
-              <a:lnSpc>
-                <a:spcPct val="120000"/>
-              </a:lnSpc>
-              <a:spcBef>
-                <a:spcPts val="500"/>
-              </a:spcBef>
-              <a:buClr>
-                <a:schemeClr val="accent1"/>
-              </a:buClr>
-              <a:buSzPct val="110000"/>
-              <a:buFont typeface="Wingdings" panose="05000000000000000000" pitchFamily="2" charset="2"/>
-              <a:buChar char="§"/>
-              <a:defRPr sz="1200" kern="1200">
-                <a:solidFill>
-                  <a:schemeClr val="tx1"/>
-                </a:solidFill>
-                <a:effectLst/>
-                <a:latin typeface="+mn-lt"/>
-                <a:ea typeface="+mn-ea"/>
-                <a:cs typeface="+mn-cs"/>
-              </a:defRPr>
-            </a:lvl7pPr>
-            <a:lvl8pPr marL="3429000" indent="-228600" algn="l" defTabSz="914400" rtl="0" eaLnBrk="1" latinLnBrk="0" hangingPunct="1">
-              <a:lnSpc>
-                <a:spcPct val="120000"/>
-              </a:lnSpc>
-              <a:spcBef>
-                <a:spcPts val="500"/>
-              </a:spcBef>
-              <a:buClr>
-                <a:schemeClr val="accent1"/>
-              </a:buClr>
-              <a:buSzPct val="110000"/>
-              <a:buFont typeface="Wingdings" panose="05000000000000000000" pitchFamily="2" charset="2"/>
-              <a:buChar char="§"/>
-              <a:defRPr sz="1200" kern="1200">
-                <a:solidFill>
-                  <a:schemeClr val="tx1"/>
-                </a:solidFill>
-                <a:effectLst/>
-                <a:latin typeface="+mn-lt"/>
-                <a:ea typeface="+mn-ea"/>
-                <a:cs typeface="+mn-cs"/>
-              </a:defRPr>
-            </a:lvl8pPr>
-            <a:lvl9pPr marL="3886200" indent="-228600" algn="l" defTabSz="914400" rtl="0" eaLnBrk="1" latinLnBrk="0" hangingPunct="1">
-              <a:lnSpc>
-                <a:spcPct val="120000"/>
-              </a:lnSpc>
-              <a:spcBef>
-                <a:spcPts val="500"/>
-              </a:spcBef>
-              <a:buClr>
-                <a:schemeClr val="accent1"/>
-              </a:buClr>
-              <a:buSzPct val="110000"/>
-              <a:buFont typeface="Wingdings" panose="05000000000000000000" pitchFamily="2" charset="2"/>
-              <a:buChar char="§"/>
-              <a:defRPr sz="1200" kern="1200">
-                <a:solidFill>
-                  <a:schemeClr val="tx1"/>
-                </a:solidFill>
-                <a:effectLst/>
-                <a:latin typeface="+mn-lt"/>
-                <a:ea typeface="+mn-ea"/>
-                <a:cs typeface="+mn-cs"/>
-              </a:defRPr>
-            </a:lvl9pPr>
-          </a:lstStyle>
-          <a:p>
-            <a:pPr marL="0" indent="0">
-              <a:buFont typeface="Wingdings" panose="05000000000000000000" pitchFamily="2" charset="2"/>
-              <a:buNone/>
-            </a:pPr>
-            <a:r>
-              <a:rPr lang="en-GB" dirty="0" smtClean="0"/>
-              <a:t>Login Modal code</a:t>
-            </a:r>
-          </a:p>
-        </p:txBody>
-      </p:sp>
-      <p:pic>
-        <p:nvPicPr>
-          <p:cNvPr id="6" name="Picture 5"/>
-          <p:cNvPicPr>
-            <a:picLocks noChangeAspect="1"/>
-          </p:cNvPicPr>
-          <p:nvPr/>
-        </p:nvPicPr>
-        <p:blipFill>
-          <a:blip r:embed="rId2">
-            <a:extLst>
-              <a:ext uri="{28A0092B-C50C-407E-A947-70E740481C1C}">
-                <a14:useLocalDpi xmlns:a14="http://schemas.microsoft.com/office/drawing/2010/main" val="0"/>
-              </a:ext>
-            </a:extLst>
-          </a:blip>
-          <a:stretch>
-            <a:fillRect/>
-          </a:stretch>
-        </p:blipFill>
-        <p:spPr>
-          <a:xfrm>
-            <a:off x="5318144" y="1259090"/>
-            <a:ext cx="5624314" cy="4836910"/>
-          </a:xfrm>
-          <a:prstGeom prst="rect">
-            <a:avLst/>
-          </a:prstGeom>
-        </p:spPr>
-      </p:pic>
-    </p:spTree>
-    <p:extLst>
-      <p:ext uri="{BB962C8B-B14F-4D97-AF65-F5344CB8AC3E}">
-        <p14:creationId xmlns:p14="http://schemas.microsoft.com/office/powerpoint/2010/main" val="3290767495"/>
-      </p:ext>
-    </p:extLst>
-  </p:cSld>
-  <p:clrMapOvr>
-    <a:masterClrMapping/>
-  </p:clrMapOvr>
-</p:sld>
-</file>
-
 <file path=ppt/theme/theme1.xml><?xml version="1.0" encoding="utf-8"?>
 <a:theme xmlns:a="http://schemas.openxmlformats.org/drawingml/2006/main" name="Atlas">
   <a:themeElements>
@@ -19228,7 +20216,7 @@
   <a:extraClrSchemeLst/>
   <a:extLst>
     <a:ext uri="{05A4C25C-085E-4340-85A3-A5531E510DB2}">
-      <thm15:themeFamily xmlns:thm15="http://schemas.microsoft.com/office/thememl/2012/main" name="Atlas" id="{5156B0E4-0EB1-49FE-A26B-15F6F698AEC6}" vid="{C0CB9708-C445-4049-9D7F-4C8684E69AF3}"/>
+      <thm15:themeFamily xmlns:thm15="http://schemas.microsoft.com/office/thememl/2012/main" xmlns="" name="Atlas" id="{5156B0E4-0EB1-49FE-A26B-15F6F698AEC6}" vid="{C0CB9708-C445-4049-9D7F-4C8684E69AF3}"/>
     </a:ext>
   </a:extLst>
 </a:theme>

--- a/Just Don’t Presentation.pptx
+++ b/Just Don’t Presentation.pptx
@@ -6,19 +6,21 @@
   </p:sldMasterIdLst>
   <p:sldIdLst>
     <p:sldId id="256" r:id="rId2"/>
-    <p:sldId id="268" r:id="rId3"/>
-    <p:sldId id="270" r:id="rId4"/>
-    <p:sldId id="271" r:id="rId5"/>
-    <p:sldId id="258" r:id="rId6"/>
-    <p:sldId id="259" r:id="rId7"/>
-    <p:sldId id="260" r:id="rId8"/>
-    <p:sldId id="262" r:id="rId9"/>
-    <p:sldId id="263" r:id="rId10"/>
-    <p:sldId id="261" r:id="rId11"/>
-    <p:sldId id="267" r:id="rId12"/>
-    <p:sldId id="264" r:id="rId13"/>
-    <p:sldId id="265" r:id="rId14"/>
-    <p:sldId id="266" r:id="rId15"/>
+    <p:sldId id="272" r:id="rId3"/>
+    <p:sldId id="268" r:id="rId4"/>
+    <p:sldId id="270" r:id="rId5"/>
+    <p:sldId id="271" r:id="rId6"/>
+    <p:sldId id="258" r:id="rId7"/>
+    <p:sldId id="259" r:id="rId8"/>
+    <p:sldId id="260" r:id="rId9"/>
+    <p:sldId id="262" r:id="rId10"/>
+    <p:sldId id="263" r:id="rId11"/>
+    <p:sldId id="261" r:id="rId12"/>
+    <p:sldId id="267" r:id="rId13"/>
+    <p:sldId id="264" r:id="rId14"/>
+    <p:sldId id="265" r:id="rId15"/>
+    <p:sldId id="266" r:id="rId16"/>
+    <p:sldId id="273" r:id="rId17"/>
   </p:sldIdLst>
   <p:sldSz cx="12192000" cy="6858000"/>
   <p:notesSz cx="6858000" cy="9144000"/>
@@ -119,7 +121,18 @@
   </p:defaultTextStyle>
   <p:extLst>
     <p:ext uri="{EFAFB233-063F-42B5-8137-9DF3F51BA10A}">
-      <p15:sldGuideLst xmlns:p15="http://schemas.microsoft.com/office/powerpoint/2012/main" xmlns=""/>
+      <p15:sldGuideLst xmlns:p15="http://schemas.microsoft.com/office/powerpoint/2012/main">
+        <p15:guide id="1" orient="horz" pos="2160">
+          <p15:clr>
+            <a:srgbClr val="A4A3A4"/>
+          </p15:clr>
+        </p15:guide>
+        <p15:guide id="2" pos="3840">
+          <p15:clr>
+            <a:srgbClr val="A4A3A4"/>
+          </p15:clr>
+        </p15:guide>
+      </p15:sldGuideLst>
     </p:ext>
   </p:extLst>
 </p:presentation>
@@ -1427,7 +1440,7 @@
           </a:lstStyle>
           <a:p>
             <a:r>
-              <a:rPr lang="en-US" smtClean="0"/>
+              <a:rPr lang="en-US"/>
               <a:t>Click to edit Master title style</a:t>
             </a:r>
             <a:endParaRPr lang="en-US" dirty="0"/>
@@ -1501,7 +1514,7 @@
           </a:lstStyle>
           <a:p>
             <a:r>
-              <a:rPr lang="en-US" smtClean="0"/>
+              <a:rPr lang="en-US"/>
               <a:t>Click to edit Master subtitle style</a:t>
             </a:r>
             <a:endParaRPr lang="en-US" dirty="0"/>
@@ -1535,7 +1548,7 @@
             <a:fld id="{48A87A34-81AB-432B-8DAE-1953F412C126}" type="datetimeFigureOut">
               <a:rPr lang="en-US" dirty="0"/>
               <a:pPr/>
-              <a:t>3/12/2018</a:t>
+              <a:t>3/13/2018</a:t>
             </a:fld>
             <a:endParaRPr lang="en-US" dirty="0"/>
           </a:p>
@@ -2908,7 +2921,7 @@
           </a:lstStyle>
           <a:p>
             <a:r>
-              <a:rPr lang="en-US" smtClean="0"/>
+              <a:rPr lang="en-US"/>
               <a:t>Click to edit Master title style</a:t>
             </a:r>
             <a:endParaRPr lang="en-US" dirty="0"/>
@@ -2937,35 +2950,35 @@
           <a:p>
             <a:pPr lvl="0"/>
             <a:r>
-              <a:rPr lang="en-US" smtClean="0"/>
+              <a:rPr lang="en-US"/>
               <a:t>Edit Master text styles</a:t>
             </a:r>
           </a:p>
           <a:p>
             <a:pPr lvl="1"/>
             <a:r>
-              <a:rPr lang="en-US" smtClean="0"/>
+              <a:rPr lang="en-US"/>
               <a:t>Second level</a:t>
             </a:r>
           </a:p>
           <a:p>
             <a:pPr lvl="2"/>
             <a:r>
-              <a:rPr lang="en-US" smtClean="0"/>
+              <a:rPr lang="en-US"/>
               <a:t>Third level</a:t>
             </a:r>
           </a:p>
           <a:p>
             <a:pPr lvl="3"/>
             <a:r>
-              <a:rPr lang="en-US" smtClean="0"/>
+              <a:rPr lang="en-US"/>
               <a:t>Fourth level</a:t>
             </a:r>
           </a:p>
           <a:p>
             <a:pPr lvl="4"/>
             <a:r>
-              <a:rPr lang="en-US" smtClean="0"/>
+              <a:rPr lang="en-US"/>
               <a:t>Fifth level</a:t>
             </a:r>
             <a:endParaRPr lang="en-US" dirty="0"/>
@@ -2989,7 +3002,7 @@
           <a:p>
             <a:fld id="{48A87A34-81AB-432B-8DAE-1953F412C126}" type="datetimeFigureOut">
               <a:rPr lang="en-US" dirty="0"/>
-              <a:t>3/12/2018</a:t>
+              <a:t>3/13/2018</a:t>
             </a:fld>
             <a:endParaRPr lang="en-US" dirty="0"/>
           </a:p>
@@ -4351,7 +4364,7 @@
           </a:lstStyle>
           <a:p>
             <a:r>
-              <a:rPr lang="en-US" smtClean="0"/>
+              <a:rPr lang="en-US"/>
               <a:t>Click to edit Master title style</a:t>
             </a:r>
             <a:endParaRPr lang="en-US" dirty="0"/>
@@ -4380,35 +4393,35 @@
           <a:p>
             <a:pPr lvl="0"/>
             <a:r>
-              <a:rPr lang="en-US" smtClean="0"/>
+              <a:rPr lang="en-US"/>
               <a:t>Edit Master text styles</a:t>
             </a:r>
           </a:p>
           <a:p>
             <a:pPr lvl="1"/>
             <a:r>
-              <a:rPr lang="en-US" smtClean="0"/>
+              <a:rPr lang="en-US"/>
               <a:t>Second level</a:t>
             </a:r>
           </a:p>
           <a:p>
             <a:pPr lvl="2"/>
             <a:r>
-              <a:rPr lang="en-US" smtClean="0"/>
+              <a:rPr lang="en-US"/>
               <a:t>Third level</a:t>
             </a:r>
           </a:p>
           <a:p>
             <a:pPr lvl="3"/>
             <a:r>
-              <a:rPr lang="en-US" smtClean="0"/>
+              <a:rPr lang="en-US"/>
               <a:t>Fourth level</a:t>
             </a:r>
           </a:p>
           <a:p>
             <a:pPr lvl="4"/>
             <a:r>
-              <a:rPr lang="en-US" smtClean="0"/>
+              <a:rPr lang="en-US"/>
               <a:t>Fifth level</a:t>
             </a:r>
             <a:endParaRPr lang="en-US" dirty="0"/>
@@ -4437,7 +4450,7 @@
           <a:p>
             <a:fld id="{48A87A34-81AB-432B-8DAE-1953F412C126}" type="datetimeFigureOut">
               <a:rPr lang="en-US" dirty="0"/>
-              <a:t>3/12/2018</a:t>
+              <a:t>3/13/2018</a:t>
             </a:fld>
             <a:endParaRPr lang="en-US" dirty="0"/>
           </a:p>
@@ -5806,7 +5819,7 @@
           </a:lstStyle>
           <a:p>
             <a:r>
-              <a:rPr lang="en-US" smtClean="0"/>
+              <a:rPr lang="en-US"/>
               <a:t>Click to edit Master title style</a:t>
             </a:r>
             <a:endParaRPr lang="en-US" dirty="0"/>
@@ -5835,35 +5848,35 @@
           <a:p>
             <a:pPr lvl="0"/>
             <a:r>
-              <a:rPr lang="en-US" smtClean="0"/>
+              <a:rPr lang="en-US"/>
               <a:t>Edit Master text styles</a:t>
             </a:r>
           </a:p>
           <a:p>
             <a:pPr lvl="1"/>
             <a:r>
-              <a:rPr lang="en-US" smtClean="0"/>
+              <a:rPr lang="en-US"/>
               <a:t>Second level</a:t>
             </a:r>
           </a:p>
           <a:p>
             <a:pPr lvl="2"/>
             <a:r>
-              <a:rPr lang="en-US" smtClean="0"/>
+              <a:rPr lang="en-US"/>
               <a:t>Third level</a:t>
             </a:r>
           </a:p>
           <a:p>
             <a:pPr lvl="3"/>
             <a:r>
-              <a:rPr lang="en-US" smtClean="0"/>
+              <a:rPr lang="en-US"/>
               <a:t>Fourth level</a:t>
             </a:r>
           </a:p>
           <a:p>
             <a:pPr lvl="4"/>
             <a:r>
-              <a:rPr lang="en-US" smtClean="0"/>
+              <a:rPr lang="en-US"/>
               <a:t>Fifth level</a:t>
             </a:r>
             <a:endParaRPr lang="en-US" dirty="0"/>
@@ -5887,7 +5900,7 @@
           <a:p>
             <a:fld id="{48A87A34-81AB-432B-8DAE-1953F412C126}" type="datetimeFigureOut">
               <a:rPr lang="en-US" dirty="0"/>
-              <a:t>3/12/2018</a:t>
+              <a:t>3/13/2018</a:t>
             </a:fld>
             <a:endParaRPr lang="en-US" dirty="0"/>
           </a:p>
@@ -7242,7 +7255,7 @@
           </a:lstStyle>
           <a:p>
             <a:r>
-              <a:rPr lang="en-US" smtClean="0"/>
+              <a:rPr lang="en-US"/>
               <a:t>Click to edit Master title style</a:t>
             </a:r>
             <a:endParaRPr lang="en-US" dirty="0"/>
@@ -7362,7 +7375,7 @@
           <a:p>
             <a:pPr lvl="0"/>
             <a:r>
-              <a:rPr lang="en-US" smtClean="0"/>
+              <a:rPr lang="en-US"/>
               <a:t>Edit Master text styles</a:t>
             </a:r>
           </a:p>
@@ -7390,7 +7403,7 @@
           <a:p>
             <a:fld id="{48A87A34-81AB-432B-8DAE-1953F412C126}" type="datetimeFigureOut">
               <a:rPr lang="en-US" dirty="0"/>
-              <a:t>3/12/2018</a:t>
+              <a:t>3/13/2018</a:t>
             </a:fld>
             <a:endParaRPr lang="en-US" dirty="0"/>
           </a:p>
@@ -8763,7 +8776,7 @@
           </a:lstStyle>
           <a:p>
             <a:r>
-              <a:rPr lang="en-US" smtClean="0"/>
+              <a:rPr lang="en-US"/>
               <a:t>Click to edit Master title style</a:t>
             </a:r>
             <a:endParaRPr lang="en-US" dirty="0"/>
@@ -8792,35 +8805,35 @@
           <a:p>
             <a:pPr lvl="0"/>
             <a:r>
-              <a:rPr lang="en-US" smtClean="0"/>
+              <a:rPr lang="en-US"/>
               <a:t>Edit Master text styles</a:t>
             </a:r>
           </a:p>
           <a:p>
             <a:pPr lvl="1"/>
             <a:r>
-              <a:rPr lang="en-US" smtClean="0"/>
+              <a:rPr lang="en-US"/>
               <a:t>Second level</a:t>
             </a:r>
           </a:p>
           <a:p>
             <a:pPr lvl="2"/>
             <a:r>
-              <a:rPr lang="en-US" smtClean="0"/>
+              <a:rPr lang="en-US"/>
               <a:t>Third level</a:t>
             </a:r>
           </a:p>
           <a:p>
             <a:pPr lvl="3"/>
             <a:r>
-              <a:rPr lang="en-US" smtClean="0"/>
+              <a:rPr lang="en-US"/>
               <a:t>Fourth level</a:t>
             </a:r>
           </a:p>
           <a:p>
             <a:pPr lvl="4"/>
             <a:r>
-              <a:rPr lang="en-US" smtClean="0"/>
+              <a:rPr lang="en-US"/>
               <a:t>Fifth level</a:t>
             </a:r>
             <a:endParaRPr lang="en-US" dirty="0"/>
@@ -8849,35 +8862,35 @@
           <a:p>
             <a:pPr lvl="0"/>
             <a:r>
-              <a:rPr lang="en-US" smtClean="0"/>
+              <a:rPr lang="en-US"/>
               <a:t>Edit Master text styles</a:t>
             </a:r>
           </a:p>
           <a:p>
             <a:pPr lvl="1"/>
             <a:r>
-              <a:rPr lang="en-US" smtClean="0"/>
+              <a:rPr lang="en-US"/>
               <a:t>Second level</a:t>
             </a:r>
           </a:p>
           <a:p>
             <a:pPr lvl="2"/>
             <a:r>
-              <a:rPr lang="en-US" smtClean="0"/>
+              <a:rPr lang="en-US"/>
               <a:t>Third level</a:t>
             </a:r>
           </a:p>
           <a:p>
             <a:pPr lvl="3"/>
             <a:r>
-              <a:rPr lang="en-US" smtClean="0"/>
+              <a:rPr lang="en-US"/>
               <a:t>Fourth level</a:t>
             </a:r>
           </a:p>
           <a:p>
             <a:pPr lvl="4"/>
             <a:r>
-              <a:rPr lang="en-US" smtClean="0"/>
+              <a:rPr lang="en-US"/>
               <a:t>Fifth level</a:t>
             </a:r>
             <a:endParaRPr lang="en-US" dirty="0"/>
@@ -8906,7 +8919,7 @@
           <a:p>
             <a:fld id="{48A87A34-81AB-432B-8DAE-1953F412C126}" type="datetimeFigureOut">
               <a:rPr lang="en-US" dirty="0"/>
-              <a:t>3/12/2018</a:t>
+              <a:t>3/13/2018</a:t>
             </a:fld>
             <a:endParaRPr lang="en-US" dirty="0"/>
           </a:p>
@@ -10275,7 +10288,7 @@
           </a:lstStyle>
           <a:p>
             <a:r>
-              <a:rPr lang="en-US" smtClean="0"/>
+              <a:rPr lang="en-US"/>
               <a:t>Click to edit Master title style</a:t>
             </a:r>
             <a:endParaRPr lang="en-US" dirty="0"/>
@@ -10350,7 +10363,7 @@
           <a:p>
             <a:pPr lvl="0"/>
             <a:r>
-              <a:rPr lang="en-US" smtClean="0"/>
+              <a:rPr lang="en-US"/>
               <a:t>Edit Master text styles</a:t>
             </a:r>
           </a:p>
@@ -10378,35 +10391,35 @@
           <a:p>
             <a:pPr lvl="0"/>
             <a:r>
-              <a:rPr lang="en-US" smtClean="0"/>
+              <a:rPr lang="en-US"/>
               <a:t>Edit Master text styles</a:t>
             </a:r>
           </a:p>
           <a:p>
             <a:pPr lvl="1"/>
             <a:r>
-              <a:rPr lang="en-US" smtClean="0"/>
+              <a:rPr lang="en-US"/>
               <a:t>Second level</a:t>
             </a:r>
           </a:p>
           <a:p>
             <a:pPr lvl="2"/>
             <a:r>
-              <a:rPr lang="en-US" smtClean="0"/>
+              <a:rPr lang="en-US"/>
               <a:t>Third level</a:t>
             </a:r>
           </a:p>
           <a:p>
             <a:pPr lvl="3"/>
             <a:r>
-              <a:rPr lang="en-US" smtClean="0"/>
+              <a:rPr lang="en-US"/>
               <a:t>Fourth level</a:t>
             </a:r>
           </a:p>
           <a:p>
             <a:pPr lvl="4"/>
             <a:r>
-              <a:rPr lang="en-US" smtClean="0"/>
+              <a:rPr lang="en-US"/>
               <a:t>Fifth level</a:t>
             </a:r>
             <a:endParaRPr lang="en-US" dirty="0"/>
@@ -10481,7 +10494,7 @@
           <a:p>
             <a:pPr lvl="0"/>
             <a:r>
-              <a:rPr lang="en-US" smtClean="0"/>
+              <a:rPr lang="en-US"/>
               <a:t>Edit Master text styles</a:t>
             </a:r>
           </a:p>
@@ -10509,35 +10522,35 @@
           <a:p>
             <a:pPr lvl="0"/>
             <a:r>
-              <a:rPr lang="en-US" smtClean="0"/>
+              <a:rPr lang="en-US"/>
               <a:t>Edit Master text styles</a:t>
             </a:r>
           </a:p>
           <a:p>
             <a:pPr lvl="1"/>
             <a:r>
-              <a:rPr lang="en-US" smtClean="0"/>
+              <a:rPr lang="en-US"/>
               <a:t>Second level</a:t>
             </a:r>
           </a:p>
           <a:p>
             <a:pPr lvl="2"/>
             <a:r>
-              <a:rPr lang="en-US" smtClean="0"/>
+              <a:rPr lang="en-US"/>
               <a:t>Third level</a:t>
             </a:r>
           </a:p>
           <a:p>
             <a:pPr lvl="3"/>
             <a:r>
-              <a:rPr lang="en-US" smtClean="0"/>
+              <a:rPr lang="en-US"/>
               <a:t>Fourth level</a:t>
             </a:r>
           </a:p>
           <a:p>
             <a:pPr lvl="4"/>
             <a:r>
-              <a:rPr lang="en-US" smtClean="0"/>
+              <a:rPr lang="en-US"/>
               <a:t>Fifth level</a:t>
             </a:r>
             <a:endParaRPr lang="en-US" dirty="0"/>
@@ -10566,7 +10579,7 @@
           <a:p>
             <a:fld id="{48A87A34-81AB-432B-8DAE-1953F412C126}" type="datetimeFigureOut">
               <a:rPr lang="en-US" dirty="0"/>
-              <a:t>3/12/2018</a:t>
+              <a:t>3/13/2018</a:t>
             </a:fld>
             <a:endParaRPr lang="en-US" dirty="0"/>
           </a:p>
@@ -11935,7 +11948,7 @@
           </a:lstStyle>
           <a:p>
             <a:r>
-              <a:rPr lang="en-US" smtClean="0"/>
+              <a:rPr lang="en-US"/>
               <a:t>Click to edit Master title style</a:t>
             </a:r>
             <a:endParaRPr lang="en-US" dirty="0"/>
@@ -11959,7 +11972,7 @@
           <a:p>
             <a:fld id="{48A87A34-81AB-432B-8DAE-1953F412C126}" type="datetimeFigureOut">
               <a:rPr lang="en-US" dirty="0"/>
-              <a:t>3/12/2018</a:t>
+              <a:t>3/13/2018</a:t>
             </a:fld>
             <a:endParaRPr lang="en-US" dirty="0"/>
           </a:p>
@@ -12054,7 +12067,7 @@
           <a:p>
             <a:fld id="{48A87A34-81AB-432B-8DAE-1953F412C126}" type="datetimeFigureOut">
               <a:rPr lang="en-US" dirty="0"/>
-              <a:t>3/12/2018</a:t>
+              <a:t>3/13/2018</a:t>
             </a:fld>
             <a:endParaRPr lang="en-US" dirty="0"/>
           </a:p>
@@ -13425,7 +13438,7 @@
           </a:lstStyle>
           <a:p>
             <a:r>
-              <a:rPr lang="en-US" smtClean="0"/>
+              <a:rPr lang="en-US"/>
               <a:t>Click to edit Master title style</a:t>
             </a:r>
             <a:endParaRPr lang="en-US" dirty="0"/>
@@ -13454,35 +13467,35 @@
           <a:p>
             <a:pPr lvl="0"/>
             <a:r>
-              <a:rPr lang="en-US" smtClean="0"/>
+              <a:rPr lang="en-US"/>
               <a:t>Edit Master text styles</a:t>
             </a:r>
           </a:p>
           <a:p>
             <a:pPr lvl="1"/>
             <a:r>
-              <a:rPr lang="en-US" smtClean="0"/>
+              <a:rPr lang="en-US"/>
               <a:t>Second level</a:t>
             </a:r>
           </a:p>
           <a:p>
             <a:pPr lvl="2"/>
             <a:r>
-              <a:rPr lang="en-US" smtClean="0"/>
+              <a:rPr lang="en-US"/>
               <a:t>Third level</a:t>
             </a:r>
           </a:p>
           <a:p>
             <a:pPr lvl="3"/>
             <a:r>
-              <a:rPr lang="en-US" smtClean="0"/>
+              <a:rPr lang="en-US"/>
               <a:t>Fourth level</a:t>
             </a:r>
           </a:p>
           <a:p>
             <a:pPr lvl="4"/>
             <a:r>
-              <a:rPr lang="en-US" smtClean="0"/>
+              <a:rPr lang="en-US"/>
               <a:t>Fifth level</a:t>
             </a:r>
             <a:endParaRPr lang="en-US" dirty="0"/>
@@ -13552,7 +13565,7 @@
           <a:p>
             <a:pPr lvl="0"/>
             <a:r>
-              <a:rPr lang="en-US" smtClean="0"/>
+              <a:rPr lang="en-US"/>
               <a:t>Edit Master text styles</a:t>
             </a:r>
           </a:p>
@@ -13575,7 +13588,7 @@
           <a:p>
             <a:fld id="{48A87A34-81AB-432B-8DAE-1953F412C126}" type="datetimeFigureOut">
               <a:rPr lang="en-US" dirty="0"/>
-              <a:t>3/12/2018</a:t>
+              <a:t>3/13/2018</a:t>
             </a:fld>
             <a:endParaRPr lang="en-US" dirty="0"/>
           </a:p>
@@ -14968,7 +14981,7 @@
           </a:lstStyle>
           <a:p>
             <a:r>
-              <a:rPr lang="en-US" smtClean="0"/>
+              <a:rPr lang="en-US"/>
               <a:t>Click icon to add picture</a:t>
             </a:r>
             <a:endParaRPr lang="en-US" dirty="0"/>
@@ -15006,7 +15019,7 @@
           </a:lstStyle>
           <a:p>
             <a:r>
-              <a:rPr lang="en-US" smtClean="0"/>
+              <a:rPr lang="en-US"/>
               <a:t>Click to edit Master title style</a:t>
             </a:r>
             <a:endParaRPr lang="en-US" dirty="0"/>
@@ -15078,7 +15091,7 @@
           <a:p>
             <a:pPr lvl="0"/>
             <a:r>
-              <a:rPr lang="en-US" smtClean="0"/>
+              <a:rPr lang="en-US"/>
               <a:t>Edit Master text styles</a:t>
             </a:r>
           </a:p>
@@ -15106,7 +15119,7 @@
           <a:p>
             <a:fld id="{48A87A34-81AB-432B-8DAE-1953F412C126}" type="datetimeFigureOut">
               <a:rPr lang="en-US" dirty="0"/>
-              <a:t>3/12/2018</a:t>
+              <a:t>3/13/2018</a:t>
             </a:fld>
             <a:endParaRPr lang="en-US" dirty="0"/>
           </a:p>
@@ -15220,7 +15233,7 @@
           <a:lstStyle/>
           <a:p>
             <a:r>
-              <a:rPr lang="en-US" smtClean="0"/>
+              <a:rPr lang="en-US"/>
               <a:t>Click to edit Master title style</a:t>
             </a:r>
             <a:endParaRPr lang="en-US" dirty="0"/>
@@ -15352,7 +15365,7 @@
             <a:fld id="{48A87A34-81AB-432B-8DAE-1953F412C126}" type="datetimeFigureOut">
               <a:rPr lang="en-US" dirty="0"/>
               <a:pPr/>
-              <a:t>3/12/2018</a:t>
+              <a:t>3/13/2018</a:t>
             </a:fld>
             <a:endParaRPr lang="en-US" dirty="0"/>
           </a:p>
@@ -15815,10 +15828,9 @@
           <a:lstStyle/>
           <a:p>
             <a:r>
-              <a:rPr lang="en-GB" dirty="0" smtClean="0"/>
+              <a:rPr lang="en-GB" dirty="0"/>
               <a:t>Just Don’t App</a:t>
             </a:r>
-            <a:endParaRPr lang="en-GB" dirty="0"/>
           </a:p>
         </p:txBody>
       </p:sp>
@@ -15838,31 +15850,27 @@
           <a:lstStyle/>
           <a:p>
             <a:r>
-              <a:rPr lang="en-GB" dirty="0" smtClean="0"/>
-              <a:t>Bruno</a:t>
-            </a:r>
-            <a:br>
-              <a:rPr lang="en-GB" dirty="0" smtClean="0"/>
-            </a:br>
-            <a:r>
-              <a:rPr lang="en-GB" dirty="0" smtClean="0"/>
-              <a:t>Ross</a:t>
-            </a:r>
-            <a:br>
-              <a:rPr lang="en-GB" dirty="0" smtClean="0"/>
-            </a:br>
-            <a:r>
-              <a:rPr lang="en-GB" smtClean="0"/>
-              <a:t>Shab</a:t>
-            </a:r>
-            <a:r>
               <a:rPr lang="en-GB" dirty="0"/>
-              <a:t/>
+              <a:t>Bruno Casas Pescador – B00312114</a:t>
             </a:r>
             <a:br>
               <a:rPr lang="en-GB" dirty="0"/>
             </a:br>
-            <a:endParaRPr lang="en-GB" dirty="0" smtClean="0"/>
+            <a:r>
+              <a:rPr lang="en-GB" dirty="0"/>
+              <a:t>Ross</a:t>
+            </a:r>
+            <a:br>
+              <a:rPr lang="en-GB" dirty="0"/>
+            </a:br>
+            <a:r>
+              <a:rPr lang="en-GB" dirty="0" err="1"/>
+              <a:t>Shab</a:t>
+            </a:r>
+            <a:br>
+              <a:rPr lang="en-GB" dirty="0"/>
+            </a:br>
+            <a:endParaRPr lang="en-GB" dirty="0"/>
           </a:p>
         </p:txBody>
       </p:sp>
@@ -15912,10 +15920,333 @@
           <a:lstStyle/>
           <a:p>
             <a:r>
-              <a:rPr lang="en-GB" dirty="0" smtClean="0"/>
+              <a:rPr lang="en-GB" dirty="0"/>
               <a:t>Modals</a:t>
             </a:r>
-            <a:endParaRPr lang="en-GB" dirty="0"/>
+          </a:p>
+        </p:txBody>
+      </p:sp>
+      <p:sp>
+        <p:nvSpPr>
+          <p:cNvPr id="5" name="Content Placeholder 2"/>
+          <p:cNvSpPr txBox="1">
+            <a:spLocks/>
+          </p:cNvSpPr>
+          <p:nvPr/>
+        </p:nvSpPr>
+        <p:spPr>
+          <a:xfrm>
+            <a:off x="5318144" y="746234"/>
+            <a:ext cx="6281873" cy="512856"/>
+          </a:xfrm>
+          <a:prstGeom prst="rect">
+            <a:avLst/>
+          </a:prstGeom>
+        </p:spPr>
+        <p:txBody>
+          <a:bodyPr vert="horz" lIns="91440" tIns="45720" rIns="91440" bIns="45720" rtlCol="0" anchor="ctr">
+            <a:normAutofit/>
+          </a:bodyPr>
+          <a:lstStyle>
+            <a:lvl1pPr marL="228600" indent="-228600" algn="l" defTabSz="914400" rtl="0" eaLnBrk="1" latinLnBrk="0" hangingPunct="1">
+              <a:lnSpc>
+                <a:spcPct val="120000"/>
+              </a:lnSpc>
+              <a:spcBef>
+                <a:spcPts val="1000"/>
+              </a:spcBef>
+              <a:buClr>
+                <a:schemeClr val="accent1"/>
+              </a:buClr>
+              <a:buSzPct val="110000"/>
+              <a:buFont typeface="Wingdings" panose="05000000000000000000" pitchFamily="2" charset="2"/>
+              <a:buChar char="§"/>
+              <a:defRPr sz="1800" kern="1200">
+                <a:solidFill>
+                  <a:schemeClr val="tx1"/>
+                </a:solidFill>
+                <a:effectLst/>
+                <a:latin typeface="+mn-lt"/>
+                <a:ea typeface="+mn-ea"/>
+                <a:cs typeface="+mn-cs"/>
+              </a:defRPr>
+            </a:lvl1pPr>
+            <a:lvl2pPr marL="685800" indent="-228600" algn="l" defTabSz="914400" rtl="0" eaLnBrk="1" latinLnBrk="0" hangingPunct="1">
+              <a:lnSpc>
+                <a:spcPct val="120000"/>
+              </a:lnSpc>
+              <a:spcBef>
+                <a:spcPts val="500"/>
+              </a:spcBef>
+              <a:buClr>
+                <a:schemeClr val="accent1"/>
+              </a:buClr>
+              <a:buSzPct val="110000"/>
+              <a:buFont typeface="Wingdings" panose="05000000000000000000" pitchFamily="2" charset="2"/>
+              <a:buChar char="§"/>
+              <a:defRPr sz="1600" kern="1200">
+                <a:solidFill>
+                  <a:schemeClr val="tx1"/>
+                </a:solidFill>
+                <a:effectLst/>
+                <a:latin typeface="+mn-lt"/>
+                <a:ea typeface="+mn-ea"/>
+                <a:cs typeface="+mn-cs"/>
+              </a:defRPr>
+            </a:lvl2pPr>
+            <a:lvl3pPr marL="1143000" indent="-228600" algn="l" defTabSz="914400" rtl="0" eaLnBrk="1" latinLnBrk="0" hangingPunct="1">
+              <a:lnSpc>
+                <a:spcPct val="120000"/>
+              </a:lnSpc>
+              <a:spcBef>
+                <a:spcPts val="500"/>
+              </a:spcBef>
+              <a:buClr>
+                <a:schemeClr val="accent1"/>
+              </a:buClr>
+              <a:buSzPct val="110000"/>
+              <a:buFont typeface="Wingdings" panose="05000000000000000000" pitchFamily="2" charset="2"/>
+              <a:buChar char="§"/>
+              <a:defRPr sz="1400" kern="1200">
+                <a:solidFill>
+                  <a:schemeClr val="tx1"/>
+                </a:solidFill>
+                <a:effectLst/>
+                <a:latin typeface="+mn-lt"/>
+                <a:ea typeface="+mn-ea"/>
+                <a:cs typeface="+mn-cs"/>
+              </a:defRPr>
+            </a:lvl3pPr>
+            <a:lvl4pPr marL="1600200" indent="-228600" algn="l" defTabSz="914400" rtl="0" eaLnBrk="1" latinLnBrk="0" hangingPunct="1">
+              <a:lnSpc>
+                <a:spcPct val="120000"/>
+              </a:lnSpc>
+              <a:spcBef>
+                <a:spcPts val="500"/>
+              </a:spcBef>
+              <a:buClr>
+                <a:schemeClr val="accent1"/>
+              </a:buClr>
+              <a:buSzPct val="110000"/>
+              <a:buFont typeface="Wingdings" panose="05000000000000000000" pitchFamily="2" charset="2"/>
+              <a:buChar char="§"/>
+              <a:defRPr sz="1200" kern="1200">
+                <a:solidFill>
+                  <a:schemeClr val="tx1"/>
+                </a:solidFill>
+                <a:effectLst/>
+                <a:latin typeface="+mn-lt"/>
+                <a:ea typeface="+mn-ea"/>
+                <a:cs typeface="+mn-cs"/>
+              </a:defRPr>
+            </a:lvl4pPr>
+            <a:lvl5pPr marL="2057400" indent="-228600" algn="l" defTabSz="914400" rtl="0" eaLnBrk="1" latinLnBrk="0" hangingPunct="1">
+              <a:lnSpc>
+                <a:spcPct val="120000"/>
+              </a:lnSpc>
+              <a:spcBef>
+                <a:spcPts val="500"/>
+              </a:spcBef>
+              <a:buClr>
+                <a:schemeClr val="accent1"/>
+              </a:buClr>
+              <a:buSzPct val="110000"/>
+              <a:buFont typeface="Wingdings" panose="05000000000000000000" pitchFamily="2" charset="2"/>
+              <a:buChar char="§"/>
+              <a:defRPr sz="1200" kern="1200">
+                <a:solidFill>
+                  <a:schemeClr val="tx1"/>
+                </a:solidFill>
+                <a:effectLst/>
+                <a:latin typeface="+mn-lt"/>
+                <a:ea typeface="+mn-ea"/>
+                <a:cs typeface="+mn-cs"/>
+              </a:defRPr>
+            </a:lvl5pPr>
+            <a:lvl6pPr marL="2514600" indent="-228600" algn="l" defTabSz="914400" rtl="0" eaLnBrk="1" latinLnBrk="0" hangingPunct="1">
+              <a:lnSpc>
+                <a:spcPct val="120000"/>
+              </a:lnSpc>
+              <a:spcBef>
+                <a:spcPts val="500"/>
+              </a:spcBef>
+              <a:buClr>
+                <a:schemeClr val="accent1"/>
+              </a:buClr>
+              <a:buSzPct val="110000"/>
+              <a:buFont typeface="Wingdings" panose="05000000000000000000" pitchFamily="2" charset="2"/>
+              <a:buChar char="§"/>
+              <a:defRPr sz="1200" kern="1200">
+                <a:solidFill>
+                  <a:schemeClr val="tx1"/>
+                </a:solidFill>
+                <a:effectLst/>
+                <a:latin typeface="+mn-lt"/>
+                <a:ea typeface="+mn-ea"/>
+                <a:cs typeface="+mn-cs"/>
+              </a:defRPr>
+            </a:lvl6pPr>
+            <a:lvl7pPr marL="2971800" indent="-228600" algn="l" defTabSz="914400" rtl="0" eaLnBrk="1" latinLnBrk="0" hangingPunct="1">
+              <a:lnSpc>
+                <a:spcPct val="120000"/>
+              </a:lnSpc>
+              <a:spcBef>
+                <a:spcPts val="500"/>
+              </a:spcBef>
+              <a:buClr>
+                <a:schemeClr val="accent1"/>
+              </a:buClr>
+              <a:buSzPct val="110000"/>
+              <a:buFont typeface="Wingdings" panose="05000000000000000000" pitchFamily="2" charset="2"/>
+              <a:buChar char="§"/>
+              <a:defRPr sz="1200" kern="1200">
+                <a:solidFill>
+                  <a:schemeClr val="tx1"/>
+                </a:solidFill>
+                <a:effectLst/>
+                <a:latin typeface="+mn-lt"/>
+                <a:ea typeface="+mn-ea"/>
+                <a:cs typeface="+mn-cs"/>
+              </a:defRPr>
+            </a:lvl7pPr>
+            <a:lvl8pPr marL="3429000" indent="-228600" algn="l" defTabSz="914400" rtl="0" eaLnBrk="1" latinLnBrk="0" hangingPunct="1">
+              <a:lnSpc>
+                <a:spcPct val="120000"/>
+              </a:lnSpc>
+              <a:spcBef>
+                <a:spcPts val="500"/>
+              </a:spcBef>
+              <a:buClr>
+                <a:schemeClr val="accent1"/>
+              </a:buClr>
+              <a:buSzPct val="110000"/>
+              <a:buFont typeface="Wingdings" panose="05000000000000000000" pitchFamily="2" charset="2"/>
+              <a:buChar char="§"/>
+              <a:defRPr sz="1200" kern="1200">
+                <a:solidFill>
+                  <a:schemeClr val="tx1"/>
+                </a:solidFill>
+                <a:effectLst/>
+                <a:latin typeface="+mn-lt"/>
+                <a:ea typeface="+mn-ea"/>
+                <a:cs typeface="+mn-cs"/>
+              </a:defRPr>
+            </a:lvl8pPr>
+            <a:lvl9pPr marL="3886200" indent="-228600" algn="l" defTabSz="914400" rtl="0" eaLnBrk="1" latinLnBrk="0" hangingPunct="1">
+              <a:lnSpc>
+                <a:spcPct val="120000"/>
+              </a:lnSpc>
+              <a:spcBef>
+                <a:spcPts val="500"/>
+              </a:spcBef>
+              <a:buClr>
+                <a:schemeClr val="accent1"/>
+              </a:buClr>
+              <a:buSzPct val="110000"/>
+              <a:buFont typeface="Wingdings" panose="05000000000000000000" pitchFamily="2" charset="2"/>
+              <a:buChar char="§"/>
+              <a:defRPr sz="1200" kern="1200">
+                <a:solidFill>
+                  <a:schemeClr val="tx1"/>
+                </a:solidFill>
+                <a:effectLst/>
+                <a:latin typeface="+mn-lt"/>
+                <a:ea typeface="+mn-ea"/>
+                <a:cs typeface="+mn-cs"/>
+              </a:defRPr>
+            </a:lvl9pPr>
+          </a:lstStyle>
+          <a:p>
+            <a:pPr marL="0" indent="0">
+              <a:buFont typeface="Wingdings" panose="05000000000000000000" pitchFamily="2" charset="2"/>
+              <a:buNone/>
+            </a:pPr>
+            <a:r>
+              <a:rPr lang="en-GB" dirty="0"/>
+              <a:t>Modals CSS code</a:t>
+            </a:r>
+          </a:p>
+        </p:txBody>
+      </p:sp>
+      <p:pic>
+        <p:nvPicPr>
+          <p:cNvPr id="7" name="Picture 6"/>
+          <p:cNvPicPr>
+            <a:picLocks noChangeAspect="1"/>
+          </p:cNvPicPr>
+          <p:nvPr/>
+        </p:nvPicPr>
+        <p:blipFill>
+          <a:blip r:embed="rId2">
+            <a:extLst>
+              <a:ext uri="{28A0092B-C50C-407E-A947-70E740481C1C}">
+                <a14:useLocalDpi xmlns:a14="http://schemas.microsoft.com/office/drawing/2010/main" val="0"/>
+              </a:ext>
+            </a:extLst>
+          </a:blip>
+          <a:stretch>
+            <a:fillRect/>
+          </a:stretch>
+        </p:blipFill>
+        <p:spPr>
+          <a:xfrm>
+            <a:off x="5318144" y="1174627"/>
+            <a:ext cx="5623125" cy="5683373"/>
+          </a:xfrm>
+          <a:prstGeom prst="rect">
+            <a:avLst/>
+          </a:prstGeom>
+        </p:spPr>
+      </p:pic>
+    </p:spTree>
+    <p:extLst>
+      <p:ext uri="{BB962C8B-B14F-4D97-AF65-F5344CB8AC3E}">
+        <p14:creationId xmlns:p14="http://schemas.microsoft.com/office/powerpoint/2010/main" val="1188083020"/>
+      </p:ext>
+    </p:extLst>
+  </p:cSld>
+  <p:clrMapOvr>
+    <a:masterClrMapping/>
+  </p:clrMapOvr>
+</p:sld>
+</file>
+
+<file path=ppt/slides/slide11.xml><?xml version="1.0" encoding="utf-8"?>
+<p:sld xmlns:a="http://schemas.openxmlformats.org/drawingml/2006/main" xmlns:r="http://schemas.openxmlformats.org/officeDocument/2006/relationships" xmlns:p="http://schemas.openxmlformats.org/presentationml/2006/main">
+  <p:cSld>
+    <p:spTree>
+      <p:nvGrpSpPr>
+        <p:cNvPr id="1" name=""/>
+        <p:cNvGrpSpPr/>
+        <p:nvPr/>
+      </p:nvGrpSpPr>
+      <p:grpSpPr>
+        <a:xfrm>
+          <a:off x="0" y="0"/>
+          <a:ext cx="0" cy="0"/>
+          <a:chOff x="0" y="0"/>
+          <a:chExt cx="0" cy="0"/>
+        </a:xfrm>
+      </p:grpSpPr>
+      <p:sp>
+        <p:nvSpPr>
+          <p:cNvPr id="2" name="Title 1"/>
+          <p:cNvSpPr>
+            <a:spLocks noGrp="1"/>
+          </p:cNvSpPr>
+          <p:nvPr>
+            <p:ph type="title"/>
+          </p:nvPr>
+        </p:nvSpPr>
+        <p:spPr/>
+        <p:txBody>
+          <a:bodyPr/>
+          <a:lstStyle/>
+          <a:p>
+            <a:r>
+              <a:rPr lang="en-GB" dirty="0"/>
+              <a:t>Modals</a:t>
+            </a:r>
           </a:p>
         </p:txBody>
       </p:sp>
@@ -16155,7 +16486,7 @@
               <a:buNone/>
             </a:pPr>
             <a:r>
-              <a:rPr lang="en-GB" dirty="0" smtClean="0"/>
+              <a:rPr lang="en-GB" dirty="0"/>
               <a:t>Login Modal code</a:t>
             </a:r>
           </a:p>
@@ -16204,7 +16535,7 @@
 </p:sld>
 </file>
 
-<file path=ppt/slides/slide11.xml><?xml version="1.0" encoding="utf-8"?>
+<file path=ppt/slides/slide12.xml><?xml version="1.0" encoding="utf-8"?>
 <p:sld xmlns:a="http://schemas.openxmlformats.org/drawingml/2006/main" xmlns:r="http://schemas.openxmlformats.org/officeDocument/2006/relationships" xmlns:p="http://schemas.openxmlformats.org/presentationml/2006/main">
   <p:cSld>
     <p:spTree>
@@ -16237,10 +16568,9 @@
           <a:lstStyle/>
           <a:p>
             <a:r>
-              <a:rPr lang="en-GB" dirty="0" smtClean="0"/>
+              <a:rPr lang="en-GB" dirty="0"/>
               <a:t>Modals</a:t>
             </a:r>
-            <a:endParaRPr lang="en-GB" dirty="0"/>
           </a:p>
         </p:txBody>
       </p:sp>
@@ -16480,7 +16810,7 @@
               <a:buNone/>
             </a:pPr>
             <a:r>
-              <a:rPr lang="en-GB" dirty="0" smtClean="0"/>
+              <a:rPr lang="en-GB" dirty="0"/>
               <a:t>Login Modal code</a:t>
             </a:r>
           </a:p>
@@ -16529,7 +16859,7 @@
 </p:sld>
 </file>
 
-<file path=ppt/slides/slide12.xml><?xml version="1.0" encoding="utf-8"?>
+<file path=ppt/slides/slide13.xml><?xml version="1.0" encoding="utf-8"?>
 <p:sld xmlns:a="http://schemas.openxmlformats.org/drawingml/2006/main" xmlns:r="http://schemas.openxmlformats.org/officeDocument/2006/relationships" xmlns:p="http://schemas.openxmlformats.org/presentationml/2006/main">
   <p:cSld>
     <p:spTree>
@@ -16562,10 +16892,9 @@
           <a:lstStyle/>
           <a:p>
             <a:r>
-              <a:rPr lang="en-GB" dirty="0" smtClean="0"/>
+              <a:rPr lang="en-GB" dirty="0"/>
               <a:t>Modals</a:t>
             </a:r>
-            <a:endParaRPr lang="en-GB" dirty="0"/>
           </a:p>
         </p:txBody>
       </p:sp>
@@ -16805,7 +17134,7 @@
               <a:buNone/>
             </a:pPr>
             <a:r>
-              <a:rPr lang="en-GB" dirty="0" smtClean="0"/>
+              <a:rPr lang="en-GB" dirty="0"/>
               <a:t>Login Modal code</a:t>
             </a:r>
           </a:p>
@@ -16854,7 +17183,7 @@
 </p:sld>
 </file>
 
-<file path=ppt/slides/slide13.xml><?xml version="1.0" encoding="utf-8"?>
+<file path=ppt/slides/slide14.xml><?xml version="1.0" encoding="utf-8"?>
 <p:sld xmlns:a="http://schemas.openxmlformats.org/drawingml/2006/main" xmlns:r="http://schemas.openxmlformats.org/officeDocument/2006/relationships" xmlns:p="http://schemas.openxmlformats.org/presentationml/2006/main">
   <p:cSld>
     <p:spTree>
@@ -16887,10 +17216,9 @@
           <a:lstStyle/>
           <a:p>
             <a:r>
-              <a:rPr lang="en-GB" dirty="0" smtClean="0"/>
+              <a:rPr lang="en-GB" dirty="0"/>
               <a:t>Modals</a:t>
             </a:r>
-            <a:endParaRPr lang="en-GB" dirty="0"/>
           </a:p>
         </p:txBody>
       </p:sp>
@@ -17130,7 +17458,7 @@
               <a:buNone/>
             </a:pPr>
             <a:r>
-              <a:rPr lang="en-GB" dirty="0" smtClean="0"/>
+              <a:rPr lang="en-GB" dirty="0"/>
               <a:t>Add Review code</a:t>
             </a:r>
           </a:p>
@@ -17179,7 +17507,7 @@
 </p:sld>
 </file>
 
-<file path=ppt/slides/slide14.xml><?xml version="1.0" encoding="utf-8"?>
+<file path=ppt/slides/slide15.xml><?xml version="1.0" encoding="utf-8"?>
 <p:sld xmlns:a="http://schemas.openxmlformats.org/drawingml/2006/main" xmlns:r="http://schemas.openxmlformats.org/officeDocument/2006/relationships" xmlns:p="http://schemas.openxmlformats.org/presentationml/2006/main">
   <p:cSld>
     <p:spTree>
@@ -17212,10 +17540,9 @@
           <a:lstStyle/>
           <a:p>
             <a:r>
-              <a:rPr lang="en-GB" dirty="0" smtClean="0"/>
+              <a:rPr lang="en-GB" dirty="0"/>
               <a:t>Modals</a:t>
             </a:r>
-            <a:endParaRPr lang="en-GB" dirty="0"/>
           </a:p>
         </p:txBody>
       </p:sp>
@@ -17455,7 +17782,7 @@
               <a:buNone/>
             </a:pPr>
             <a:r>
-              <a:rPr lang="en-GB" dirty="0" smtClean="0"/>
+              <a:rPr lang="en-GB" dirty="0"/>
               <a:t>Add Review code</a:t>
             </a:r>
           </a:p>
@@ -17495,6 +17822,359 @@
     <p:extLst>
       <p:ext uri="{BB962C8B-B14F-4D97-AF65-F5344CB8AC3E}">
         <p14:creationId xmlns:p14="http://schemas.microsoft.com/office/powerpoint/2010/main" val="1007991802"/>
+      </p:ext>
+    </p:extLst>
+  </p:cSld>
+  <p:clrMapOvr>
+    <a:masterClrMapping/>
+  </p:clrMapOvr>
+</p:sld>
+</file>
+
+<file path=ppt/slides/slide16.xml><?xml version="1.0" encoding="utf-8"?>
+<p:sld xmlns:a="http://schemas.openxmlformats.org/drawingml/2006/main" xmlns:r="http://schemas.openxmlformats.org/officeDocument/2006/relationships" xmlns:p="http://schemas.openxmlformats.org/presentationml/2006/main">
+  <p:cSld>
+    <p:spTree>
+      <p:nvGrpSpPr>
+        <p:cNvPr id="1" name=""/>
+        <p:cNvGrpSpPr/>
+        <p:nvPr/>
+      </p:nvGrpSpPr>
+      <p:grpSpPr>
+        <a:xfrm>
+          <a:off x="0" y="0"/>
+          <a:ext cx="0" cy="0"/>
+          <a:chOff x="0" y="0"/>
+          <a:chExt cx="0" cy="0"/>
+        </a:xfrm>
+      </p:grpSpPr>
+      <p:sp>
+        <p:nvSpPr>
+          <p:cNvPr id="2" name="Title 1"/>
+          <p:cNvSpPr>
+            <a:spLocks noGrp="1"/>
+          </p:cNvSpPr>
+          <p:nvPr>
+            <p:ph type="title"/>
+          </p:nvPr>
+        </p:nvSpPr>
+        <p:spPr/>
+        <p:txBody>
+          <a:bodyPr/>
+          <a:lstStyle/>
+          <a:p>
+            <a:r>
+              <a:rPr lang="en-GB" dirty="0"/>
+              <a:t>Conclusion</a:t>
+            </a:r>
+          </a:p>
+        </p:txBody>
+      </p:sp>
+      <p:sp>
+        <p:nvSpPr>
+          <p:cNvPr id="5" name="Content Placeholder 2"/>
+          <p:cNvSpPr txBox="1">
+            <a:spLocks/>
+          </p:cNvSpPr>
+          <p:nvPr/>
+        </p:nvSpPr>
+        <p:spPr>
+          <a:xfrm>
+            <a:off x="5318144" y="746234"/>
+            <a:ext cx="6281873" cy="512856"/>
+          </a:xfrm>
+          <a:prstGeom prst="rect">
+            <a:avLst/>
+          </a:prstGeom>
+        </p:spPr>
+        <p:txBody>
+          <a:bodyPr vert="horz" lIns="91440" tIns="45720" rIns="91440" bIns="45720" rtlCol="0" anchor="ctr">
+            <a:normAutofit/>
+          </a:bodyPr>
+          <a:lstStyle>
+            <a:lvl1pPr marL="228600" indent="-228600" algn="l" defTabSz="914400" rtl="0" eaLnBrk="1" latinLnBrk="0" hangingPunct="1">
+              <a:lnSpc>
+                <a:spcPct val="120000"/>
+              </a:lnSpc>
+              <a:spcBef>
+                <a:spcPts val="1000"/>
+              </a:spcBef>
+              <a:buClr>
+                <a:schemeClr val="accent1"/>
+              </a:buClr>
+              <a:buSzPct val="110000"/>
+              <a:buFont typeface="Wingdings" panose="05000000000000000000" pitchFamily="2" charset="2"/>
+              <a:buChar char="§"/>
+              <a:defRPr sz="1800" kern="1200">
+                <a:solidFill>
+                  <a:schemeClr val="tx1"/>
+                </a:solidFill>
+                <a:effectLst/>
+                <a:latin typeface="+mn-lt"/>
+                <a:ea typeface="+mn-ea"/>
+                <a:cs typeface="+mn-cs"/>
+              </a:defRPr>
+            </a:lvl1pPr>
+            <a:lvl2pPr marL="685800" indent="-228600" algn="l" defTabSz="914400" rtl="0" eaLnBrk="1" latinLnBrk="0" hangingPunct="1">
+              <a:lnSpc>
+                <a:spcPct val="120000"/>
+              </a:lnSpc>
+              <a:spcBef>
+                <a:spcPts val="500"/>
+              </a:spcBef>
+              <a:buClr>
+                <a:schemeClr val="accent1"/>
+              </a:buClr>
+              <a:buSzPct val="110000"/>
+              <a:buFont typeface="Wingdings" panose="05000000000000000000" pitchFamily="2" charset="2"/>
+              <a:buChar char="§"/>
+              <a:defRPr sz="1600" kern="1200">
+                <a:solidFill>
+                  <a:schemeClr val="tx1"/>
+                </a:solidFill>
+                <a:effectLst/>
+                <a:latin typeface="+mn-lt"/>
+                <a:ea typeface="+mn-ea"/>
+                <a:cs typeface="+mn-cs"/>
+              </a:defRPr>
+            </a:lvl2pPr>
+            <a:lvl3pPr marL="1143000" indent="-228600" algn="l" defTabSz="914400" rtl="0" eaLnBrk="1" latinLnBrk="0" hangingPunct="1">
+              <a:lnSpc>
+                <a:spcPct val="120000"/>
+              </a:lnSpc>
+              <a:spcBef>
+                <a:spcPts val="500"/>
+              </a:spcBef>
+              <a:buClr>
+                <a:schemeClr val="accent1"/>
+              </a:buClr>
+              <a:buSzPct val="110000"/>
+              <a:buFont typeface="Wingdings" panose="05000000000000000000" pitchFamily="2" charset="2"/>
+              <a:buChar char="§"/>
+              <a:defRPr sz="1400" kern="1200">
+                <a:solidFill>
+                  <a:schemeClr val="tx1"/>
+                </a:solidFill>
+                <a:effectLst/>
+                <a:latin typeface="+mn-lt"/>
+                <a:ea typeface="+mn-ea"/>
+                <a:cs typeface="+mn-cs"/>
+              </a:defRPr>
+            </a:lvl3pPr>
+            <a:lvl4pPr marL="1600200" indent="-228600" algn="l" defTabSz="914400" rtl="0" eaLnBrk="1" latinLnBrk="0" hangingPunct="1">
+              <a:lnSpc>
+                <a:spcPct val="120000"/>
+              </a:lnSpc>
+              <a:spcBef>
+                <a:spcPts val="500"/>
+              </a:spcBef>
+              <a:buClr>
+                <a:schemeClr val="accent1"/>
+              </a:buClr>
+              <a:buSzPct val="110000"/>
+              <a:buFont typeface="Wingdings" panose="05000000000000000000" pitchFamily="2" charset="2"/>
+              <a:buChar char="§"/>
+              <a:defRPr sz="1200" kern="1200">
+                <a:solidFill>
+                  <a:schemeClr val="tx1"/>
+                </a:solidFill>
+                <a:effectLst/>
+                <a:latin typeface="+mn-lt"/>
+                <a:ea typeface="+mn-ea"/>
+                <a:cs typeface="+mn-cs"/>
+              </a:defRPr>
+            </a:lvl4pPr>
+            <a:lvl5pPr marL="2057400" indent="-228600" algn="l" defTabSz="914400" rtl="0" eaLnBrk="1" latinLnBrk="0" hangingPunct="1">
+              <a:lnSpc>
+                <a:spcPct val="120000"/>
+              </a:lnSpc>
+              <a:spcBef>
+                <a:spcPts val="500"/>
+              </a:spcBef>
+              <a:buClr>
+                <a:schemeClr val="accent1"/>
+              </a:buClr>
+              <a:buSzPct val="110000"/>
+              <a:buFont typeface="Wingdings" panose="05000000000000000000" pitchFamily="2" charset="2"/>
+              <a:buChar char="§"/>
+              <a:defRPr sz="1200" kern="1200">
+                <a:solidFill>
+                  <a:schemeClr val="tx1"/>
+                </a:solidFill>
+                <a:effectLst/>
+                <a:latin typeface="+mn-lt"/>
+                <a:ea typeface="+mn-ea"/>
+                <a:cs typeface="+mn-cs"/>
+              </a:defRPr>
+            </a:lvl5pPr>
+            <a:lvl6pPr marL="2514600" indent="-228600" algn="l" defTabSz="914400" rtl="0" eaLnBrk="1" latinLnBrk="0" hangingPunct="1">
+              <a:lnSpc>
+                <a:spcPct val="120000"/>
+              </a:lnSpc>
+              <a:spcBef>
+                <a:spcPts val="500"/>
+              </a:spcBef>
+              <a:buClr>
+                <a:schemeClr val="accent1"/>
+              </a:buClr>
+              <a:buSzPct val="110000"/>
+              <a:buFont typeface="Wingdings" panose="05000000000000000000" pitchFamily="2" charset="2"/>
+              <a:buChar char="§"/>
+              <a:defRPr sz="1200" kern="1200">
+                <a:solidFill>
+                  <a:schemeClr val="tx1"/>
+                </a:solidFill>
+                <a:effectLst/>
+                <a:latin typeface="+mn-lt"/>
+                <a:ea typeface="+mn-ea"/>
+                <a:cs typeface="+mn-cs"/>
+              </a:defRPr>
+            </a:lvl6pPr>
+            <a:lvl7pPr marL="2971800" indent="-228600" algn="l" defTabSz="914400" rtl="0" eaLnBrk="1" latinLnBrk="0" hangingPunct="1">
+              <a:lnSpc>
+                <a:spcPct val="120000"/>
+              </a:lnSpc>
+              <a:spcBef>
+                <a:spcPts val="500"/>
+              </a:spcBef>
+              <a:buClr>
+                <a:schemeClr val="accent1"/>
+              </a:buClr>
+              <a:buSzPct val="110000"/>
+              <a:buFont typeface="Wingdings" panose="05000000000000000000" pitchFamily="2" charset="2"/>
+              <a:buChar char="§"/>
+              <a:defRPr sz="1200" kern="1200">
+                <a:solidFill>
+                  <a:schemeClr val="tx1"/>
+                </a:solidFill>
+                <a:effectLst/>
+                <a:latin typeface="+mn-lt"/>
+                <a:ea typeface="+mn-ea"/>
+                <a:cs typeface="+mn-cs"/>
+              </a:defRPr>
+            </a:lvl7pPr>
+            <a:lvl8pPr marL="3429000" indent="-228600" algn="l" defTabSz="914400" rtl="0" eaLnBrk="1" latinLnBrk="0" hangingPunct="1">
+              <a:lnSpc>
+                <a:spcPct val="120000"/>
+              </a:lnSpc>
+              <a:spcBef>
+                <a:spcPts val="500"/>
+              </a:spcBef>
+              <a:buClr>
+                <a:schemeClr val="accent1"/>
+              </a:buClr>
+              <a:buSzPct val="110000"/>
+              <a:buFont typeface="Wingdings" panose="05000000000000000000" pitchFamily="2" charset="2"/>
+              <a:buChar char="§"/>
+              <a:defRPr sz="1200" kern="1200">
+                <a:solidFill>
+                  <a:schemeClr val="tx1"/>
+                </a:solidFill>
+                <a:effectLst/>
+                <a:latin typeface="+mn-lt"/>
+                <a:ea typeface="+mn-ea"/>
+                <a:cs typeface="+mn-cs"/>
+              </a:defRPr>
+            </a:lvl8pPr>
+            <a:lvl9pPr marL="3886200" indent="-228600" algn="l" defTabSz="914400" rtl="0" eaLnBrk="1" latinLnBrk="0" hangingPunct="1">
+              <a:lnSpc>
+                <a:spcPct val="120000"/>
+              </a:lnSpc>
+              <a:spcBef>
+                <a:spcPts val="500"/>
+              </a:spcBef>
+              <a:buClr>
+                <a:schemeClr val="accent1"/>
+              </a:buClr>
+              <a:buSzPct val="110000"/>
+              <a:buFont typeface="Wingdings" panose="05000000000000000000" pitchFamily="2" charset="2"/>
+              <a:buChar char="§"/>
+              <a:defRPr sz="1200" kern="1200">
+                <a:solidFill>
+                  <a:schemeClr val="tx1"/>
+                </a:solidFill>
+                <a:effectLst/>
+                <a:latin typeface="+mn-lt"/>
+                <a:ea typeface="+mn-ea"/>
+                <a:cs typeface="+mn-cs"/>
+              </a:defRPr>
+            </a:lvl9pPr>
+          </a:lstStyle>
+          <a:p>
+            <a:pPr marL="0" indent="0" algn="ctr">
+              <a:buFont typeface="Wingdings" panose="05000000000000000000" pitchFamily="2" charset="2"/>
+              <a:buNone/>
+            </a:pPr>
+            <a:r>
+              <a:rPr lang="en-GB" dirty="0"/>
+              <a:t>Conclusion</a:t>
+            </a:r>
+          </a:p>
+        </p:txBody>
+      </p:sp>
+      <p:sp>
+        <p:nvSpPr>
+          <p:cNvPr id="3" name="TextBox 2">
+            <a:extLst>
+              <a:ext uri="{FF2B5EF4-FFF2-40B4-BE49-F238E27FC236}">
+                <a16:creationId xmlns:a16="http://schemas.microsoft.com/office/drawing/2014/main" id="{DB79A4D7-0C80-4DBB-A767-97C6A8062E2D}"/>
+              </a:ext>
+            </a:extLst>
+          </p:cNvPr>
+          <p:cNvSpPr txBox="1"/>
+          <p:nvPr/>
+        </p:nvSpPr>
+        <p:spPr>
+          <a:xfrm>
+            <a:off x="5318144" y="2498043"/>
+            <a:ext cx="6281873" cy="2031325"/>
+          </a:xfrm>
+          <a:prstGeom prst="rect">
+            <a:avLst/>
+          </a:prstGeom>
+          <a:noFill/>
+        </p:spPr>
+        <p:txBody>
+          <a:bodyPr wrap="square" rtlCol="0">
+            <a:spAutoFit/>
+          </a:bodyPr>
+          <a:lstStyle/>
+          <a:p>
+            <a:r>
+              <a:rPr lang="en-GB" dirty="0"/>
+              <a:t>Simple concepts aren’t always simple to achieve</a:t>
+            </a:r>
+          </a:p>
+          <a:p>
+            <a:endParaRPr lang="en-GB" dirty="0"/>
+          </a:p>
+          <a:p>
+            <a:r>
+              <a:rPr lang="en-GB" dirty="0"/>
+              <a:t>Coding tends to be 1 step forward 2 step backwards</a:t>
+            </a:r>
+          </a:p>
+          <a:p>
+            <a:endParaRPr lang="en-GB" dirty="0"/>
+          </a:p>
+          <a:p>
+            <a:r>
+              <a:rPr lang="en-GB" dirty="0"/>
+              <a:t>Polishing and more implementation required.</a:t>
+            </a:r>
+          </a:p>
+          <a:p>
+            <a:endParaRPr lang="en-GB" dirty="0"/>
+          </a:p>
+          <a:p>
+            <a:endParaRPr lang="en-GB" dirty="0"/>
+          </a:p>
+        </p:txBody>
+      </p:sp>
+    </p:spTree>
+    <p:extLst>
+      <p:ext uri="{BB962C8B-B14F-4D97-AF65-F5344CB8AC3E}">
+        <p14:creationId xmlns:p14="http://schemas.microsoft.com/office/powerpoint/2010/main" val="1761900177"/>
       </p:ext>
     </p:extLst>
   </p:cSld>
@@ -17537,10 +18217,362 @@
           <a:lstStyle/>
           <a:p>
             <a:r>
-              <a:rPr lang="en-GB" dirty="0" smtClean="0"/>
+              <a:rPr lang="en-GB" dirty="0"/>
+              <a:t>Concept</a:t>
+            </a:r>
+          </a:p>
+        </p:txBody>
+      </p:sp>
+      <p:sp>
+        <p:nvSpPr>
+          <p:cNvPr id="5" name="Content Placeholder 2"/>
+          <p:cNvSpPr txBox="1">
+            <a:spLocks/>
+          </p:cNvSpPr>
+          <p:nvPr/>
+        </p:nvSpPr>
+        <p:spPr>
+          <a:xfrm>
+            <a:off x="5318144" y="746234"/>
+            <a:ext cx="6281873" cy="512856"/>
+          </a:xfrm>
+          <a:prstGeom prst="rect">
+            <a:avLst/>
+          </a:prstGeom>
+        </p:spPr>
+        <p:txBody>
+          <a:bodyPr vert="horz" lIns="91440" tIns="45720" rIns="91440" bIns="45720" rtlCol="0" anchor="ctr">
+            <a:normAutofit/>
+          </a:bodyPr>
+          <a:lstStyle>
+            <a:lvl1pPr marL="228600" indent="-228600" algn="l" defTabSz="914400" rtl="0" eaLnBrk="1" latinLnBrk="0" hangingPunct="1">
+              <a:lnSpc>
+                <a:spcPct val="120000"/>
+              </a:lnSpc>
+              <a:spcBef>
+                <a:spcPts val="1000"/>
+              </a:spcBef>
+              <a:buClr>
+                <a:schemeClr val="accent1"/>
+              </a:buClr>
+              <a:buSzPct val="110000"/>
+              <a:buFont typeface="Wingdings" panose="05000000000000000000" pitchFamily="2" charset="2"/>
+              <a:buChar char="§"/>
+              <a:defRPr sz="1800" kern="1200">
+                <a:solidFill>
+                  <a:schemeClr val="tx1"/>
+                </a:solidFill>
+                <a:effectLst/>
+                <a:latin typeface="+mn-lt"/>
+                <a:ea typeface="+mn-ea"/>
+                <a:cs typeface="+mn-cs"/>
+              </a:defRPr>
+            </a:lvl1pPr>
+            <a:lvl2pPr marL="685800" indent="-228600" algn="l" defTabSz="914400" rtl="0" eaLnBrk="1" latinLnBrk="0" hangingPunct="1">
+              <a:lnSpc>
+                <a:spcPct val="120000"/>
+              </a:lnSpc>
+              <a:spcBef>
+                <a:spcPts val="500"/>
+              </a:spcBef>
+              <a:buClr>
+                <a:schemeClr val="accent1"/>
+              </a:buClr>
+              <a:buSzPct val="110000"/>
+              <a:buFont typeface="Wingdings" panose="05000000000000000000" pitchFamily="2" charset="2"/>
+              <a:buChar char="§"/>
+              <a:defRPr sz="1600" kern="1200">
+                <a:solidFill>
+                  <a:schemeClr val="tx1"/>
+                </a:solidFill>
+                <a:effectLst/>
+                <a:latin typeface="+mn-lt"/>
+                <a:ea typeface="+mn-ea"/>
+                <a:cs typeface="+mn-cs"/>
+              </a:defRPr>
+            </a:lvl2pPr>
+            <a:lvl3pPr marL="1143000" indent="-228600" algn="l" defTabSz="914400" rtl="0" eaLnBrk="1" latinLnBrk="0" hangingPunct="1">
+              <a:lnSpc>
+                <a:spcPct val="120000"/>
+              </a:lnSpc>
+              <a:spcBef>
+                <a:spcPts val="500"/>
+              </a:spcBef>
+              <a:buClr>
+                <a:schemeClr val="accent1"/>
+              </a:buClr>
+              <a:buSzPct val="110000"/>
+              <a:buFont typeface="Wingdings" panose="05000000000000000000" pitchFamily="2" charset="2"/>
+              <a:buChar char="§"/>
+              <a:defRPr sz="1400" kern="1200">
+                <a:solidFill>
+                  <a:schemeClr val="tx1"/>
+                </a:solidFill>
+                <a:effectLst/>
+                <a:latin typeface="+mn-lt"/>
+                <a:ea typeface="+mn-ea"/>
+                <a:cs typeface="+mn-cs"/>
+              </a:defRPr>
+            </a:lvl3pPr>
+            <a:lvl4pPr marL="1600200" indent="-228600" algn="l" defTabSz="914400" rtl="0" eaLnBrk="1" latinLnBrk="0" hangingPunct="1">
+              <a:lnSpc>
+                <a:spcPct val="120000"/>
+              </a:lnSpc>
+              <a:spcBef>
+                <a:spcPts val="500"/>
+              </a:spcBef>
+              <a:buClr>
+                <a:schemeClr val="accent1"/>
+              </a:buClr>
+              <a:buSzPct val="110000"/>
+              <a:buFont typeface="Wingdings" panose="05000000000000000000" pitchFamily="2" charset="2"/>
+              <a:buChar char="§"/>
+              <a:defRPr sz="1200" kern="1200">
+                <a:solidFill>
+                  <a:schemeClr val="tx1"/>
+                </a:solidFill>
+                <a:effectLst/>
+                <a:latin typeface="+mn-lt"/>
+                <a:ea typeface="+mn-ea"/>
+                <a:cs typeface="+mn-cs"/>
+              </a:defRPr>
+            </a:lvl4pPr>
+            <a:lvl5pPr marL="2057400" indent="-228600" algn="l" defTabSz="914400" rtl="0" eaLnBrk="1" latinLnBrk="0" hangingPunct="1">
+              <a:lnSpc>
+                <a:spcPct val="120000"/>
+              </a:lnSpc>
+              <a:spcBef>
+                <a:spcPts val="500"/>
+              </a:spcBef>
+              <a:buClr>
+                <a:schemeClr val="accent1"/>
+              </a:buClr>
+              <a:buSzPct val="110000"/>
+              <a:buFont typeface="Wingdings" panose="05000000000000000000" pitchFamily="2" charset="2"/>
+              <a:buChar char="§"/>
+              <a:defRPr sz="1200" kern="1200">
+                <a:solidFill>
+                  <a:schemeClr val="tx1"/>
+                </a:solidFill>
+                <a:effectLst/>
+                <a:latin typeface="+mn-lt"/>
+                <a:ea typeface="+mn-ea"/>
+                <a:cs typeface="+mn-cs"/>
+              </a:defRPr>
+            </a:lvl5pPr>
+            <a:lvl6pPr marL="2514600" indent="-228600" algn="l" defTabSz="914400" rtl="0" eaLnBrk="1" latinLnBrk="0" hangingPunct="1">
+              <a:lnSpc>
+                <a:spcPct val="120000"/>
+              </a:lnSpc>
+              <a:spcBef>
+                <a:spcPts val="500"/>
+              </a:spcBef>
+              <a:buClr>
+                <a:schemeClr val="accent1"/>
+              </a:buClr>
+              <a:buSzPct val="110000"/>
+              <a:buFont typeface="Wingdings" panose="05000000000000000000" pitchFamily="2" charset="2"/>
+              <a:buChar char="§"/>
+              <a:defRPr sz="1200" kern="1200">
+                <a:solidFill>
+                  <a:schemeClr val="tx1"/>
+                </a:solidFill>
+                <a:effectLst/>
+                <a:latin typeface="+mn-lt"/>
+                <a:ea typeface="+mn-ea"/>
+                <a:cs typeface="+mn-cs"/>
+              </a:defRPr>
+            </a:lvl6pPr>
+            <a:lvl7pPr marL="2971800" indent="-228600" algn="l" defTabSz="914400" rtl="0" eaLnBrk="1" latinLnBrk="0" hangingPunct="1">
+              <a:lnSpc>
+                <a:spcPct val="120000"/>
+              </a:lnSpc>
+              <a:spcBef>
+                <a:spcPts val="500"/>
+              </a:spcBef>
+              <a:buClr>
+                <a:schemeClr val="accent1"/>
+              </a:buClr>
+              <a:buSzPct val="110000"/>
+              <a:buFont typeface="Wingdings" panose="05000000000000000000" pitchFamily="2" charset="2"/>
+              <a:buChar char="§"/>
+              <a:defRPr sz="1200" kern="1200">
+                <a:solidFill>
+                  <a:schemeClr val="tx1"/>
+                </a:solidFill>
+                <a:effectLst/>
+                <a:latin typeface="+mn-lt"/>
+                <a:ea typeface="+mn-ea"/>
+                <a:cs typeface="+mn-cs"/>
+              </a:defRPr>
+            </a:lvl7pPr>
+            <a:lvl8pPr marL="3429000" indent="-228600" algn="l" defTabSz="914400" rtl="0" eaLnBrk="1" latinLnBrk="0" hangingPunct="1">
+              <a:lnSpc>
+                <a:spcPct val="120000"/>
+              </a:lnSpc>
+              <a:spcBef>
+                <a:spcPts val="500"/>
+              </a:spcBef>
+              <a:buClr>
+                <a:schemeClr val="accent1"/>
+              </a:buClr>
+              <a:buSzPct val="110000"/>
+              <a:buFont typeface="Wingdings" panose="05000000000000000000" pitchFamily="2" charset="2"/>
+              <a:buChar char="§"/>
+              <a:defRPr sz="1200" kern="1200">
+                <a:solidFill>
+                  <a:schemeClr val="tx1"/>
+                </a:solidFill>
+                <a:effectLst/>
+                <a:latin typeface="+mn-lt"/>
+                <a:ea typeface="+mn-ea"/>
+                <a:cs typeface="+mn-cs"/>
+              </a:defRPr>
+            </a:lvl8pPr>
+            <a:lvl9pPr marL="3886200" indent="-228600" algn="l" defTabSz="914400" rtl="0" eaLnBrk="1" latinLnBrk="0" hangingPunct="1">
+              <a:lnSpc>
+                <a:spcPct val="120000"/>
+              </a:lnSpc>
+              <a:spcBef>
+                <a:spcPts val="500"/>
+              </a:spcBef>
+              <a:buClr>
+                <a:schemeClr val="accent1"/>
+              </a:buClr>
+              <a:buSzPct val="110000"/>
+              <a:buFont typeface="Wingdings" panose="05000000000000000000" pitchFamily="2" charset="2"/>
+              <a:buChar char="§"/>
+              <a:defRPr sz="1200" kern="1200">
+                <a:solidFill>
+                  <a:schemeClr val="tx1"/>
+                </a:solidFill>
+                <a:effectLst/>
+                <a:latin typeface="+mn-lt"/>
+                <a:ea typeface="+mn-ea"/>
+                <a:cs typeface="+mn-cs"/>
+              </a:defRPr>
+            </a:lvl9pPr>
+          </a:lstStyle>
+          <a:p>
+            <a:pPr marL="0" indent="0" algn="ctr">
+              <a:buFont typeface="Wingdings" panose="05000000000000000000" pitchFamily="2" charset="2"/>
+              <a:buNone/>
+            </a:pPr>
+            <a:r>
+              <a:rPr lang="en-GB" dirty="0"/>
+              <a:t>Application concept / Objective </a:t>
+            </a:r>
+          </a:p>
+        </p:txBody>
+      </p:sp>
+      <p:sp>
+        <p:nvSpPr>
+          <p:cNvPr id="3" name="TextBox 2">
+            <a:extLst>
+              <a:ext uri="{FF2B5EF4-FFF2-40B4-BE49-F238E27FC236}">
+                <a16:creationId xmlns:a16="http://schemas.microsoft.com/office/drawing/2014/main" id="{DB79A4D7-0C80-4DBB-A767-97C6A8062E2D}"/>
+              </a:ext>
+            </a:extLst>
+          </p:cNvPr>
+          <p:cNvSpPr txBox="1"/>
+          <p:nvPr/>
+        </p:nvSpPr>
+        <p:spPr>
+          <a:xfrm>
+            <a:off x="5318144" y="2498043"/>
+            <a:ext cx="6281873" cy="2862322"/>
+          </a:xfrm>
+          <a:prstGeom prst="rect">
+            <a:avLst/>
+          </a:prstGeom>
+          <a:noFill/>
+        </p:spPr>
+        <p:txBody>
+          <a:bodyPr wrap="square" rtlCol="0">
+            <a:spAutoFit/>
+          </a:bodyPr>
+          <a:lstStyle/>
+          <a:p>
+            <a:r>
+              <a:rPr lang="en-GB" dirty="0"/>
+              <a:t>Geolocating app that sends notifications to user once he enters areas defined as good / bad / dangerous. </a:t>
+            </a:r>
+          </a:p>
+          <a:p>
+            <a:endParaRPr lang="en-GB" dirty="0"/>
+          </a:p>
+          <a:p>
+            <a:r>
+              <a:rPr lang="en-GB" dirty="0"/>
+              <a:t>User based – Users should be able to create new areas and review previously created ones.</a:t>
+            </a:r>
+          </a:p>
+          <a:p>
+            <a:endParaRPr lang="en-GB" dirty="0"/>
+          </a:p>
+          <a:p>
+            <a:endParaRPr lang="en-GB" dirty="0"/>
+          </a:p>
+          <a:p>
+            <a:endParaRPr lang="en-GB" dirty="0"/>
+          </a:p>
+          <a:p>
+            <a:endParaRPr lang="en-GB" dirty="0"/>
+          </a:p>
+          <a:p>
+            <a:endParaRPr lang="en-GB" dirty="0"/>
+          </a:p>
+        </p:txBody>
+      </p:sp>
+    </p:spTree>
+    <p:extLst>
+      <p:ext uri="{BB962C8B-B14F-4D97-AF65-F5344CB8AC3E}">
+        <p14:creationId xmlns:p14="http://schemas.microsoft.com/office/powerpoint/2010/main" val="2323772150"/>
+      </p:ext>
+    </p:extLst>
+  </p:cSld>
+  <p:clrMapOvr>
+    <a:masterClrMapping/>
+  </p:clrMapOvr>
+</p:sld>
+</file>
+
+<file path=ppt/slides/slide3.xml><?xml version="1.0" encoding="utf-8"?>
+<p:sld xmlns:a="http://schemas.openxmlformats.org/drawingml/2006/main" xmlns:r="http://schemas.openxmlformats.org/officeDocument/2006/relationships" xmlns:p="http://schemas.openxmlformats.org/presentationml/2006/main">
+  <p:cSld>
+    <p:spTree>
+      <p:nvGrpSpPr>
+        <p:cNvPr id="1" name=""/>
+        <p:cNvGrpSpPr/>
+        <p:nvPr/>
+      </p:nvGrpSpPr>
+      <p:grpSpPr>
+        <a:xfrm>
+          <a:off x="0" y="0"/>
+          <a:ext cx="0" cy="0"/>
+          <a:chOff x="0" y="0"/>
+          <a:chExt cx="0" cy="0"/>
+        </a:xfrm>
+      </p:grpSpPr>
+      <p:sp>
+        <p:nvSpPr>
+          <p:cNvPr id="2" name="Title 1"/>
+          <p:cNvSpPr>
+            <a:spLocks noGrp="1"/>
+          </p:cNvSpPr>
+          <p:nvPr>
+            <p:ph type="title"/>
+          </p:nvPr>
+        </p:nvSpPr>
+        <p:spPr/>
+        <p:txBody>
+          <a:bodyPr/>
+          <a:lstStyle/>
+          <a:p>
+            <a:r>
+              <a:rPr lang="en-GB" dirty="0"/>
               <a:t>Map</a:t>
             </a:r>
-            <a:endParaRPr lang="en-GB" dirty="0"/>
           </a:p>
         </p:txBody>
       </p:sp>
@@ -17566,8 +18598,8 @@
         </p:blipFill>
         <p:spPr>
           <a:xfrm>
-            <a:off x="5318144" y="1259090"/>
-            <a:ext cx="6637342" cy="3274810"/>
+            <a:off x="4917987" y="1771945"/>
+            <a:ext cx="6814741" cy="3362337"/>
           </a:xfrm>
           <a:prstGeom prst="rect">
             <a:avLst/>
@@ -17810,10 +18842,9 @@
               <a:buNone/>
             </a:pPr>
             <a:r>
-              <a:rPr lang="en-GB" dirty="0" smtClean="0"/>
+              <a:rPr lang="en-GB" dirty="0"/>
               <a:t>Map </a:t>
             </a:r>
-            <a:endParaRPr lang="en-GB" dirty="0" smtClean="0"/>
           </a:p>
         </p:txBody>
       </p:sp>
@@ -17830,7 +18861,7 @@
 </p:sld>
 </file>
 
-<file path=ppt/slides/slide3.xml><?xml version="1.0" encoding="utf-8"?>
+<file path=ppt/slides/slide4.xml><?xml version="1.0" encoding="utf-8"?>
 <p:sld xmlns:a="http://schemas.openxmlformats.org/drawingml/2006/main" xmlns:r="http://schemas.openxmlformats.org/officeDocument/2006/relationships" xmlns:p="http://schemas.openxmlformats.org/presentationml/2006/main">
   <p:cSld>
     <p:spTree>
@@ -17863,10 +18894,9 @@
           <a:lstStyle/>
           <a:p>
             <a:r>
-              <a:rPr lang="en-GB" dirty="0" smtClean="0"/>
+              <a:rPr lang="en-GB" dirty="0"/>
               <a:t>Map</a:t>
             </a:r>
-            <a:endParaRPr lang="en-GB" dirty="0"/>
           </a:p>
         </p:txBody>
       </p:sp>
@@ -18106,10 +19136,9 @@
               <a:buNone/>
             </a:pPr>
             <a:r>
-              <a:rPr lang="en-GB" dirty="0" smtClean="0"/>
+              <a:rPr lang="en-GB" dirty="0"/>
               <a:t>Map code</a:t>
             </a:r>
-            <a:endParaRPr lang="en-GB" dirty="0" smtClean="0"/>
           </a:p>
         </p:txBody>
       </p:sp>
@@ -18135,7 +19164,7 @@
         </p:blipFill>
         <p:spPr>
           <a:xfrm>
-            <a:off x="5318144" y="1259090"/>
+            <a:off x="5176788" y="1562397"/>
             <a:ext cx="6423229" cy="3627235"/>
           </a:xfrm>
           <a:prstGeom prst="rect">
@@ -18143,6 +19172,57 @@
           </a:prstGeom>
         </p:spPr>
       </p:pic>
+      <p:sp>
+        <p:nvSpPr>
+          <p:cNvPr id="3" name="TextBox 2">
+            <a:extLst>
+              <a:ext uri="{FF2B5EF4-FFF2-40B4-BE49-F238E27FC236}">
+                <a16:creationId xmlns:a16="http://schemas.microsoft.com/office/drawing/2014/main" id="{BFF5EE22-CB7D-40C3-8574-05EA2AD57564}"/>
+              </a:ext>
+            </a:extLst>
+          </p:cNvPr>
+          <p:cNvSpPr txBox="1"/>
+          <p:nvPr/>
+        </p:nvSpPr>
+        <p:spPr>
+          <a:xfrm>
+            <a:off x="4387609" y="5572897"/>
+            <a:ext cx="5979709" cy="369332"/>
+          </a:xfrm>
+          <a:prstGeom prst="rect">
+            <a:avLst/>
+          </a:prstGeom>
+          <a:noFill/>
+        </p:spPr>
+        <p:txBody>
+          <a:bodyPr wrap="square" rtlCol="0">
+            <a:spAutoFit/>
+          </a:bodyPr>
+          <a:lstStyle/>
+          <a:p>
+            <a:r>
+              <a:rPr lang="en-GB" dirty="0"/>
+              <a:t>Google API, Firebase, </a:t>
+            </a:r>
+            <a:r>
+              <a:rPr lang="en-GB" dirty="0" err="1"/>
+              <a:t>PubNub</a:t>
+            </a:r>
+            <a:r>
+              <a:rPr lang="en-GB" dirty="0"/>
+              <a:t>,  </a:t>
+            </a:r>
+            <a:r>
+              <a:rPr lang="en-GB" dirty="0" err="1"/>
+              <a:t>Raycasting</a:t>
+            </a:r>
+            <a:r>
+              <a:rPr lang="en-GB" dirty="0"/>
+              <a:t>/Geofence</a:t>
+            </a:r>
+          </a:p>
+        </p:txBody>
+      </p:sp>
     </p:spTree>
     <p:extLst>
       <p:ext uri="{BB962C8B-B14F-4D97-AF65-F5344CB8AC3E}">
@@ -18156,7 +19236,7 @@
 </p:sld>
 </file>
 
-<file path=ppt/slides/slide4.xml><?xml version="1.0" encoding="utf-8"?>
+<file path=ppt/slides/slide5.xml><?xml version="1.0" encoding="utf-8"?>
 <p:sld xmlns:a="http://schemas.openxmlformats.org/drawingml/2006/main" xmlns:r="http://schemas.openxmlformats.org/officeDocument/2006/relationships" xmlns:p="http://schemas.openxmlformats.org/presentationml/2006/main">
   <p:cSld>
     <p:spTree>
@@ -18189,10 +19269,9 @@
           <a:lstStyle/>
           <a:p>
             <a:r>
-              <a:rPr lang="en-GB" dirty="0" smtClean="0"/>
+              <a:rPr lang="en-GB" dirty="0"/>
               <a:t>Map</a:t>
             </a:r>
-            <a:endParaRPr lang="en-GB" dirty="0"/>
           </a:p>
         </p:txBody>
       </p:sp>
@@ -18432,16 +19511,8 @@
               <a:buNone/>
             </a:pPr>
             <a:r>
-              <a:rPr lang="en-GB" dirty="0" smtClean="0"/>
-              <a:t>Map</a:t>
-            </a:r>
-            <a:r>
-              <a:rPr lang="en-GB" dirty="0" smtClean="0"/>
-              <a:t> </a:t>
-            </a:r>
-            <a:r>
-              <a:rPr lang="en-GB" dirty="0" smtClean="0"/>
-              <a:t>code</a:t>
+              <a:rPr lang="en-GB" dirty="0"/>
+              <a:t>Map code</a:t>
             </a:r>
           </a:p>
         </p:txBody>
@@ -18468,7 +19539,7 @@
         </p:blipFill>
         <p:spPr>
           <a:xfrm>
-            <a:off x="5318144" y="1259090"/>
+            <a:off x="5192886" y="1571487"/>
             <a:ext cx="6407131" cy="3618145"/>
           </a:xfrm>
           <a:prstGeom prst="rect">
@@ -18476,154 +19547,45 @@
           </a:prstGeom>
         </p:spPr>
       </p:pic>
+      <p:sp>
+        <p:nvSpPr>
+          <p:cNvPr id="6" name="TextBox 5">
+            <a:extLst>
+              <a:ext uri="{FF2B5EF4-FFF2-40B4-BE49-F238E27FC236}">
+                <a16:creationId xmlns:a16="http://schemas.microsoft.com/office/drawing/2014/main" id="{7E14D7E4-A48B-42CD-967C-584D4CA44304}"/>
+              </a:ext>
+            </a:extLst>
+          </p:cNvPr>
+          <p:cNvSpPr txBox="1"/>
+          <p:nvPr/>
+        </p:nvSpPr>
+        <p:spPr>
+          <a:xfrm>
+            <a:off x="4387610" y="5572897"/>
+            <a:ext cx="5782001" cy="369332"/>
+          </a:xfrm>
+          <a:prstGeom prst="rect">
+            <a:avLst/>
+          </a:prstGeom>
+          <a:noFill/>
+        </p:spPr>
+        <p:txBody>
+          <a:bodyPr wrap="square" rtlCol="0">
+            <a:spAutoFit/>
+          </a:bodyPr>
+          <a:lstStyle/>
+          <a:p>
+            <a:r>
+              <a:rPr lang="en-GB" dirty="0"/>
+              <a:t>Polygons(KML),  Geolocation,  Updating location</a:t>
+            </a:r>
+          </a:p>
+        </p:txBody>
+      </p:sp>
     </p:spTree>
     <p:extLst>
       <p:ext uri="{BB962C8B-B14F-4D97-AF65-F5344CB8AC3E}">
         <p14:creationId xmlns:p14="http://schemas.microsoft.com/office/powerpoint/2010/main" val="4159396721"/>
-      </p:ext>
-    </p:extLst>
-  </p:cSld>
-  <p:clrMapOvr>
-    <a:masterClrMapping/>
-  </p:clrMapOvr>
-</p:sld>
-</file>
-
-<file path=ppt/slides/slide5.xml><?xml version="1.0" encoding="utf-8"?>
-<p:sld xmlns:a="http://schemas.openxmlformats.org/drawingml/2006/main" xmlns:r="http://schemas.openxmlformats.org/officeDocument/2006/relationships" xmlns:p="http://schemas.openxmlformats.org/presentationml/2006/main">
-  <p:cSld>
-    <p:spTree>
-      <p:nvGrpSpPr>
-        <p:cNvPr id="1" name=""/>
-        <p:cNvGrpSpPr/>
-        <p:nvPr/>
-      </p:nvGrpSpPr>
-      <p:grpSpPr>
-        <a:xfrm>
-          <a:off x="0" y="0"/>
-          <a:ext cx="0" cy="0"/>
-          <a:chOff x="0" y="0"/>
-          <a:chExt cx="0" cy="0"/>
-        </a:xfrm>
-      </p:grpSpPr>
-      <p:sp>
-        <p:nvSpPr>
-          <p:cNvPr id="2" name="Title 1"/>
-          <p:cNvSpPr>
-            <a:spLocks noGrp="1"/>
-          </p:cNvSpPr>
-          <p:nvPr>
-            <p:ph type="title"/>
-          </p:nvPr>
-        </p:nvSpPr>
-        <p:spPr/>
-        <p:txBody>
-          <a:bodyPr/>
-          <a:lstStyle/>
-          <a:p>
-            <a:r>
-              <a:rPr lang="en-GB" dirty="0" smtClean="0"/>
-              <a:t>Buttons</a:t>
-            </a:r>
-            <a:endParaRPr lang="en-GB" dirty="0"/>
-          </a:p>
-        </p:txBody>
-      </p:sp>
-      <p:sp>
-        <p:nvSpPr>
-          <p:cNvPr id="3" name="Content Placeholder 2"/>
-          <p:cNvSpPr>
-            <a:spLocks noGrp="1"/>
-          </p:cNvSpPr>
-          <p:nvPr>
-            <p:ph idx="1"/>
-          </p:nvPr>
-        </p:nvSpPr>
-        <p:spPr>
-          <a:xfrm>
-            <a:off x="5318144" y="746234"/>
-            <a:ext cx="6281873" cy="512856"/>
-          </a:xfrm>
-        </p:spPr>
-        <p:txBody>
-          <a:bodyPr/>
-          <a:lstStyle/>
-          <a:p>
-            <a:pPr marL="0" indent="0">
-              <a:buNone/>
-            </a:pPr>
-            <a:r>
-              <a:rPr lang="en-GB" dirty="0" smtClean="0"/>
-              <a:t>Account button</a:t>
-            </a:r>
-            <a:endParaRPr lang="en-GB" dirty="0"/>
-          </a:p>
-        </p:txBody>
-      </p:sp>
-      <p:pic>
-        <p:nvPicPr>
-          <p:cNvPr id="4" name="Picture 3"/>
-          <p:cNvPicPr>
-            <a:picLocks noChangeAspect="1"/>
-          </p:cNvPicPr>
-          <p:nvPr/>
-        </p:nvPicPr>
-        <p:blipFill>
-          <a:blip r:embed="rId2">
-            <a:extLst>
-              <a:ext uri="{28A0092B-C50C-407E-A947-70E740481C1C}">
-                <a14:useLocalDpi xmlns:a14="http://schemas.microsoft.com/office/drawing/2010/main" val="0"/>
-              </a:ext>
-            </a:extLst>
-          </a:blip>
-          <a:stretch>
-            <a:fillRect/>
-          </a:stretch>
-        </p:blipFill>
-        <p:spPr>
-          <a:xfrm>
-            <a:off x="5661672" y="1259090"/>
-            <a:ext cx="4754079" cy="2463207"/>
-          </a:xfrm>
-          <a:prstGeom prst="rect">
-            <a:avLst/>
-          </a:prstGeom>
-        </p:spPr>
-      </p:pic>
-      <p:pic>
-        <p:nvPicPr>
-          <p:cNvPr id="5" name="Picture 4"/>
-          <p:cNvPicPr>
-            <a:picLocks noChangeAspect="1"/>
-          </p:cNvPicPr>
-          <p:nvPr/>
-        </p:nvPicPr>
-        <p:blipFill>
-          <a:blip r:embed="rId3">
-            <a:extLst>
-              <a:ext uri="{28A0092B-C50C-407E-A947-70E740481C1C}">
-                <a14:useLocalDpi xmlns:a14="http://schemas.microsoft.com/office/drawing/2010/main" val="0"/>
-              </a:ext>
-            </a:extLst>
-          </a:blip>
-          <a:stretch>
-            <a:fillRect/>
-          </a:stretch>
-        </p:blipFill>
-        <p:spPr>
-          <a:xfrm>
-            <a:off x="5661672" y="3813104"/>
-            <a:ext cx="4759820" cy="2463207"/>
-          </a:xfrm>
-          <a:prstGeom prst="rect">
-            <a:avLst/>
-          </a:prstGeom>
-        </p:spPr>
-      </p:pic>
-    </p:spTree>
-    <p:extLst>
-      <p:ext uri="{BB962C8B-B14F-4D97-AF65-F5344CB8AC3E}">
-        <p14:creationId xmlns:p14="http://schemas.microsoft.com/office/powerpoint/2010/main" val="2904175150"/>
       </p:ext>
     </p:extLst>
   </p:cSld>
@@ -18666,10 +19628,151 @@
           <a:lstStyle/>
           <a:p>
             <a:r>
-              <a:rPr lang="en-GB" dirty="0" smtClean="0"/>
+              <a:rPr lang="en-GB" dirty="0"/>
               <a:t>Buttons</a:t>
             </a:r>
-            <a:endParaRPr lang="en-GB" dirty="0"/>
+          </a:p>
+        </p:txBody>
+      </p:sp>
+      <p:sp>
+        <p:nvSpPr>
+          <p:cNvPr id="3" name="Content Placeholder 2"/>
+          <p:cNvSpPr>
+            <a:spLocks noGrp="1"/>
+          </p:cNvSpPr>
+          <p:nvPr>
+            <p:ph idx="1"/>
+          </p:nvPr>
+        </p:nvSpPr>
+        <p:spPr>
+          <a:xfrm>
+            <a:off x="5318144" y="746234"/>
+            <a:ext cx="6281873" cy="512856"/>
+          </a:xfrm>
+        </p:spPr>
+        <p:txBody>
+          <a:bodyPr/>
+          <a:lstStyle/>
+          <a:p>
+            <a:pPr marL="0" indent="0">
+              <a:buNone/>
+            </a:pPr>
+            <a:r>
+              <a:rPr lang="en-GB" dirty="0"/>
+              <a:t>Account button</a:t>
+            </a:r>
+          </a:p>
+        </p:txBody>
+      </p:sp>
+      <p:pic>
+        <p:nvPicPr>
+          <p:cNvPr id="4" name="Picture 3"/>
+          <p:cNvPicPr>
+            <a:picLocks noChangeAspect="1"/>
+          </p:cNvPicPr>
+          <p:nvPr/>
+        </p:nvPicPr>
+        <p:blipFill>
+          <a:blip r:embed="rId2">
+            <a:extLst>
+              <a:ext uri="{28A0092B-C50C-407E-A947-70E740481C1C}">
+                <a14:useLocalDpi xmlns:a14="http://schemas.microsoft.com/office/drawing/2010/main" val="0"/>
+              </a:ext>
+            </a:extLst>
+          </a:blip>
+          <a:stretch>
+            <a:fillRect/>
+          </a:stretch>
+        </p:blipFill>
+        <p:spPr>
+          <a:xfrm>
+            <a:off x="5661672" y="1259090"/>
+            <a:ext cx="4754079" cy="2463207"/>
+          </a:xfrm>
+          <a:prstGeom prst="rect">
+            <a:avLst/>
+          </a:prstGeom>
+        </p:spPr>
+      </p:pic>
+      <p:pic>
+        <p:nvPicPr>
+          <p:cNvPr id="5" name="Picture 4"/>
+          <p:cNvPicPr>
+            <a:picLocks noChangeAspect="1"/>
+          </p:cNvPicPr>
+          <p:nvPr/>
+        </p:nvPicPr>
+        <p:blipFill>
+          <a:blip r:embed="rId3">
+            <a:extLst>
+              <a:ext uri="{28A0092B-C50C-407E-A947-70E740481C1C}">
+                <a14:useLocalDpi xmlns:a14="http://schemas.microsoft.com/office/drawing/2010/main" val="0"/>
+              </a:ext>
+            </a:extLst>
+          </a:blip>
+          <a:stretch>
+            <a:fillRect/>
+          </a:stretch>
+        </p:blipFill>
+        <p:spPr>
+          <a:xfrm>
+            <a:off x="5661672" y="3813104"/>
+            <a:ext cx="4759820" cy="2463207"/>
+          </a:xfrm>
+          <a:prstGeom prst="rect">
+            <a:avLst/>
+          </a:prstGeom>
+        </p:spPr>
+      </p:pic>
+    </p:spTree>
+    <p:extLst>
+      <p:ext uri="{BB962C8B-B14F-4D97-AF65-F5344CB8AC3E}">
+        <p14:creationId xmlns:p14="http://schemas.microsoft.com/office/powerpoint/2010/main" val="2904175150"/>
+      </p:ext>
+    </p:extLst>
+  </p:cSld>
+  <p:clrMapOvr>
+    <a:masterClrMapping/>
+  </p:clrMapOvr>
+</p:sld>
+</file>
+
+<file path=ppt/slides/slide7.xml><?xml version="1.0" encoding="utf-8"?>
+<p:sld xmlns:a="http://schemas.openxmlformats.org/drawingml/2006/main" xmlns:r="http://schemas.openxmlformats.org/officeDocument/2006/relationships" xmlns:p="http://schemas.openxmlformats.org/presentationml/2006/main">
+  <p:cSld>
+    <p:spTree>
+      <p:nvGrpSpPr>
+        <p:cNvPr id="1" name=""/>
+        <p:cNvGrpSpPr/>
+        <p:nvPr/>
+      </p:nvGrpSpPr>
+      <p:grpSpPr>
+        <a:xfrm>
+          <a:off x="0" y="0"/>
+          <a:ext cx="0" cy="0"/>
+          <a:chOff x="0" y="0"/>
+          <a:chExt cx="0" cy="0"/>
+        </a:xfrm>
+      </p:grpSpPr>
+      <p:sp>
+        <p:nvSpPr>
+          <p:cNvPr id="2" name="Title 1"/>
+          <p:cNvSpPr>
+            <a:spLocks noGrp="1"/>
+          </p:cNvSpPr>
+          <p:nvPr>
+            <p:ph type="title"/>
+          </p:nvPr>
+        </p:nvSpPr>
+        <p:spPr/>
+        <p:txBody>
+          <a:bodyPr/>
+          <a:lstStyle/>
+          <a:p>
+            <a:r>
+              <a:rPr lang="en-GB" dirty="0"/>
+              <a:t>Buttons</a:t>
+            </a:r>
           </a:p>
         </p:txBody>
       </p:sp>
@@ -18909,10 +20012,9 @@
               <a:buNone/>
             </a:pPr>
             <a:r>
-              <a:rPr lang="en-GB" dirty="0" smtClean="0"/>
+              <a:rPr lang="en-GB" dirty="0"/>
               <a:t>Add Review button</a:t>
             </a:r>
-            <a:endParaRPr lang="en-GB" dirty="0"/>
           </a:p>
         </p:txBody>
       </p:sp>
@@ -18959,7 +20061,7 @@
 </p:sld>
 </file>
 
-<file path=ppt/slides/slide7.xml><?xml version="1.0" encoding="utf-8"?>
+<file path=ppt/slides/slide8.xml><?xml version="1.0" encoding="utf-8"?>
 <p:sld xmlns:a="http://schemas.openxmlformats.org/drawingml/2006/main" xmlns:r="http://schemas.openxmlformats.org/officeDocument/2006/relationships" xmlns:p="http://schemas.openxmlformats.org/presentationml/2006/main">
   <p:cSld>
     <p:spTree>
@@ -18992,10 +20094,9 @@
           <a:lstStyle/>
           <a:p>
             <a:r>
-              <a:rPr lang="en-GB" dirty="0" smtClean="0"/>
+              <a:rPr lang="en-GB" dirty="0"/>
               <a:t>Buttons</a:t>
             </a:r>
-            <a:endParaRPr lang="en-GB" dirty="0"/>
           </a:p>
         </p:txBody>
       </p:sp>
@@ -19235,10 +20336,9 @@
               <a:buNone/>
             </a:pPr>
             <a:r>
-              <a:rPr lang="en-GB" dirty="0" smtClean="0"/>
+              <a:rPr lang="en-GB" dirty="0"/>
               <a:t>Button code</a:t>
             </a:r>
-            <a:endParaRPr lang="en-GB" dirty="0"/>
           </a:p>
         </p:txBody>
       </p:sp>
@@ -19315,7 +20415,7 @@
 </p:sld>
 </file>
 
-<file path=ppt/slides/slide8.xml><?xml version="1.0" encoding="utf-8"?>
+<file path=ppt/slides/slide9.xml><?xml version="1.0" encoding="utf-8"?>
 <p:sld xmlns:a="http://schemas.openxmlformats.org/drawingml/2006/main" xmlns:r="http://schemas.openxmlformats.org/officeDocument/2006/relationships" xmlns:p="http://schemas.openxmlformats.org/presentationml/2006/main">
   <p:cSld>
     <p:spTree>
@@ -19348,10 +20448,9 @@
           <a:lstStyle/>
           <a:p>
             <a:r>
-              <a:rPr lang="en-GB" dirty="0" smtClean="0"/>
+              <a:rPr lang="en-GB" dirty="0"/>
               <a:t>Modals</a:t>
             </a:r>
-            <a:endParaRPr lang="en-GB" dirty="0"/>
           </a:p>
         </p:txBody>
       </p:sp>
@@ -19591,7 +20690,7 @@
               <a:buNone/>
             </a:pPr>
             <a:r>
-              <a:rPr lang="en-GB" dirty="0" smtClean="0"/>
+              <a:rPr lang="en-GB" dirty="0"/>
               <a:t>Modals CSS code</a:t>
             </a:r>
           </a:p>
@@ -19631,331 +20730,6 @@
     <p:extLst>
       <p:ext uri="{BB962C8B-B14F-4D97-AF65-F5344CB8AC3E}">
         <p14:creationId xmlns:p14="http://schemas.microsoft.com/office/powerpoint/2010/main" val="2828829501"/>
-      </p:ext>
-    </p:extLst>
-  </p:cSld>
-  <p:clrMapOvr>
-    <a:masterClrMapping/>
-  </p:clrMapOvr>
-</p:sld>
-</file>
-
-<file path=ppt/slides/slide9.xml><?xml version="1.0" encoding="utf-8"?>
-<p:sld xmlns:a="http://schemas.openxmlformats.org/drawingml/2006/main" xmlns:r="http://schemas.openxmlformats.org/officeDocument/2006/relationships" xmlns:p="http://schemas.openxmlformats.org/presentationml/2006/main">
-  <p:cSld>
-    <p:spTree>
-      <p:nvGrpSpPr>
-        <p:cNvPr id="1" name=""/>
-        <p:cNvGrpSpPr/>
-        <p:nvPr/>
-      </p:nvGrpSpPr>
-      <p:grpSpPr>
-        <a:xfrm>
-          <a:off x="0" y="0"/>
-          <a:ext cx="0" cy="0"/>
-          <a:chOff x="0" y="0"/>
-          <a:chExt cx="0" cy="0"/>
-        </a:xfrm>
-      </p:grpSpPr>
-      <p:sp>
-        <p:nvSpPr>
-          <p:cNvPr id="2" name="Title 1"/>
-          <p:cNvSpPr>
-            <a:spLocks noGrp="1"/>
-          </p:cNvSpPr>
-          <p:nvPr>
-            <p:ph type="title"/>
-          </p:nvPr>
-        </p:nvSpPr>
-        <p:spPr/>
-        <p:txBody>
-          <a:bodyPr/>
-          <a:lstStyle/>
-          <a:p>
-            <a:r>
-              <a:rPr lang="en-GB" dirty="0" smtClean="0"/>
-              <a:t>Modals</a:t>
-            </a:r>
-            <a:endParaRPr lang="en-GB" dirty="0"/>
-          </a:p>
-        </p:txBody>
-      </p:sp>
-      <p:sp>
-        <p:nvSpPr>
-          <p:cNvPr id="5" name="Content Placeholder 2"/>
-          <p:cNvSpPr txBox="1">
-            <a:spLocks/>
-          </p:cNvSpPr>
-          <p:nvPr/>
-        </p:nvSpPr>
-        <p:spPr>
-          <a:xfrm>
-            <a:off x="5318144" y="746234"/>
-            <a:ext cx="6281873" cy="512856"/>
-          </a:xfrm>
-          <a:prstGeom prst="rect">
-            <a:avLst/>
-          </a:prstGeom>
-        </p:spPr>
-        <p:txBody>
-          <a:bodyPr vert="horz" lIns="91440" tIns="45720" rIns="91440" bIns="45720" rtlCol="0" anchor="ctr">
-            <a:normAutofit/>
-          </a:bodyPr>
-          <a:lstStyle>
-            <a:lvl1pPr marL="228600" indent="-228600" algn="l" defTabSz="914400" rtl="0" eaLnBrk="1" latinLnBrk="0" hangingPunct="1">
-              <a:lnSpc>
-                <a:spcPct val="120000"/>
-              </a:lnSpc>
-              <a:spcBef>
-                <a:spcPts val="1000"/>
-              </a:spcBef>
-              <a:buClr>
-                <a:schemeClr val="accent1"/>
-              </a:buClr>
-              <a:buSzPct val="110000"/>
-              <a:buFont typeface="Wingdings" panose="05000000000000000000" pitchFamily="2" charset="2"/>
-              <a:buChar char="§"/>
-              <a:defRPr sz="1800" kern="1200">
-                <a:solidFill>
-                  <a:schemeClr val="tx1"/>
-                </a:solidFill>
-                <a:effectLst/>
-                <a:latin typeface="+mn-lt"/>
-                <a:ea typeface="+mn-ea"/>
-                <a:cs typeface="+mn-cs"/>
-              </a:defRPr>
-            </a:lvl1pPr>
-            <a:lvl2pPr marL="685800" indent="-228600" algn="l" defTabSz="914400" rtl="0" eaLnBrk="1" latinLnBrk="0" hangingPunct="1">
-              <a:lnSpc>
-                <a:spcPct val="120000"/>
-              </a:lnSpc>
-              <a:spcBef>
-                <a:spcPts val="500"/>
-              </a:spcBef>
-              <a:buClr>
-                <a:schemeClr val="accent1"/>
-              </a:buClr>
-              <a:buSzPct val="110000"/>
-              <a:buFont typeface="Wingdings" panose="05000000000000000000" pitchFamily="2" charset="2"/>
-              <a:buChar char="§"/>
-              <a:defRPr sz="1600" kern="1200">
-                <a:solidFill>
-                  <a:schemeClr val="tx1"/>
-                </a:solidFill>
-                <a:effectLst/>
-                <a:latin typeface="+mn-lt"/>
-                <a:ea typeface="+mn-ea"/>
-                <a:cs typeface="+mn-cs"/>
-              </a:defRPr>
-            </a:lvl2pPr>
-            <a:lvl3pPr marL="1143000" indent="-228600" algn="l" defTabSz="914400" rtl="0" eaLnBrk="1" latinLnBrk="0" hangingPunct="1">
-              <a:lnSpc>
-                <a:spcPct val="120000"/>
-              </a:lnSpc>
-              <a:spcBef>
-                <a:spcPts val="500"/>
-              </a:spcBef>
-              <a:buClr>
-                <a:schemeClr val="accent1"/>
-              </a:buClr>
-              <a:buSzPct val="110000"/>
-              <a:buFont typeface="Wingdings" panose="05000000000000000000" pitchFamily="2" charset="2"/>
-              <a:buChar char="§"/>
-              <a:defRPr sz="1400" kern="1200">
-                <a:solidFill>
-                  <a:schemeClr val="tx1"/>
-                </a:solidFill>
-                <a:effectLst/>
-                <a:latin typeface="+mn-lt"/>
-                <a:ea typeface="+mn-ea"/>
-                <a:cs typeface="+mn-cs"/>
-              </a:defRPr>
-            </a:lvl3pPr>
-            <a:lvl4pPr marL="1600200" indent="-228600" algn="l" defTabSz="914400" rtl="0" eaLnBrk="1" latinLnBrk="0" hangingPunct="1">
-              <a:lnSpc>
-                <a:spcPct val="120000"/>
-              </a:lnSpc>
-              <a:spcBef>
-                <a:spcPts val="500"/>
-              </a:spcBef>
-              <a:buClr>
-                <a:schemeClr val="accent1"/>
-              </a:buClr>
-              <a:buSzPct val="110000"/>
-              <a:buFont typeface="Wingdings" panose="05000000000000000000" pitchFamily="2" charset="2"/>
-              <a:buChar char="§"/>
-              <a:defRPr sz="1200" kern="1200">
-                <a:solidFill>
-                  <a:schemeClr val="tx1"/>
-                </a:solidFill>
-                <a:effectLst/>
-                <a:latin typeface="+mn-lt"/>
-                <a:ea typeface="+mn-ea"/>
-                <a:cs typeface="+mn-cs"/>
-              </a:defRPr>
-            </a:lvl4pPr>
-            <a:lvl5pPr marL="2057400" indent="-228600" algn="l" defTabSz="914400" rtl="0" eaLnBrk="1" latinLnBrk="0" hangingPunct="1">
-              <a:lnSpc>
-                <a:spcPct val="120000"/>
-              </a:lnSpc>
-              <a:spcBef>
-                <a:spcPts val="500"/>
-              </a:spcBef>
-              <a:buClr>
-                <a:schemeClr val="accent1"/>
-              </a:buClr>
-              <a:buSzPct val="110000"/>
-              <a:buFont typeface="Wingdings" panose="05000000000000000000" pitchFamily="2" charset="2"/>
-              <a:buChar char="§"/>
-              <a:defRPr sz="1200" kern="1200">
-                <a:solidFill>
-                  <a:schemeClr val="tx1"/>
-                </a:solidFill>
-                <a:effectLst/>
-                <a:latin typeface="+mn-lt"/>
-                <a:ea typeface="+mn-ea"/>
-                <a:cs typeface="+mn-cs"/>
-              </a:defRPr>
-            </a:lvl5pPr>
-            <a:lvl6pPr marL="2514600" indent="-228600" algn="l" defTabSz="914400" rtl="0" eaLnBrk="1" latinLnBrk="0" hangingPunct="1">
-              <a:lnSpc>
-                <a:spcPct val="120000"/>
-              </a:lnSpc>
-              <a:spcBef>
-                <a:spcPts val="500"/>
-              </a:spcBef>
-              <a:buClr>
-                <a:schemeClr val="accent1"/>
-              </a:buClr>
-              <a:buSzPct val="110000"/>
-              <a:buFont typeface="Wingdings" panose="05000000000000000000" pitchFamily="2" charset="2"/>
-              <a:buChar char="§"/>
-              <a:defRPr sz="1200" kern="1200">
-                <a:solidFill>
-                  <a:schemeClr val="tx1"/>
-                </a:solidFill>
-                <a:effectLst/>
-                <a:latin typeface="+mn-lt"/>
-                <a:ea typeface="+mn-ea"/>
-                <a:cs typeface="+mn-cs"/>
-              </a:defRPr>
-            </a:lvl6pPr>
-            <a:lvl7pPr marL="2971800" indent="-228600" algn="l" defTabSz="914400" rtl="0" eaLnBrk="1" latinLnBrk="0" hangingPunct="1">
-              <a:lnSpc>
-                <a:spcPct val="120000"/>
-              </a:lnSpc>
-              <a:spcBef>
-                <a:spcPts val="500"/>
-              </a:spcBef>
-              <a:buClr>
-                <a:schemeClr val="accent1"/>
-              </a:buClr>
-              <a:buSzPct val="110000"/>
-              <a:buFont typeface="Wingdings" panose="05000000000000000000" pitchFamily="2" charset="2"/>
-              <a:buChar char="§"/>
-              <a:defRPr sz="1200" kern="1200">
-                <a:solidFill>
-                  <a:schemeClr val="tx1"/>
-                </a:solidFill>
-                <a:effectLst/>
-                <a:latin typeface="+mn-lt"/>
-                <a:ea typeface="+mn-ea"/>
-                <a:cs typeface="+mn-cs"/>
-              </a:defRPr>
-            </a:lvl7pPr>
-            <a:lvl8pPr marL="3429000" indent="-228600" algn="l" defTabSz="914400" rtl="0" eaLnBrk="1" latinLnBrk="0" hangingPunct="1">
-              <a:lnSpc>
-                <a:spcPct val="120000"/>
-              </a:lnSpc>
-              <a:spcBef>
-                <a:spcPts val="500"/>
-              </a:spcBef>
-              <a:buClr>
-                <a:schemeClr val="accent1"/>
-              </a:buClr>
-              <a:buSzPct val="110000"/>
-              <a:buFont typeface="Wingdings" panose="05000000000000000000" pitchFamily="2" charset="2"/>
-              <a:buChar char="§"/>
-              <a:defRPr sz="1200" kern="1200">
-                <a:solidFill>
-                  <a:schemeClr val="tx1"/>
-                </a:solidFill>
-                <a:effectLst/>
-                <a:latin typeface="+mn-lt"/>
-                <a:ea typeface="+mn-ea"/>
-                <a:cs typeface="+mn-cs"/>
-              </a:defRPr>
-            </a:lvl8pPr>
-            <a:lvl9pPr marL="3886200" indent="-228600" algn="l" defTabSz="914400" rtl="0" eaLnBrk="1" latinLnBrk="0" hangingPunct="1">
-              <a:lnSpc>
-                <a:spcPct val="120000"/>
-              </a:lnSpc>
-              <a:spcBef>
-                <a:spcPts val="500"/>
-              </a:spcBef>
-              <a:buClr>
-                <a:schemeClr val="accent1"/>
-              </a:buClr>
-              <a:buSzPct val="110000"/>
-              <a:buFont typeface="Wingdings" panose="05000000000000000000" pitchFamily="2" charset="2"/>
-              <a:buChar char="§"/>
-              <a:defRPr sz="1200" kern="1200">
-                <a:solidFill>
-                  <a:schemeClr val="tx1"/>
-                </a:solidFill>
-                <a:effectLst/>
-                <a:latin typeface="+mn-lt"/>
-                <a:ea typeface="+mn-ea"/>
-                <a:cs typeface="+mn-cs"/>
-              </a:defRPr>
-            </a:lvl9pPr>
-          </a:lstStyle>
-          <a:p>
-            <a:pPr marL="0" indent="0">
-              <a:buFont typeface="Wingdings" panose="05000000000000000000" pitchFamily="2" charset="2"/>
-              <a:buNone/>
-            </a:pPr>
-            <a:r>
-              <a:rPr lang="en-GB" dirty="0" smtClean="0"/>
-              <a:t>Modals CSS code</a:t>
-            </a:r>
-          </a:p>
-        </p:txBody>
-      </p:sp>
-      <p:pic>
-        <p:nvPicPr>
-          <p:cNvPr id="7" name="Picture 6"/>
-          <p:cNvPicPr>
-            <a:picLocks noChangeAspect="1"/>
-          </p:cNvPicPr>
-          <p:nvPr/>
-        </p:nvPicPr>
-        <p:blipFill>
-          <a:blip r:embed="rId2">
-            <a:extLst>
-              <a:ext uri="{28A0092B-C50C-407E-A947-70E740481C1C}">
-                <a14:useLocalDpi xmlns:a14="http://schemas.microsoft.com/office/drawing/2010/main" val="0"/>
-              </a:ext>
-            </a:extLst>
-          </a:blip>
-          <a:stretch>
-            <a:fillRect/>
-          </a:stretch>
-        </p:blipFill>
-        <p:spPr>
-          <a:xfrm>
-            <a:off x="5318144" y="1174627"/>
-            <a:ext cx="5623125" cy="5683373"/>
-          </a:xfrm>
-          <a:prstGeom prst="rect">
-            <a:avLst/>
-          </a:prstGeom>
-        </p:spPr>
-      </p:pic>
-    </p:spTree>
-    <p:extLst>
-      <p:ext uri="{BB962C8B-B14F-4D97-AF65-F5344CB8AC3E}">
-        <p14:creationId xmlns:p14="http://schemas.microsoft.com/office/powerpoint/2010/main" val="1188083020"/>
       </p:ext>
     </p:extLst>
   </p:cSld>
@@ -20216,7 +20990,7 @@
   <a:extraClrSchemeLst/>
   <a:extLst>
     <a:ext uri="{05A4C25C-085E-4340-85A3-A5531E510DB2}">
-      <thm15:themeFamily xmlns:thm15="http://schemas.microsoft.com/office/thememl/2012/main" xmlns="" name="Atlas" id="{5156B0E4-0EB1-49FE-A26B-15F6F698AEC6}" vid="{C0CB9708-C445-4049-9D7F-4C8684E69AF3}"/>
+      <thm15:themeFamily xmlns:thm15="http://schemas.microsoft.com/office/thememl/2012/main" name="Atlas" id="{5156B0E4-0EB1-49FE-A26B-15F6F698AEC6}" vid="{C0CB9708-C445-4049-9D7F-4C8684E69AF3}"/>
     </a:ext>
   </a:extLst>
 </a:theme>
